--- a/01_Organisation/02_Meilensteine/m3/Praesentation_m3.pptx
+++ b/01_Organisation/02_Meilensteine/m3/Praesentation_m3.pptx
@@ -5,12 +5,13 @@
     <p:sldMasterId id="2147484208" r:id="rId1"/>
   </p:sldMasterIdLst>
   <p:notesMasterIdLst>
-    <p:notesMasterId r:id="rId5"/>
+    <p:notesMasterId r:id="rId6"/>
   </p:notesMasterIdLst>
   <p:sldIdLst>
     <p:sldId id="280" r:id="rId2"/>
     <p:sldId id="283" r:id="rId3"/>
-    <p:sldId id="316" r:id="rId4"/>
+    <p:sldId id="317" r:id="rId4"/>
+    <p:sldId id="316" r:id="rId5"/>
   </p:sldIdLst>
   <p:sldSz cx="9144000" cy="6858000" type="screen4x3"/>
   <p:notesSz cx="6858000" cy="9144000"/>
@@ -210,7 +211,7 @@
           <a:p>
             <a:fld id="{056AEFA0-306F-4413-9CBC-3BA55C168B73}" type="datetimeFigureOut">
               <a:rPr lang="de-CH" smtClean="0"/>
-              <a:t>01.05.18</a:t>
+              <a:t>08.05.18</a:t>
             </a:fld>
             <a:endParaRPr lang="de-CH"/>
           </a:p>
@@ -478,6 +479,90 @@
 </p:notesMaster>
 </file>
 
+<file path=ppt/notesSlides/notesSlide1.xml><?xml version="1.0" encoding="utf-8"?>
+<p:notes xmlns:a="http://schemas.openxmlformats.org/drawingml/2006/main" xmlns:r="http://schemas.openxmlformats.org/officeDocument/2006/relationships" xmlns:p="http://schemas.openxmlformats.org/presentationml/2006/main">
+  <p:cSld>
+    <p:spTree>
+      <p:nvGrpSpPr>
+        <p:cNvPr id="1" name=""/>
+        <p:cNvGrpSpPr/>
+        <p:nvPr/>
+      </p:nvGrpSpPr>
+      <p:grpSpPr>
+        <a:xfrm>
+          <a:off x="0" y="0"/>
+          <a:ext cx="0" cy="0"/>
+          <a:chOff x="0" y="0"/>
+          <a:chExt cx="0" cy="0"/>
+        </a:xfrm>
+      </p:grpSpPr>
+      <p:sp>
+        <p:nvSpPr>
+          <p:cNvPr id="2" name="Folienbildplatzhalter 1"/>
+          <p:cNvSpPr>
+            <a:spLocks noGrp="1" noRot="1" noChangeAspect="1"/>
+          </p:cNvSpPr>
+          <p:nvPr>
+            <p:ph type="sldImg"/>
+          </p:nvPr>
+        </p:nvSpPr>
+        <p:spPr/>
+      </p:sp>
+      <p:sp>
+        <p:nvSpPr>
+          <p:cNvPr id="3" name="Notizenplatzhalter 2"/>
+          <p:cNvSpPr>
+            <a:spLocks noGrp="1"/>
+          </p:cNvSpPr>
+          <p:nvPr>
+            <p:ph type="body" idx="1"/>
+          </p:nvPr>
+        </p:nvSpPr>
+        <p:spPr/>
+        <p:txBody>
+          <a:bodyPr/>
+          <a:lstStyle/>
+          <a:p>
+            <a:endParaRPr lang="de-DE" dirty="0"/>
+          </a:p>
+        </p:txBody>
+      </p:sp>
+      <p:sp>
+        <p:nvSpPr>
+          <p:cNvPr id="4" name="Foliennummernplatzhalter 3"/>
+          <p:cNvSpPr>
+            <a:spLocks noGrp="1"/>
+          </p:cNvSpPr>
+          <p:nvPr>
+            <p:ph type="sldNum" sz="quarter" idx="10"/>
+          </p:nvPr>
+        </p:nvSpPr>
+        <p:spPr/>
+        <p:txBody>
+          <a:bodyPr/>
+          <a:lstStyle/>
+          <a:p>
+            <a:fld id="{7DE258FE-F2E5-45B1-B077-BAB345233DBE}" type="slidenum">
+              <a:rPr lang="de-CH" smtClean="0"/>
+              <a:t>3</a:t>
+            </a:fld>
+            <a:endParaRPr lang="de-CH"/>
+          </a:p>
+        </p:txBody>
+      </p:sp>
+    </p:spTree>
+    <p:extLst>
+      <p:ext uri="{BB962C8B-B14F-4D97-AF65-F5344CB8AC3E}">
+        <p14:creationId xmlns:p14="http://schemas.microsoft.com/office/powerpoint/2010/main" val="605130114"/>
+      </p:ext>
+    </p:extLst>
+  </p:cSld>
+  <p:clrMapOvr>
+    <a:masterClrMapping/>
+  </p:clrMapOvr>
+</p:notes>
+</file>
+
 <file path=ppt/slideLayouts/slideLayout1.xml><?xml version="1.0" encoding="utf-8"?>
 <p:sldLayout xmlns:a="http://schemas.openxmlformats.org/drawingml/2006/main" xmlns:r="http://schemas.openxmlformats.org/officeDocument/2006/relationships" xmlns:p="http://schemas.openxmlformats.org/presentationml/2006/main" type="title" preserve="1">
   <p:cSld name="Titelfolie">
@@ -609,7 +694,7 @@
           <a:p>
             <a:fld id="{20FD5246-4265-435A-B901-A38BFD400D8A}" type="datetimeFigureOut">
               <a:rPr lang="de-CH" smtClean="0"/>
-              <a:t>01.05.18</a:t>
+              <a:t>08.05.18</a:t>
             </a:fld>
             <a:endParaRPr lang="de-CH"/>
           </a:p>
@@ -779,7 +864,7 @@
           <a:p>
             <a:fld id="{20FD5246-4265-435A-B901-A38BFD400D8A}" type="datetimeFigureOut">
               <a:rPr lang="de-CH" smtClean="0"/>
-              <a:t>01.05.18</a:t>
+              <a:t>08.05.18</a:t>
             </a:fld>
             <a:endParaRPr lang="de-CH"/>
           </a:p>
@@ -959,7 +1044,7 @@
           <a:p>
             <a:fld id="{20FD5246-4265-435A-B901-A38BFD400D8A}" type="datetimeFigureOut">
               <a:rPr lang="de-CH" smtClean="0"/>
-              <a:t>01.05.18</a:t>
+              <a:t>08.05.18</a:t>
             </a:fld>
             <a:endParaRPr lang="de-CH"/>
           </a:p>
@@ -1129,7 +1214,7 @@
           <a:p>
             <a:fld id="{20FD5246-4265-435A-B901-A38BFD400D8A}" type="datetimeFigureOut">
               <a:rPr lang="de-CH" smtClean="0"/>
-              <a:t>01.05.18</a:t>
+              <a:t>08.05.18</a:t>
             </a:fld>
             <a:endParaRPr lang="de-CH"/>
           </a:p>
@@ -1373,7 +1458,7 @@
           <a:p>
             <a:fld id="{20FD5246-4265-435A-B901-A38BFD400D8A}" type="datetimeFigureOut">
               <a:rPr lang="de-CH" smtClean="0"/>
-              <a:t>01.05.18</a:t>
+              <a:t>08.05.18</a:t>
             </a:fld>
             <a:endParaRPr lang="de-CH"/>
           </a:p>
@@ -1605,7 +1690,7 @@
           <a:p>
             <a:fld id="{20FD5246-4265-435A-B901-A38BFD400D8A}" type="datetimeFigureOut">
               <a:rPr lang="de-CH" smtClean="0"/>
-              <a:t>01.05.18</a:t>
+              <a:t>08.05.18</a:t>
             </a:fld>
             <a:endParaRPr lang="de-CH"/>
           </a:p>
@@ -1972,7 +2057,7 @@
           <a:p>
             <a:fld id="{20FD5246-4265-435A-B901-A38BFD400D8A}" type="datetimeFigureOut">
               <a:rPr lang="de-CH" smtClean="0"/>
-              <a:t>01.05.18</a:t>
+              <a:t>08.05.18</a:t>
             </a:fld>
             <a:endParaRPr lang="de-CH"/>
           </a:p>
@@ -2090,7 +2175,7 @@
           <a:p>
             <a:fld id="{20FD5246-4265-435A-B901-A38BFD400D8A}" type="datetimeFigureOut">
               <a:rPr lang="de-CH" smtClean="0"/>
-              <a:t>01.05.18</a:t>
+              <a:t>08.05.18</a:t>
             </a:fld>
             <a:endParaRPr lang="de-CH"/>
           </a:p>
@@ -2185,7 +2270,7 @@
           <a:p>
             <a:fld id="{20FD5246-4265-435A-B901-A38BFD400D8A}" type="datetimeFigureOut">
               <a:rPr lang="de-CH" smtClean="0"/>
-              <a:t>01.05.18</a:t>
+              <a:t>08.05.18</a:t>
             </a:fld>
             <a:endParaRPr lang="de-CH"/>
           </a:p>
@@ -2462,7 +2547,7 @@
           <a:p>
             <a:fld id="{20FD5246-4265-435A-B901-A38BFD400D8A}" type="datetimeFigureOut">
               <a:rPr lang="de-CH" smtClean="0"/>
-              <a:t>01.05.18</a:t>
+              <a:t>08.05.18</a:t>
             </a:fld>
             <a:endParaRPr lang="de-CH"/>
           </a:p>
@@ -2719,7 +2804,7 @@
           <a:p>
             <a:fld id="{20FD5246-4265-435A-B901-A38BFD400D8A}" type="datetimeFigureOut">
               <a:rPr lang="de-CH" smtClean="0"/>
-              <a:t>01.05.18</a:t>
+              <a:t>08.05.18</a:t>
             </a:fld>
             <a:endParaRPr lang="de-CH"/>
           </a:p>
@@ -2932,7 +3017,7 @@
           <a:p>
             <a:fld id="{20FD5246-4265-435A-B901-A38BFD400D8A}" type="datetimeFigureOut">
               <a:rPr lang="de-CH" smtClean="0"/>
-              <a:t>01.05.18</a:t>
+              <a:t>08.05.18</a:t>
             </a:fld>
             <a:endParaRPr lang="de-CH"/>
           </a:p>
@@ -3513,7 +3598,7 @@
               <a:rPr lang="de-CH" sz="1200" dirty="0">
                 <a:latin typeface="Calibri" panose="020F0502020204030204" pitchFamily="34" charset="0"/>
               </a:rPr>
-              <a:t>8.  Mai 2018</a:t>
+              <a:t>8. Mai 2018</a:t>
             </a:r>
           </a:p>
         </p:txBody>
@@ -3780,7 +3865,7 @@
               <a:rPr lang="de-CH" sz="1200" dirty="0">
                 <a:latin typeface="Calibri" panose="020F0502020204030204" pitchFamily="34" charset="0"/>
               </a:rPr>
-              <a:t>8.  Mai 2018</a:t>
+              <a:t>8. Mai 2018</a:t>
             </a:r>
           </a:p>
         </p:txBody>
@@ -4330,36 +4415,192 @@
           <a:chExt cx="0" cy="0"/>
         </a:xfrm>
       </p:grpSpPr>
-      <p:sp>
-        <p:nvSpPr>
-          <p:cNvPr id="2" name="Titel 1"/>
-          <p:cNvSpPr>
-            <a:spLocks noGrp="1"/>
-          </p:cNvSpPr>
-          <p:nvPr>
-            <p:ph type="ctrTitle"/>
-          </p:nvPr>
-        </p:nvSpPr>
-        <p:spPr>
-          <a:xfrm>
-            <a:off x="-29425" y="2060848"/>
-            <a:ext cx="9144000" cy="1139552"/>
-          </a:xfrm>
-        </p:spPr>
-        <p:txBody>
-          <a:bodyPr>
-            <a:normAutofit/>
+      <p:pic>
+        <p:nvPicPr>
+          <p:cNvPr id="13" name="Grafik 12">
+            <a:extLst>
+              <a:ext uri="{FF2B5EF4-FFF2-40B4-BE49-F238E27FC236}">
+                <a16:creationId xmlns:a16="http://schemas.microsoft.com/office/drawing/2014/main" id="{00453448-D0BE-BC4A-91C8-50E637D2FFD5}"/>
+              </a:ext>
+            </a:extLst>
+          </p:cNvPr>
+          <p:cNvPicPr>
+            <a:picLocks noChangeAspect="1"/>
+          </p:cNvPicPr>
+          <p:nvPr/>
+        </p:nvPicPr>
+        <p:blipFill>
+          <a:blip r:embed="rId3">
+            <a:extLst>
+              <a:ext uri="{28A0092B-C50C-407E-A947-70E740481C1C}">
+                <a14:useLocalDpi xmlns:a14="http://schemas.microsoft.com/office/drawing/2010/main" val="0"/>
+              </a:ext>
+            </a:extLst>
+          </a:blip>
+          <a:stretch>
+            <a:fillRect/>
+          </a:stretch>
+        </p:blipFill>
+        <p:spPr>
+          <a:xfrm>
+            <a:off x="0" y="-3571"/>
+            <a:ext cx="1066800" cy="406400"/>
+          </a:xfrm>
+          <a:prstGeom prst="rect">
+            <a:avLst/>
+          </a:prstGeom>
+        </p:spPr>
+      </p:pic>
+      <p:sp>
+        <p:nvSpPr>
+          <p:cNvPr id="11" name="Textfeld 10"/>
+          <p:cNvSpPr txBox="1"/>
+          <p:nvPr/>
+        </p:nvSpPr>
+        <p:spPr>
+          <a:xfrm>
+            <a:off x="633368" y="1623458"/>
+            <a:ext cx="4468128" cy="5262979"/>
+          </a:xfrm>
+          <a:prstGeom prst="rect">
+            <a:avLst/>
+          </a:prstGeom>
+          <a:noFill/>
+        </p:spPr>
+        <p:txBody>
+          <a:bodyPr wrap="square" rtlCol="0" anchor="t">
+            <a:spAutoFit/>
           </a:bodyPr>
           <a:lstStyle/>
           <a:p>
-            <a:r>
-              <a:rPr lang="de-CH" sz="6600" b="1" dirty="0"/>
-              <a:t>Diskussionsrunde</a:t>
-            </a:r>
-            <a:endParaRPr lang="de-CH" sz="6600" b="1" dirty="0">
-              <a:solidFill>
-                <a:schemeClr val="tx1"/>
-              </a:solidFill>
+            <a:pPr marL="342900" indent="-342900">
+              <a:buFont typeface="Arial" panose="020B0604020202020204" pitchFamily="34" charset="0"/>
+              <a:buChar char="•"/>
+            </a:pPr>
+            <a:r>
+              <a:rPr lang="de-CH" sz="2400" dirty="0">
+                <a:latin typeface="Calibri" panose="020F0502020204030204" pitchFamily="34" charset="0"/>
+              </a:rPr>
+              <a:t>Teile sortieren</a:t>
+            </a:r>
+            <a:endParaRPr lang="de-DE" sz="2400" dirty="0">
+              <a:latin typeface="Calibri" panose="020F0502020204030204" pitchFamily="34" charset="0"/>
+            </a:endParaRPr>
+          </a:p>
+          <a:p>
+            <a:pPr marL="342900" indent="-342900">
+              <a:buFont typeface="Arial" panose="020B0604020202020204" pitchFamily="34" charset="0"/>
+              <a:buChar char="•"/>
+            </a:pPr>
+            <a:r>
+              <a:rPr lang="de-CH" sz="2400" dirty="0">
+                <a:latin typeface="Calibri" panose="020F0502020204030204" pitchFamily="34" charset="0"/>
+              </a:rPr>
+              <a:t>Print bestücken </a:t>
+            </a:r>
+          </a:p>
+          <a:p>
+            <a:pPr marL="342900" indent="-342900">
+              <a:buFont typeface="Arial" panose="020B0604020202020204" pitchFamily="34" charset="0"/>
+              <a:buChar char="•"/>
+            </a:pPr>
+            <a:r>
+              <a:rPr lang="de-CH" sz="2400" dirty="0">
+                <a:latin typeface="Calibri" panose="020F0502020204030204" pitchFamily="34" charset="0"/>
+              </a:rPr>
+              <a:t>Inbetriebnahme</a:t>
+            </a:r>
+          </a:p>
+          <a:p>
+            <a:pPr marL="342900" indent="-342900">
+              <a:buFont typeface="Arial" panose="020B0604020202020204" pitchFamily="34" charset="0"/>
+              <a:buChar char="•"/>
+            </a:pPr>
+            <a:endParaRPr lang="de-CH" sz="2400" dirty="0">
+              <a:latin typeface="Calibri" panose="020F0502020204030204" pitchFamily="34" charset="0"/>
+            </a:endParaRPr>
+          </a:p>
+          <a:p>
+            <a:pPr marL="342900" indent="-342900">
+              <a:buFont typeface="Arial" panose="020B0604020202020204" pitchFamily="34" charset="0"/>
+              <a:buChar char="•"/>
+            </a:pPr>
+            <a:r>
+              <a:rPr lang="de-CH" sz="2400" dirty="0">
+                <a:latin typeface="Calibri" panose="020F0502020204030204" pitchFamily="34" charset="0"/>
+              </a:rPr>
+              <a:t>Gelöste Probleme:</a:t>
+            </a:r>
+          </a:p>
+          <a:p>
+            <a:pPr marL="800100" lvl="1" indent="-342900">
+              <a:buFont typeface="Courier New" panose="02070309020205020404" pitchFamily="49" charset="0"/>
+              <a:buChar char="o"/>
+            </a:pPr>
+            <a:r>
+              <a:rPr lang="de-CH" sz="2400" dirty="0">
+                <a:latin typeface="Calibri" panose="020F0502020204030204" pitchFamily="34" charset="0"/>
+              </a:rPr>
+              <a:t>Spannungsregler 3.3 V</a:t>
+            </a:r>
+          </a:p>
+          <a:p>
+            <a:pPr marL="342900" indent="-342900">
+              <a:buFont typeface="Arial" panose="020B0604020202020204" pitchFamily="34" charset="0"/>
+              <a:buChar char="•"/>
+            </a:pPr>
+            <a:endParaRPr lang="de-CH" sz="2400" dirty="0">
+              <a:latin typeface="Calibri" panose="020F0502020204030204" pitchFamily="34" charset="0"/>
+            </a:endParaRPr>
+          </a:p>
+          <a:p>
+            <a:pPr marL="342900" indent="-342900">
+              <a:buFont typeface="Arial" panose="020B0604020202020204" pitchFamily="34" charset="0"/>
+              <a:buChar char="•"/>
+            </a:pPr>
+            <a:r>
+              <a:rPr lang="de-CH" sz="2400" dirty="0">
+                <a:latin typeface="Calibri" panose="020F0502020204030204" pitchFamily="34" charset="0"/>
+              </a:rPr>
+              <a:t>Ungelöste Probleme:</a:t>
+            </a:r>
+          </a:p>
+          <a:p>
+            <a:pPr marL="800100" lvl="1" indent="-342900">
+              <a:buFont typeface="Courier New" panose="02070309020205020404" pitchFamily="49" charset="0"/>
+              <a:buChar char="o"/>
+            </a:pPr>
+            <a:r>
+              <a:rPr lang="de-CH" sz="2400" dirty="0">
+                <a:latin typeface="Calibri" panose="020F0502020204030204" pitchFamily="34" charset="0"/>
+              </a:rPr>
+              <a:t>Distanzsensoren Werte falsch</a:t>
+            </a:r>
+          </a:p>
+          <a:p>
+            <a:pPr marL="342900" indent="-342900">
+              <a:buFont typeface="Arial" panose="020B0604020202020204" pitchFamily="34" charset="0"/>
+              <a:buChar char="•"/>
+            </a:pPr>
+            <a:endParaRPr lang="de-CH" sz="2400" dirty="0">
+              <a:latin typeface="Calibri" panose="020F0502020204030204" pitchFamily="34" charset="0"/>
+            </a:endParaRPr>
+          </a:p>
+          <a:p>
+            <a:endParaRPr lang="de-CH" sz="2400" dirty="0">
+              <a:latin typeface="Calibri" panose="020F0502020204030204" pitchFamily="34" charset="0"/>
+            </a:endParaRPr>
+          </a:p>
+          <a:p>
+            <a:pPr lvl="1"/>
+            <a:endParaRPr lang="de-CH" sz="2400" dirty="0">
+              <a:latin typeface="Calibri" panose="020F0502020204030204" pitchFamily="34" charset="0"/>
+            </a:endParaRPr>
+          </a:p>
+          <a:p>
+            <a:pPr lvl="1"/>
+            <a:endParaRPr lang="de-CH" sz="2400" dirty="0">
+              <a:latin typeface="Calibri" panose="020F0502020204030204" pitchFamily="34" charset="0"/>
             </a:endParaRPr>
           </a:p>
         </p:txBody>
@@ -4408,7 +4649,7 @@
         <p:spPr>
           <a:xfrm>
             <a:off x="287830" y="6542726"/>
-            <a:ext cx="1277914" cy="276999"/>
+            <a:ext cx="1208792" cy="276999"/>
           </a:xfrm>
           <a:prstGeom prst="rect">
             <a:avLst/>
@@ -4425,7 +4666,7 @@
               <a:rPr lang="de-CH" sz="1200" dirty="0">
                 <a:latin typeface="Calibri" panose="020F0502020204030204" pitchFamily="34" charset="0"/>
               </a:rPr>
-              <a:t>Meilenstein_M1c</a:t>
+              <a:t>Meilenstein_M3</a:t>
             </a:r>
           </a:p>
         </p:txBody>
@@ -4438,8 +4679,8 @@
         </p:nvSpPr>
         <p:spPr>
           <a:xfrm>
-            <a:off x="7596336" y="6542725"/>
-            <a:ext cx="1285288" cy="276999"/>
+            <a:off x="7919501" y="6542725"/>
+            <a:ext cx="962123" cy="276999"/>
           </a:xfrm>
           <a:prstGeom prst="rect">
             <a:avLst/>
@@ -4457,7 +4698,39 @@
               <a:rPr lang="de-CH" sz="1200" dirty="0">
                 <a:latin typeface="Calibri" panose="020F0502020204030204" pitchFamily="34" charset="0"/>
               </a:rPr>
-              <a:t>20.  Februar 2018</a:t>
+              <a:t>8.  Mai 2018</a:t>
+            </a:r>
+          </a:p>
+        </p:txBody>
+      </p:sp>
+      <p:sp>
+        <p:nvSpPr>
+          <p:cNvPr id="8" name="Textfeld 7"/>
+          <p:cNvSpPr txBox="1"/>
+          <p:nvPr/>
+        </p:nvSpPr>
+        <p:spPr>
+          <a:xfrm>
+            <a:off x="3627204" y="6542724"/>
+            <a:ext cx="1800200" cy="276999"/>
+          </a:xfrm>
+          <a:prstGeom prst="rect">
+            <a:avLst/>
+          </a:prstGeom>
+          <a:noFill/>
+        </p:spPr>
+        <p:txBody>
+          <a:bodyPr wrap="square" rtlCol="0">
+            <a:spAutoFit/>
+          </a:bodyPr>
+          <a:lstStyle/>
+          <a:p>
+            <a:pPr algn="ctr"/>
+            <a:r>
+              <a:rPr lang="de-CH" sz="1200" dirty="0">
+                <a:latin typeface="Calibri" panose="020F0502020204030204" pitchFamily="34" charset="0"/>
+              </a:rPr>
+              <a:t>Seite 3/11</a:t>
             </a:r>
           </a:p>
         </p:txBody>
@@ -4521,26 +4794,678 @@
           <a:p>
             <a:pPr algn="r"/>
             <a:r>
-              <a:rPr lang="de-CH" sz="1200">
-                <a:latin typeface="Calibri" panose="020F0502020204030204" pitchFamily="34" charset="0"/>
-              </a:rPr>
-              <a:t>SysP18_</a:t>
-            </a:r>
-            <a:r>
               <a:rPr lang="de-CH" sz="1200" dirty="0">
                 <a:latin typeface="Calibri" panose="020F0502020204030204" pitchFamily="34" charset="0"/>
               </a:rPr>
-              <a:t>Team_10</a:t>
+              <a:t>SysP18_Team_10</a:t>
+            </a:r>
+          </a:p>
+        </p:txBody>
+      </p:sp>
+      <p:sp>
+        <p:nvSpPr>
+          <p:cNvPr id="14" name="Textfeld 13"/>
+          <p:cNvSpPr txBox="1"/>
+          <p:nvPr/>
+        </p:nvSpPr>
+        <p:spPr>
+          <a:xfrm>
+            <a:off x="313904" y="1124744"/>
+            <a:ext cx="4402111" cy="523220"/>
+          </a:xfrm>
+          <a:prstGeom prst="rect">
+            <a:avLst/>
+          </a:prstGeom>
+          <a:noFill/>
+        </p:spPr>
+        <p:txBody>
+          <a:bodyPr wrap="square" rtlCol="0">
+            <a:spAutoFit/>
+          </a:bodyPr>
+          <a:lstStyle/>
+          <a:p>
+            <a:r>
+              <a:rPr lang="de-CH" sz="2800" b="1" dirty="0">
+                <a:latin typeface="+mj-lt"/>
+              </a:rPr>
+              <a:t>Elektronik</a:t>
             </a:r>
           </a:p>
         </p:txBody>
       </p:sp>
       <p:pic>
         <p:nvPicPr>
-          <p:cNvPr id="11" name="Grafik 10">
+          <p:cNvPr id="17" name="Grafik 16">
             <a:extLst>
               <a:ext uri="{FF2B5EF4-FFF2-40B4-BE49-F238E27FC236}">
-                <a16:creationId xmlns:a16="http://schemas.microsoft.com/office/drawing/2014/main" id="{9F2F158D-C187-114B-84C6-2697A8412846}"/>
+                <a16:creationId xmlns:a16="http://schemas.microsoft.com/office/drawing/2014/main" id="{4435F88A-E591-BC44-959E-B64F14590049}"/>
+              </a:ext>
+            </a:extLst>
+          </p:cNvPr>
+          <p:cNvPicPr>
+            <a:picLocks noChangeAspect="1"/>
+          </p:cNvPicPr>
+          <p:nvPr/>
+        </p:nvPicPr>
+        <p:blipFill>
+          <a:blip r:embed="rId4">
+            <a:extLst>
+              <a:ext uri="{28A0092B-C50C-407E-A947-70E740481C1C}">
+                <a14:useLocalDpi xmlns:a14="http://schemas.microsoft.com/office/drawing/2010/main" val="0"/>
+              </a:ext>
+            </a:extLst>
+          </a:blip>
+          <a:stretch>
+            <a:fillRect/>
+          </a:stretch>
+        </p:blipFill>
+        <p:spPr>
+          <a:xfrm>
+            <a:off x="5101496" y="1623458"/>
+            <a:ext cx="3252418" cy="4336557"/>
+          </a:xfrm>
+          <a:prstGeom prst="rect">
+            <a:avLst/>
+          </a:prstGeom>
+        </p:spPr>
+      </p:pic>
+    </p:spTree>
+    <p:extLst>
+      <p:ext uri="{BB962C8B-B14F-4D97-AF65-F5344CB8AC3E}">
+        <p14:creationId xmlns:p14="http://schemas.microsoft.com/office/powerpoint/2010/main" val="2600030342"/>
+      </p:ext>
+    </p:extLst>
+  </p:cSld>
+  <p:clrMapOvr>
+    <a:masterClrMapping/>
+  </p:clrMapOvr>
+  <p:timing>
+    <p:tnLst>
+      <p:par>
+        <p:cTn id="1" dur="indefinite" restart="never" nodeType="tmRoot">
+          <p:childTnLst>
+            <p:seq concurrent="1" nextAc="seek">
+              <p:cTn id="2" dur="indefinite" nodeType="mainSeq">
+                <p:childTnLst>
+                  <p:par>
+                    <p:cTn id="3" fill="hold">
+                      <p:stCondLst>
+                        <p:cond delay="indefinite"/>
+                        <p:cond evt="onBegin" delay="0">
+                          <p:tn val="2"/>
+                        </p:cond>
+                      </p:stCondLst>
+                      <p:childTnLst>
+                        <p:par>
+                          <p:cTn id="4" fill="hold">
+                            <p:stCondLst>
+                              <p:cond delay="0"/>
+                            </p:stCondLst>
+                            <p:childTnLst>
+                              <p:par>
+                                <p:cTn id="5" presetID="1" presetClass="entr" presetSubtype="0" fill="hold" grpId="0" nodeType="withEffect">
+                                  <p:stCondLst>
+                                    <p:cond delay="0"/>
+                                  </p:stCondLst>
+                                  <p:childTnLst>
+                                    <p:set>
+                                      <p:cBhvr>
+                                        <p:cTn id="6" dur="1" fill="hold">
+                                          <p:stCondLst>
+                                            <p:cond delay="0"/>
+                                          </p:stCondLst>
+                                        </p:cTn>
+                                        <p:tgtEl>
+                                          <p:spTgt spid="11">
+                                            <p:txEl>
+                                              <p:pRg st="0" end="0"/>
+                                            </p:txEl>
+                                          </p:spTgt>
+                                        </p:tgtEl>
+                                        <p:attrNameLst>
+                                          <p:attrName>style.visibility</p:attrName>
+                                        </p:attrNameLst>
+                                      </p:cBhvr>
+                                      <p:to>
+                                        <p:strVal val="visible"/>
+                                      </p:to>
+                                    </p:set>
+                                  </p:childTnLst>
+                                </p:cTn>
+                              </p:par>
+                              <p:par>
+                                <p:cTn id="7" presetID="1" presetClass="entr" presetSubtype="0" fill="hold" grpId="0" nodeType="withEffect">
+                                  <p:stCondLst>
+                                    <p:cond delay="0"/>
+                                  </p:stCondLst>
+                                  <p:childTnLst>
+                                    <p:set>
+                                      <p:cBhvr>
+                                        <p:cTn id="8" dur="1" fill="hold">
+                                          <p:stCondLst>
+                                            <p:cond delay="0"/>
+                                          </p:stCondLst>
+                                        </p:cTn>
+                                        <p:tgtEl>
+                                          <p:spTgt spid="11">
+                                            <p:txEl>
+                                              <p:pRg st="1" end="1"/>
+                                            </p:txEl>
+                                          </p:spTgt>
+                                        </p:tgtEl>
+                                        <p:attrNameLst>
+                                          <p:attrName>style.visibility</p:attrName>
+                                        </p:attrNameLst>
+                                      </p:cBhvr>
+                                      <p:to>
+                                        <p:strVal val="visible"/>
+                                      </p:to>
+                                    </p:set>
+                                  </p:childTnLst>
+                                </p:cTn>
+                              </p:par>
+                              <p:par>
+                                <p:cTn id="9" presetID="1" presetClass="entr" presetSubtype="0" fill="hold" grpId="0" nodeType="withEffect">
+                                  <p:stCondLst>
+                                    <p:cond delay="0"/>
+                                  </p:stCondLst>
+                                  <p:childTnLst>
+                                    <p:set>
+                                      <p:cBhvr>
+                                        <p:cTn id="10" dur="1" fill="hold">
+                                          <p:stCondLst>
+                                            <p:cond delay="0"/>
+                                          </p:stCondLst>
+                                        </p:cTn>
+                                        <p:tgtEl>
+                                          <p:spTgt spid="11">
+                                            <p:txEl>
+                                              <p:pRg st="2" end="2"/>
+                                            </p:txEl>
+                                          </p:spTgt>
+                                        </p:tgtEl>
+                                        <p:attrNameLst>
+                                          <p:attrName>style.visibility</p:attrName>
+                                        </p:attrNameLst>
+                                      </p:cBhvr>
+                                      <p:to>
+                                        <p:strVal val="visible"/>
+                                      </p:to>
+                                    </p:set>
+                                  </p:childTnLst>
+                                </p:cTn>
+                              </p:par>
+                            </p:childTnLst>
+                          </p:cTn>
+                        </p:par>
+                      </p:childTnLst>
+                    </p:cTn>
+                  </p:par>
+                  <p:par>
+                    <p:cTn id="11" fill="hold">
+                      <p:stCondLst>
+                        <p:cond delay="indefinite"/>
+                      </p:stCondLst>
+                      <p:childTnLst>
+                        <p:par>
+                          <p:cTn id="12" fill="hold">
+                            <p:stCondLst>
+                              <p:cond delay="0"/>
+                            </p:stCondLst>
+                            <p:childTnLst>
+                              <p:par>
+                                <p:cTn id="13" presetID="1" presetClass="entr" presetSubtype="0" fill="hold" grpId="0" nodeType="clickEffect">
+                                  <p:stCondLst>
+                                    <p:cond delay="500"/>
+                                  </p:stCondLst>
+                                  <p:childTnLst>
+                                    <p:set>
+                                      <p:cBhvr>
+                                        <p:cTn id="14" dur="1" fill="hold">
+                                          <p:stCondLst>
+                                            <p:cond delay="0"/>
+                                          </p:stCondLst>
+                                        </p:cTn>
+                                        <p:tgtEl>
+                                          <p:spTgt spid="11">
+                                            <p:txEl>
+                                              <p:pRg st="4" end="4"/>
+                                            </p:txEl>
+                                          </p:spTgt>
+                                        </p:tgtEl>
+                                        <p:attrNameLst>
+                                          <p:attrName>style.visibility</p:attrName>
+                                        </p:attrNameLst>
+                                      </p:cBhvr>
+                                      <p:to>
+                                        <p:strVal val="visible"/>
+                                      </p:to>
+                                    </p:set>
+                                  </p:childTnLst>
+                                </p:cTn>
+                              </p:par>
+                            </p:childTnLst>
+                          </p:cTn>
+                        </p:par>
+                        <p:par>
+                          <p:cTn id="15" fill="hold">
+                            <p:stCondLst>
+                              <p:cond delay="500"/>
+                            </p:stCondLst>
+                            <p:childTnLst>
+                              <p:par>
+                                <p:cTn id="16" presetID="1" presetClass="entr" presetSubtype="0" fill="hold" grpId="0" nodeType="afterEffect">
+                                  <p:stCondLst>
+                                    <p:cond delay="500"/>
+                                  </p:stCondLst>
+                                  <p:childTnLst>
+                                    <p:set>
+                                      <p:cBhvr>
+                                        <p:cTn id="17" dur="1" fill="hold">
+                                          <p:stCondLst>
+                                            <p:cond delay="0"/>
+                                          </p:stCondLst>
+                                        </p:cTn>
+                                        <p:tgtEl>
+                                          <p:spTgt spid="11">
+                                            <p:txEl>
+                                              <p:pRg st="5" end="5"/>
+                                            </p:txEl>
+                                          </p:spTgt>
+                                        </p:tgtEl>
+                                        <p:attrNameLst>
+                                          <p:attrName>style.visibility</p:attrName>
+                                        </p:attrNameLst>
+                                      </p:cBhvr>
+                                      <p:to>
+                                        <p:strVal val="visible"/>
+                                      </p:to>
+                                    </p:set>
+                                  </p:childTnLst>
+                                </p:cTn>
+                              </p:par>
+                            </p:childTnLst>
+                          </p:cTn>
+                        </p:par>
+                      </p:childTnLst>
+                    </p:cTn>
+                  </p:par>
+                  <p:par>
+                    <p:cTn id="18" fill="hold">
+                      <p:stCondLst>
+                        <p:cond delay="indefinite"/>
+                      </p:stCondLst>
+                      <p:childTnLst>
+                        <p:par>
+                          <p:cTn id="19" fill="hold">
+                            <p:stCondLst>
+                              <p:cond delay="0"/>
+                            </p:stCondLst>
+                            <p:childTnLst>
+                              <p:par>
+                                <p:cTn id="20" presetID="1" presetClass="entr" presetSubtype="0" fill="hold" grpId="0" nodeType="clickEffect">
+                                  <p:stCondLst>
+                                    <p:cond delay="500"/>
+                                  </p:stCondLst>
+                                  <p:childTnLst>
+                                    <p:set>
+                                      <p:cBhvr>
+                                        <p:cTn id="21" dur="1" fill="hold">
+                                          <p:stCondLst>
+                                            <p:cond delay="0"/>
+                                          </p:stCondLst>
+                                        </p:cTn>
+                                        <p:tgtEl>
+                                          <p:spTgt spid="11">
+                                            <p:txEl>
+                                              <p:pRg st="7" end="7"/>
+                                            </p:txEl>
+                                          </p:spTgt>
+                                        </p:tgtEl>
+                                        <p:attrNameLst>
+                                          <p:attrName>style.visibility</p:attrName>
+                                        </p:attrNameLst>
+                                      </p:cBhvr>
+                                      <p:to>
+                                        <p:strVal val="visible"/>
+                                      </p:to>
+                                    </p:set>
+                                  </p:childTnLst>
+                                </p:cTn>
+                              </p:par>
+                            </p:childTnLst>
+                          </p:cTn>
+                        </p:par>
+                        <p:par>
+                          <p:cTn id="22" fill="hold">
+                            <p:stCondLst>
+                              <p:cond delay="500"/>
+                            </p:stCondLst>
+                            <p:childTnLst>
+                              <p:par>
+                                <p:cTn id="23" presetID="1" presetClass="entr" presetSubtype="0" fill="hold" grpId="0" nodeType="afterEffect">
+                                  <p:stCondLst>
+                                    <p:cond delay="500"/>
+                                  </p:stCondLst>
+                                  <p:childTnLst>
+                                    <p:set>
+                                      <p:cBhvr>
+                                        <p:cTn id="24" dur="1" fill="hold">
+                                          <p:stCondLst>
+                                            <p:cond delay="0"/>
+                                          </p:stCondLst>
+                                        </p:cTn>
+                                        <p:tgtEl>
+                                          <p:spTgt spid="11">
+                                            <p:txEl>
+                                              <p:pRg st="8" end="8"/>
+                                            </p:txEl>
+                                          </p:spTgt>
+                                        </p:tgtEl>
+                                        <p:attrNameLst>
+                                          <p:attrName>style.visibility</p:attrName>
+                                        </p:attrNameLst>
+                                      </p:cBhvr>
+                                      <p:to>
+                                        <p:strVal val="visible"/>
+                                      </p:to>
+                                    </p:set>
+                                  </p:childTnLst>
+                                </p:cTn>
+                              </p:par>
+                            </p:childTnLst>
+                          </p:cTn>
+                        </p:par>
+                      </p:childTnLst>
+                    </p:cTn>
+                  </p:par>
+                  <p:par>
+                    <p:cTn id="25" fill="hold">
+                      <p:stCondLst>
+                        <p:cond delay="indefinite"/>
+                      </p:stCondLst>
+                      <p:childTnLst>
+                        <p:par>
+                          <p:cTn id="26" fill="hold">
+                            <p:stCondLst>
+                              <p:cond delay="0"/>
+                            </p:stCondLst>
+                            <p:childTnLst>
+                              <p:par>
+                                <p:cTn id="27" presetID="1" presetClass="entr" presetSubtype="0" fill="hold" grpId="1" nodeType="clickEffect">
+                                  <p:stCondLst>
+                                    <p:cond delay="0"/>
+                                  </p:stCondLst>
+                                  <p:childTnLst>
+                                    <p:set>
+                                      <p:cBhvr>
+                                        <p:cTn id="28" dur="1" fill="hold">
+                                          <p:stCondLst>
+                                            <p:cond delay="0"/>
+                                          </p:stCondLst>
+                                        </p:cTn>
+                                        <p:tgtEl>
+                                          <p:spTgt spid="11">
+                                            <p:txEl>
+                                              <p:pRg st="0" end="0"/>
+                                            </p:txEl>
+                                          </p:spTgt>
+                                        </p:tgtEl>
+                                        <p:attrNameLst>
+                                          <p:attrName>style.visibility</p:attrName>
+                                        </p:attrNameLst>
+                                      </p:cBhvr>
+                                      <p:to>
+                                        <p:strVal val="visible"/>
+                                      </p:to>
+                                    </p:set>
+                                  </p:childTnLst>
+                                </p:cTn>
+                              </p:par>
+                              <p:par>
+                                <p:cTn id="29" presetID="1" presetClass="entr" presetSubtype="0" fill="hold" grpId="1" nodeType="withEffect">
+                                  <p:stCondLst>
+                                    <p:cond delay="0"/>
+                                  </p:stCondLst>
+                                  <p:childTnLst>
+                                    <p:set>
+                                      <p:cBhvr>
+                                        <p:cTn id="30" dur="1" fill="hold">
+                                          <p:stCondLst>
+                                            <p:cond delay="0"/>
+                                          </p:stCondLst>
+                                        </p:cTn>
+                                        <p:tgtEl>
+                                          <p:spTgt spid="11">
+                                            <p:txEl>
+                                              <p:pRg st="1" end="1"/>
+                                            </p:txEl>
+                                          </p:spTgt>
+                                        </p:tgtEl>
+                                        <p:attrNameLst>
+                                          <p:attrName>style.visibility</p:attrName>
+                                        </p:attrNameLst>
+                                      </p:cBhvr>
+                                      <p:to>
+                                        <p:strVal val="visible"/>
+                                      </p:to>
+                                    </p:set>
+                                  </p:childTnLst>
+                                </p:cTn>
+                              </p:par>
+                              <p:par>
+                                <p:cTn id="31" presetID="1" presetClass="entr" presetSubtype="0" fill="hold" grpId="1" nodeType="withEffect">
+                                  <p:stCondLst>
+                                    <p:cond delay="0"/>
+                                  </p:stCondLst>
+                                  <p:childTnLst>
+                                    <p:set>
+                                      <p:cBhvr>
+                                        <p:cTn id="32" dur="1" fill="hold">
+                                          <p:stCondLst>
+                                            <p:cond delay="0"/>
+                                          </p:stCondLst>
+                                        </p:cTn>
+                                        <p:tgtEl>
+                                          <p:spTgt spid="11">
+                                            <p:txEl>
+                                              <p:pRg st="2" end="2"/>
+                                            </p:txEl>
+                                          </p:spTgt>
+                                        </p:tgtEl>
+                                        <p:attrNameLst>
+                                          <p:attrName>style.visibility</p:attrName>
+                                        </p:attrNameLst>
+                                      </p:cBhvr>
+                                      <p:to>
+                                        <p:strVal val="visible"/>
+                                      </p:to>
+                                    </p:set>
+                                  </p:childTnLst>
+                                </p:cTn>
+                              </p:par>
+                              <p:par>
+                                <p:cTn id="33" presetID="1" presetClass="entr" presetSubtype="0" fill="hold" grpId="1" nodeType="withEffect">
+                                  <p:stCondLst>
+                                    <p:cond delay="0"/>
+                                  </p:stCondLst>
+                                  <p:childTnLst>
+                                    <p:set>
+                                      <p:cBhvr>
+                                        <p:cTn id="34" dur="1" fill="hold">
+                                          <p:stCondLst>
+                                            <p:cond delay="0"/>
+                                          </p:stCondLst>
+                                        </p:cTn>
+                                        <p:tgtEl>
+                                          <p:spTgt spid="11">
+                                            <p:txEl>
+                                              <p:pRg st="4" end="4"/>
+                                            </p:txEl>
+                                          </p:spTgt>
+                                        </p:tgtEl>
+                                        <p:attrNameLst>
+                                          <p:attrName>style.visibility</p:attrName>
+                                        </p:attrNameLst>
+                                      </p:cBhvr>
+                                      <p:to>
+                                        <p:strVal val="visible"/>
+                                      </p:to>
+                                    </p:set>
+                                  </p:childTnLst>
+                                </p:cTn>
+                              </p:par>
+                              <p:par>
+                                <p:cTn id="35" presetID="1" presetClass="entr" presetSubtype="0" fill="hold" grpId="1" nodeType="withEffect">
+                                  <p:stCondLst>
+                                    <p:cond delay="0"/>
+                                  </p:stCondLst>
+                                  <p:childTnLst>
+                                    <p:set>
+                                      <p:cBhvr>
+                                        <p:cTn id="36" dur="1" fill="hold">
+                                          <p:stCondLst>
+                                            <p:cond delay="0"/>
+                                          </p:stCondLst>
+                                        </p:cTn>
+                                        <p:tgtEl>
+                                          <p:spTgt spid="11">
+                                            <p:txEl>
+                                              <p:pRg st="5" end="5"/>
+                                            </p:txEl>
+                                          </p:spTgt>
+                                        </p:tgtEl>
+                                        <p:attrNameLst>
+                                          <p:attrName>style.visibility</p:attrName>
+                                        </p:attrNameLst>
+                                      </p:cBhvr>
+                                      <p:to>
+                                        <p:strVal val="visible"/>
+                                      </p:to>
+                                    </p:set>
+                                  </p:childTnLst>
+                                </p:cTn>
+                              </p:par>
+                              <p:par>
+                                <p:cTn id="37" presetID="1" presetClass="entr" presetSubtype="0" fill="hold" grpId="1" nodeType="withEffect">
+                                  <p:stCondLst>
+                                    <p:cond delay="0"/>
+                                  </p:stCondLst>
+                                  <p:childTnLst>
+                                    <p:set>
+                                      <p:cBhvr>
+                                        <p:cTn id="38" dur="1" fill="hold">
+                                          <p:stCondLst>
+                                            <p:cond delay="0"/>
+                                          </p:stCondLst>
+                                        </p:cTn>
+                                        <p:tgtEl>
+                                          <p:spTgt spid="11">
+                                            <p:txEl>
+                                              <p:pRg st="7" end="7"/>
+                                            </p:txEl>
+                                          </p:spTgt>
+                                        </p:tgtEl>
+                                        <p:attrNameLst>
+                                          <p:attrName>style.visibility</p:attrName>
+                                        </p:attrNameLst>
+                                      </p:cBhvr>
+                                      <p:to>
+                                        <p:strVal val="visible"/>
+                                      </p:to>
+                                    </p:set>
+                                  </p:childTnLst>
+                                </p:cTn>
+                              </p:par>
+                              <p:par>
+                                <p:cTn id="39" presetID="1" presetClass="entr" presetSubtype="0" fill="hold" grpId="1" nodeType="withEffect">
+                                  <p:stCondLst>
+                                    <p:cond delay="0"/>
+                                  </p:stCondLst>
+                                  <p:childTnLst>
+                                    <p:set>
+                                      <p:cBhvr>
+                                        <p:cTn id="40" dur="1" fill="hold">
+                                          <p:stCondLst>
+                                            <p:cond delay="0"/>
+                                          </p:stCondLst>
+                                        </p:cTn>
+                                        <p:tgtEl>
+                                          <p:spTgt spid="11">
+                                            <p:txEl>
+                                              <p:pRg st="8" end="8"/>
+                                            </p:txEl>
+                                          </p:spTgt>
+                                        </p:tgtEl>
+                                        <p:attrNameLst>
+                                          <p:attrName>style.visibility</p:attrName>
+                                        </p:attrNameLst>
+                                      </p:cBhvr>
+                                      <p:to>
+                                        <p:strVal val="visible"/>
+                                      </p:to>
+                                    </p:set>
+                                  </p:childTnLst>
+                                </p:cTn>
+                              </p:par>
+                            </p:childTnLst>
+                          </p:cTn>
+                        </p:par>
+                      </p:childTnLst>
+                    </p:cTn>
+                  </p:par>
+                </p:childTnLst>
+              </p:cTn>
+              <p:prevCondLst>
+                <p:cond evt="onPrev" delay="0">
+                  <p:tgtEl>
+                    <p:sldTgt/>
+                  </p:tgtEl>
+                </p:cond>
+              </p:prevCondLst>
+              <p:nextCondLst>
+                <p:cond evt="onNext" delay="0">
+                  <p:tgtEl>
+                    <p:sldTgt/>
+                  </p:tgtEl>
+                </p:cond>
+              </p:nextCondLst>
+            </p:seq>
+          </p:childTnLst>
+        </p:cTn>
+      </p:par>
+    </p:tnLst>
+    <p:bldLst>
+      <p:bldP spid="11" grpId="0" uiExpand="1" build="p" bldLvl="5"/>
+      <p:bldP spid="11" grpId="1" build="allAtOnce"/>
+    </p:bldLst>
+  </p:timing>
+</p:sld>
+</file>
+
+<file path=ppt/slides/slide4.xml><?xml version="1.0" encoding="utf-8"?>
+<p:sld xmlns:a="http://schemas.openxmlformats.org/drawingml/2006/main" xmlns:r="http://schemas.openxmlformats.org/officeDocument/2006/relationships" xmlns:p="http://schemas.openxmlformats.org/presentationml/2006/main">
+  <p:cSld>
+    <p:spTree>
+      <p:nvGrpSpPr>
+        <p:cNvPr id="1" name=""/>
+        <p:cNvGrpSpPr/>
+        <p:nvPr/>
+      </p:nvGrpSpPr>
+      <p:grpSpPr>
+        <a:xfrm>
+          <a:off x="0" y="0"/>
+          <a:ext cx="0" cy="0"/>
+          <a:chOff x="0" y="0"/>
+          <a:chExt cx="0" cy="0"/>
+        </a:xfrm>
+      </p:grpSpPr>
+      <p:pic>
+        <p:nvPicPr>
+          <p:cNvPr id="13" name="Grafik 12">
+            <a:extLst>
+              <a:ext uri="{FF2B5EF4-FFF2-40B4-BE49-F238E27FC236}">
+                <a16:creationId xmlns:a16="http://schemas.microsoft.com/office/drawing/2014/main" id="{CF94173E-04A5-6E4D-B991-28FFD5079933}"/>
               </a:ext>
             </a:extLst>
           </p:cNvPr>
@@ -4563,7 +5488,7 @@
         </p:blipFill>
         <p:spPr>
           <a:xfrm>
-            <a:off x="0" y="3443"/>
+            <a:off x="0" y="-3571"/>
             <a:ext cx="1066800" cy="406400"/>
           </a:xfrm>
           <a:prstGeom prst="rect">
@@ -4571,6 +5496,211 @@
           </a:prstGeom>
         </p:spPr>
       </p:pic>
+      <p:sp>
+        <p:nvSpPr>
+          <p:cNvPr id="2" name="Titel 1"/>
+          <p:cNvSpPr>
+            <a:spLocks noGrp="1"/>
+          </p:cNvSpPr>
+          <p:nvPr>
+            <p:ph type="ctrTitle"/>
+          </p:nvPr>
+        </p:nvSpPr>
+        <p:spPr>
+          <a:xfrm>
+            <a:off x="-29425" y="2060848"/>
+            <a:ext cx="9144000" cy="1139552"/>
+          </a:xfrm>
+        </p:spPr>
+        <p:txBody>
+          <a:bodyPr>
+            <a:normAutofit/>
+          </a:bodyPr>
+          <a:lstStyle/>
+          <a:p>
+            <a:r>
+              <a:rPr lang="de-CH" sz="6600" b="1" dirty="0"/>
+              <a:t>Diskussionsrunde</a:t>
+            </a:r>
+            <a:endParaRPr lang="de-CH" sz="6600" b="1" dirty="0">
+              <a:solidFill>
+                <a:schemeClr val="tx1"/>
+              </a:solidFill>
+            </a:endParaRPr>
+          </a:p>
+        </p:txBody>
+      </p:sp>
+      <p:cxnSp>
+        <p:nvCxnSpPr>
+          <p:cNvPr id="5" name="Gerade Verbindung 4"/>
+          <p:cNvCxnSpPr/>
+          <p:nvPr/>
+        </p:nvCxnSpPr>
+        <p:spPr>
+          <a:xfrm>
+            <a:off x="0" y="6525344"/>
+            <a:ext cx="9144000" cy="0"/>
+          </a:xfrm>
+          <a:prstGeom prst="line">
+            <a:avLst/>
+          </a:prstGeom>
+          <a:ln>
+            <a:solidFill>
+              <a:schemeClr val="tx1"/>
+            </a:solidFill>
+          </a:ln>
+        </p:spPr>
+        <p:style>
+          <a:lnRef idx="1">
+            <a:schemeClr val="accent1"/>
+          </a:lnRef>
+          <a:fillRef idx="0">
+            <a:schemeClr val="accent1"/>
+          </a:fillRef>
+          <a:effectRef idx="0">
+            <a:schemeClr val="accent1"/>
+          </a:effectRef>
+          <a:fontRef idx="minor">
+            <a:schemeClr val="tx1"/>
+          </a:fontRef>
+        </p:style>
+      </p:cxnSp>
+      <p:sp>
+        <p:nvSpPr>
+          <p:cNvPr id="6" name="Textfeld 5"/>
+          <p:cNvSpPr txBox="1"/>
+          <p:nvPr/>
+        </p:nvSpPr>
+        <p:spPr>
+          <a:xfrm>
+            <a:off x="287830" y="6542726"/>
+            <a:ext cx="1208792" cy="276999"/>
+          </a:xfrm>
+          <a:prstGeom prst="rect">
+            <a:avLst/>
+          </a:prstGeom>
+          <a:noFill/>
+        </p:spPr>
+        <p:txBody>
+          <a:bodyPr wrap="none" rtlCol="0">
+            <a:spAutoFit/>
+          </a:bodyPr>
+          <a:lstStyle/>
+          <a:p>
+            <a:r>
+              <a:rPr lang="de-CH" sz="1200" dirty="0">
+                <a:latin typeface="Calibri" panose="020F0502020204030204" pitchFamily="34" charset="0"/>
+              </a:rPr>
+              <a:t>Meilenstein_M3</a:t>
+            </a:r>
+          </a:p>
+        </p:txBody>
+      </p:sp>
+      <p:sp>
+        <p:nvSpPr>
+          <p:cNvPr id="7" name="Textfeld 6"/>
+          <p:cNvSpPr txBox="1"/>
+          <p:nvPr/>
+        </p:nvSpPr>
+        <p:spPr>
+          <a:xfrm>
+            <a:off x="7954767" y="6542725"/>
+            <a:ext cx="926857" cy="276999"/>
+          </a:xfrm>
+          <a:prstGeom prst="rect">
+            <a:avLst/>
+          </a:prstGeom>
+          <a:noFill/>
+        </p:spPr>
+        <p:txBody>
+          <a:bodyPr wrap="none" rtlCol="0">
+            <a:spAutoFit/>
+          </a:bodyPr>
+          <a:lstStyle/>
+          <a:p>
+            <a:pPr algn="r"/>
+            <a:r>
+              <a:rPr lang="de-CH" sz="1200" dirty="0">
+                <a:latin typeface="Calibri" panose="020F0502020204030204" pitchFamily="34" charset="0"/>
+              </a:rPr>
+              <a:t>8. Mai 2018</a:t>
+            </a:r>
+          </a:p>
+        </p:txBody>
+      </p:sp>
+      <p:cxnSp>
+        <p:nvCxnSpPr>
+          <p:cNvPr id="9" name="Gerade Verbindung 4"/>
+          <p:cNvCxnSpPr/>
+          <p:nvPr/>
+        </p:nvCxnSpPr>
+        <p:spPr>
+          <a:xfrm>
+            <a:off x="-5050" y="421597"/>
+            <a:ext cx="9144000" cy="0"/>
+          </a:xfrm>
+          <a:prstGeom prst="line">
+            <a:avLst/>
+          </a:prstGeom>
+          <a:ln>
+            <a:solidFill>
+              <a:schemeClr val="tx1"/>
+            </a:solidFill>
+          </a:ln>
+        </p:spPr>
+        <p:style>
+          <a:lnRef idx="1">
+            <a:schemeClr val="accent1"/>
+          </a:lnRef>
+          <a:fillRef idx="0">
+            <a:schemeClr val="accent1"/>
+          </a:fillRef>
+          <a:effectRef idx="0">
+            <a:schemeClr val="accent1"/>
+          </a:effectRef>
+          <a:fontRef idx="minor">
+            <a:schemeClr val="tx1"/>
+          </a:fontRef>
+        </p:style>
+      </p:cxnSp>
+      <p:sp>
+        <p:nvSpPr>
+          <p:cNvPr id="10" name="Textfeld 9"/>
+          <p:cNvSpPr txBox="1"/>
+          <p:nvPr/>
+        </p:nvSpPr>
+        <p:spPr>
+          <a:xfrm>
+            <a:off x="7615828" y="144598"/>
+            <a:ext cx="1265796" cy="276999"/>
+          </a:xfrm>
+          <a:prstGeom prst="rect">
+            <a:avLst/>
+          </a:prstGeom>
+          <a:noFill/>
+        </p:spPr>
+        <p:txBody>
+          <a:bodyPr wrap="none" rtlCol="0">
+            <a:spAutoFit/>
+          </a:bodyPr>
+          <a:lstStyle/>
+          <a:p>
+            <a:pPr algn="r"/>
+            <a:r>
+              <a:rPr lang="de-CH" sz="1200">
+                <a:latin typeface="Calibri" panose="020F0502020204030204" pitchFamily="34" charset="0"/>
+              </a:rPr>
+              <a:t>SysP18_</a:t>
+            </a:r>
+            <a:r>
+              <a:rPr lang="de-CH" sz="1200" dirty="0">
+                <a:latin typeface="Calibri" panose="020F0502020204030204" pitchFamily="34" charset="0"/>
+              </a:rPr>
+              <a:t>Team_10</a:t>
+            </a:r>
+          </a:p>
+        </p:txBody>
+      </p:sp>
       <p:sp>
         <p:nvSpPr>
           <p:cNvPr id="12" name="Textfeld 11">
@@ -4609,42 +5739,6 @@
           </a:p>
         </p:txBody>
       </p:sp>
-      <p:pic>
-        <p:nvPicPr>
-          <p:cNvPr id="13" name="Grafik 12">
-            <a:extLst>
-              <a:ext uri="{FF2B5EF4-FFF2-40B4-BE49-F238E27FC236}">
-                <a16:creationId xmlns:a16="http://schemas.microsoft.com/office/drawing/2014/main" id="{CF94173E-04A5-6E4D-B991-28FFD5079933}"/>
-              </a:ext>
-            </a:extLst>
-          </p:cNvPr>
-          <p:cNvPicPr>
-            <a:picLocks noChangeAspect="1"/>
-          </p:cNvPicPr>
-          <p:nvPr/>
-        </p:nvPicPr>
-        <p:blipFill>
-          <a:blip r:embed="rId3">
-            <a:extLst>
-              <a:ext uri="{28A0092B-C50C-407E-A947-70E740481C1C}">
-                <a14:useLocalDpi xmlns:a14="http://schemas.microsoft.com/office/drawing/2010/main" val="0"/>
-              </a:ext>
-            </a:extLst>
-          </a:blip>
-          <a:stretch>
-            <a:fillRect/>
-          </a:stretch>
-        </p:blipFill>
-        <p:spPr>
-          <a:xfrm>
-            <a:off x="0" y="-3571"/>
-            <a:ext cx="1066800" cy="406400"/>
-          </a:xfrm>
-          <a:prstGeom prst="rect">
-            <a:avLst/>
-          </a:prstGeom>
-        </p:spPr>
-      </p:pic>
     </p:spTree>
     <p:extLst>
       <p:ext uri="{BB962C8B-B14F-4D97-AF65-F5344CB8AC3E}">

--- a/01_Organisation/02_Meilensteine/m3/Praesentation_m3.pptx
+++ b/01_Organisation/02_Meilensteine/m3/Praesentation_m3.pptx
@@ -5,13 +5,19 @@
     <p:sldMasterId id="2147484208" r:id="rId1"/>
   </p:sldMasterIdLst>
   <p:notesMasterIdLst>
-    <p:notesMasterId r:id="rId6"/>
+    <p:notesMasterId r:id="rId12"/>
   </p:notesMasterIdLst>
   <p:sldIdLst>
     <p:sldId id="280" r:id="rId2"/>
     <p:sldId id="283" r:id="rId3"/>
-    <p:sldId id="317" r:id="rId4"/>
-    <p:sldId id="316" r:id="rId5"/>
+    <p:sldId id="322" r:id="rId4"/>
+    <p:sldId id="323" r:id="rId5"/>
+    <p:sldId id="317" r:id="rId6"/>
+    <p:sldId id="318" r:id="rId7"/>
+    <p:sldId id="321" r:id="rId8"/>
+    <p:sldId id="319" r:id="rId9"/>
+    <p:sldId id="320" r:id="rId10"/>
+    <p:sldId id="316" r:id="rId11"/>
   </p:sldIdLst>
   <p:sldSz cx="9144000" cy="6858000" type="screen4x3"/>
   <p:notesSz cx="6858000" cy="9144000"/>
@@ -544,7 +550,259 @@
           <a:p>
             <a:fld id="{7DE258FE-F2E5-45B1-B077-BAB345233DBE}" type="slidenum">
               <a:rPr lang="de-CH" smtClean="0"/>
+              <a:t>2</a:t>
+            </a:fld>
+            <a:endParaRPr lang="de-CH"/>
+          </a:p>
+        </p:txBody>
+      </p:sp>
+    </p:spTree>
+    <p:extLst>
+      <p:ext uri="{BB962C8B-B14F-4D97-AF65-F5344CB8AC3E}">
+        <p14:creationId xmlns:p14="http://schemas.microsoft.com/office/powerpoint/2010/main" val="4109552886"/>
+      </p:ext>
+    </p:extLst>
+  </p:cSld>
+  <p:clrMapOvr>
+    <a:masterClrMapping/>
+  </p:clrMapOvr>
+</p:notes>
+</file>
+
+<file path=ppt/notesSlides/notesSlide2.xml><?xml version="1.0" encoding="utf-8"?>
+<p:notes xmlns:a="http://schemas.openxmlformats.org/drawingml/2006/main" xmlns:r="http://schemas.openxmlformats.org/officeDocument/2006/relationships" xmlns:p="http://schemas.openxmlformats.org/presentationml/2006/main">
+  <p:cSld>
+    <p:spTree>
+      <p:nvGrpSpPr>
+        <p:cNvPr id="1" name=""/>
+        <p:cNvGrpSpPr/>
+        <p:nvPr/>
+      </p:nvGrpSpPr>
+      <p:grpSpPr>
+        <a:xfrm>
+          <a:off x="0" y="0"/>
+          <a:ext cx="0" cy="0"/>
+          <a:chOff x="0" y="0"/>
+          <a:chExt cx="0" cy="0"/>
+        </a:xfrm>
+      </p:grpSpPr>
+      <p:sp>
+        <p:nvSpPr>
+          <p:cNvPr id="2" name="Folienbildplatzhalter 1"/>
+          <p:cNvSpPr>
+            <a:spLocks noGrp="1" noRot="1" noChangeAspect="1"/>
+          </p:cNvSpPr>
+          <p:nvPr>
+            <p:ph type="sldImg"/>
+          </p:nvPr>
+        </p:nvSpPr>
+        <p:spPr/>
+      </p:sp>
+      <p:sp>
+        <p:nvSpPr>
+          <p:cNvPr id="3" name="Notizenplatzhalter 2"/>
+          <p:cNvSpPr>
+            <a:spLocks noGrp="1"/>
+          </p:cNvSpPr>
+          <p:nvPr>
+            <p:ph type="body" idx="1"/>
+          </p:nvPr>
+        </p:nvSpPr>
+        <p:spPr/>
+        <p:txBody>
+          <a:bodyPr/>
+          <a:lstStyle/>
+          <a:p>
+            <a:endParaRPr lang="de-DE" dirty="0"/>
+          </a:p>
+        </p:txBody>
+      </p:sp>
+      <p:sp>
+        <p:nvSpPr>
+          <p:cNvPr id="4" name="Foliennummernplatzhalter 3"/>
+          <p:cNvSpPr>
+            <a:spLocks noGrp="1"/>
+          </p:cNvSpPr>
+          <p:nvPr>
+            <p:ph type="sldNum" sz="quarter" idx="10"/>
+          </p:nvPr>
+        </p:nvSpPr>
+        <p:spPr/>
+        <p:txBody>
+          <a:bodyPr/>
+          <a:lstStyle/>
+          <a:p>
+            <a:fld id="{7DE258FE-F2E5-45B1-B077-BAB345233DBE}" type="slidenum">
+              <a:rPr lang="de-CH" smtClean="0"/>
               <a:t>3</a:t>
+            </a:fld>
+            <a:endParaRPr lang="de-CH"/>
+          </a:p>
+        </p:txBody>
+      </p:sp>
+    </p:spTree>
+    <p:extLst>
+      <p:ext uri="{BB962C8B-B14F-4D97-AF65-F5344CB8AC3E}">
+        <p14:creationId xmlns:p14="http://schemas.microsoft.com/office/powerpoint/2010/main" val="853620299"/>
+      </p:ext>
+    </p:extLst>
+  </p:cSld>
+  <p:clrMapOvr>
+    <a:masterClrMapping/>
+  </p:clrMapOvr>
+</p:notes>
+</file>
+
+<file path=ppt/notesSlides/notesSlide3.xml><?xml version="1.0" encoding="utf-8"?>
+<p:notes xmlns:a="http://schemas.openxmlformats.org/drawingml/2006/main" xmlns:r="http://schemas.openxmlformats.org/officeDocument/2006/relationships" xmlns:p="http://schemas.openxmlformats.org/presentationml/2006/main">
+  <p:cSld>
+    <p:spTree>
+      <p:nvGrpSpPr>
+        <p:cNvPr id="1" name=""/>
+        <p:cNvGrpSpPr/>
+        <p:nvPr/>
+      </p:nvGrpSpPr>
+      <p:grpSpPr>
+        <a:xfrm>
+          <a:off x="0" y="0"/>
+          <a:ext cx="0" cy="0"/>
+          <a:chOff x="0" y="0"/>
+          <a:chExt cx="0" cy="0"/>
+        </a:xfrm>
+      </p:grpSpPr>
+      <p:sp>
+        <p:nvSpPr>
+          <p:cNvPr id="2" name="Folienbildplatzhalter 1"/>
+          <p:cNvSpPr>
+            <a:spLocks noGrp="1" noRot="1" noChangeAspect="1"/>
+          </p:cNvSpPr>
+          <p:nvPr>
+            <p:ph type="sldImg"/>
+          </p:nvPr>
+        </p:nvSpPr>
+        <p:spPr/>
+      </p:sp>
+      <p:sp>
+        <p:nvSpPr>
+          <p:cNvPr id="3" name="Notizenplatzhalter 2"/>
+          <p:cNvSpPr>
+            <a:spLocks noGrp="1"/>
+          </p:cNvSpPr>
+          <p:nvPr>
+            <p:ph type="body" idx="1"/>
+          </p:nvPr>
+        </p:nvSpPr>
+        <p:spPr/>
+        <p:txBody>
+          <a:bodyPr/>
+          <a:lstStyle/>
+          <a:p>
+            <a:endParaRPr lang="de-DE" dirty="0"/>
+          </a:p>
+        </p:txBody>
+      </p:sp>
+      <p:sp>
+        <p:nvSpPr>
+          <p:cNvPr id="4" name="Foliennummernplatzhalter 3"/>
+          <p:cNvSpPr>
+            <a:spLocks noGrp="1"/>
+          </p:cNvSpPr>
+          <p:nvPr>
+            <p:ph type="sldNum" sz="quarter" idx="10"/>
+          </p:nvPr>
+        </p:nvSpPr>
+        <p:spPr/>
+        <p:txBody>
+          <a:bodyPr/>
+          <a:lstStyle/>
+          <a:p>
+            <a:fld id="{7DE258FE-F2E5-45B1-B077-BAB345233DBE}" type="slidenum">
+              <a:rPr lang="de-CH" smtClean="0"/>
+              <a:t>4</a:t>
+            </a:fld>
+            <a:endParaRPr lang="de-CH"/>
+          </a:p>
+        </p:txBody>
+      </p:sp>
+    </p:spTree>
+    <p:extLst>
+      <p:ext uri="{BB962C8B-B14F-4D97-AF65-F5344CB8AC3E}">
+        <p14:creationId xmlns:p14="http://schemas.microsoft.com/office/powerpoint/2010/main" val="3023825537"/>
+      </p:ext>
+    </p:extLst>
+  </p:cSld>
+  <p:clrMapOvr>
+    <a:masterClrMapping/>
+  </p:clrMapOvr>
+</p:notes>
+</file>
+
+<file path=ppt/notesSlides/notesSlide4.xml><?xml version="1.0" encoding="utf-8"?>
+<p:notes xmlns:a="http://schemas.openxmlformats.org/drawingml/2006/main" xmlns:r="http://schemas.openxmlformats.org/officeDocument/2006/relationships" xmlns:p="http://schemas.openxmlformats.org/presentationml/2006/main">
+  <p:cSld>
+    <p:spTree>
+      <p:nvGrpSpPr>
+        <p:cNvPr id="1" name=""/>
+        <p:cNvGrpSpPr/>
+        <p:nvPr/>
+      </p:nvGrpSpPr>
+      <p:grpSpPr>
+        <a:xfrm>
+          <a:off x="0" y="0"/>
+          <a:ext cx="0" cy="0"/>
+          <a:chOff x="0" y="0"/>
+          <a:chExt cx="0" cy="0"/>
+        </a:xfrm>
+      </p:grpSpPr>
+      <p:sp>
+        <p:nvSpPr>
+          <p:cNvPr id="2" name="Folienbildplatzhalter 1"/>
+          <p:cNvSpPr>
+            <a:spLocks noGrp="1" noRot="1" noChangeAspect="1"/>
+          </p:cNvSpPr>
+          <p:nvPr>
+            <p:ph type="sldImg"/>
+          </p:nvPr>
+        </p:nvSpPr>
+        <p:spPr/>
+      </p:sp>
+      <p:sp>
+        <p:nvSpPr>
+          <p:cNvPr id="3" name="Notizenplatzhalter 2"/>
+          <p:cNvSpPr>
+            <a:spLocks noGrp="1"/>
+          </p:cNvSpPr>
+          <p:nvPr>
+            <p:ph type="body" idx="1"/>
+          </p:nvPr>
+        </p:nvSpPr>
+        <p:spPr/>
+        <p:txBody>
+          <a:bodyPr/>
+          <a:lstStyle/>
+          <a:p>
+            <a:endParaRPr lang="de-DE" dirty="0"/>
+          </a:p>
+        </p:txBody>
+      </p:sp>
+      <p:sp>
+        <p:nvSpPr>
+          <p:cNvPr id="4" name="Foliennummernplatzhalter 3"/>
+          <p:cNvSpPr>
+            <a:spLocks noGrp="1"/>
+          </p:cNvSpPr>
+          <p:nvPr>
+            <p:ph type="sldNum" sz="quarter" idx="10"/>
+          </p:nvPr>
+        </p:nvSpPr>
+        <p:spPr/>
+        <p:txBody>
+          <a:bodyPr/>
+          <a:lstStyle/>
+          <a:p>
+            <a:fld id="{7DE258FE-F2E5-45B1-B077-BAB345233DBE}" type="slidenum">
+              <a:rPr lang="de-CH" smtClean="0"/>
+              <a:t>5</a:t>
             </a:fld>
             <a:endParaRPr lang="de-CH"/>
           </a:p>
@@ -554,6 +812,258 @@
     <p:extLst>
       <p:ext uri="{BB962C8B-B14F-4D97-AF65-F5344CB8AC3E}">
         <p14:creationId xmlns:p14="http://schemas.microsoft.com/office/powerpoint/2010/main" val="605130114"/>
+      </p:ext>
+    </p:extLst>
+  </p:cSld>
+  <p:clrMapOvr>
+    <a:masterClrMapping/>
+  </p:clrMapOvr>
+</p:notes>
+</file>
+
+<file path=ppt/notesSlides/notesSlide5.xml><?xml version="1.0" encoding="utf-8"?>
+<p:notes xmlns:a="http://schemas.openxmlformats.org/drawingml/2006/main" xmlns:r="http://schemas.openxmlformats.org/officeDocument/2006/relationships" xmlns:p="http://schemas.openxmlformats.org/presentationml/2006/main">
+  <p:cSld>
+    <p:spTree>
+      <p:nvGrpSpPr>
+        <p:cNvPr id="1" name=""/>
+        <p:cNvGrpSpPr/>
+        <p:nvPr/>
+      </p:nvGrpSpPr>
+      <p:grpSpPr>
+        <a:xfrm>
+          <a:off x="0" y="0"/>
+          <a:ext cx="0" cy="0"/>
+          <a:chOff x="0" y="0"/>
+          <a:chExt cx="0" cy="0"/>
+        </a:xfrm>
+      </p:grpSpPr>
+      <p:sp>
+        <p:nvSpPr>
+          <p:cNvPr id="2" name="Folienbildplatzhalter 1"/>
+          <p:cNvSpPr>
+            <a:spLocks noGrp="1" noRot="1" noChangeAspect="1"/>
+          </p:cNvSpPr>
+          <p:nvPr>
+            <p:ph type="sldImg"/>
+          </p:nvPr>
+        </p:nvSpPr>
+        <p:spPr/>
+      </p:sp>
+      <p:sp>
+        <p:nvSpPr>
+          <p:cNvPr id="3" name="Notizenplatzhalter 2"/>
+          <p:cNvSpPr>
+            <a:spLocks noGrp="1"/>
+          </p:cNvSpPr>
+          <p:nvPr>
+            <p:ph type="body" idx="1"/>
+          </p:nvPr>
+        </p:nvSpPr>
+        <p:spPr/>
+        <p:txBody>
+          <a:bodyPr/>
+          <a:lstStyle/>
+          <a:p>
+            <a:endParaRPr lang="de-DE" dirty="0"/>
+          </a:p>
+        </p:txBody>
+      </p:sp>
+      <p:sp>
+        <p:nvSpPr>
+          <p:cNvPr id="4" name="Foliennummernplatzhalter 3"/>
+          <p:cNvSpPr>
+            <a:spLocks noGrp="1"/>
+          </p:cNvSpPr>
+          <p:nvPr>
+            <p:ph type="sldNum" sz="quarter" idx="10"/>
+          </p:nvPr>
+        </p:nvSpPr>
+        <p:spPr/>
+        <p:txBody>
+          <a:bodyPr/>
+          <a:lstStyle/>
+          <a:p>
+            <a:fld id="{7DE258FE-F2E5-45B1-B077-BAB345233DBE}" type="slidenum">
+              <a:rPr lang="de-CH" smtClean="0"/>
+              <a:t>6</a:t>
+            </a:fld>
+            <a:endParaRPr lang="de-CH"/>
+          </a:p>
+        </p:txBody>
+      </p:sp>
+    </p:spTree>
+    <p:extLst>
+      <p:ext uri="{BB962C8B-B14F-4D97-AF65-F5344CB8AC3E}">
+        <p14:creationId xmlns:p14="http://schemas.microsoft.com/office/powerpoint/2010/main" val="1612603640"/>
+      </p:ext>
+    </p:extLst>
+  </p:cSld>
+  <p:clrMapOvr>
+    <a:masterClrMapping/>
+  </p:clrMapOvr>
+</p:notes>
+</file>
+
+<file path=ppt/notesSlides/notesSlide6.xml><?xml version="1.0" encoding="utf-8"?>
+<p:notes xmlns:a="http://schemas.openxmlformats.org/drawingml/2006/main" xmlns:r="http://schemas.openxmlformats.org/officeDocument/2006/relationships" xmlns:p="http://schemas.openxmlformats.org/presentationml/2006/main">
+  <p:cSld>
+    <p:spTree>
+      <p:nvGrpSpPr>
+        <p:cNvPr id="1" name=""/>
+        <p:cNvGrpSpPr/>
+        <p:nvPr/>
+      </p:nvGrpSpPr>
+      <p:grpSpPr>
+        <a:xfrm>
+          <a:off x="0" y="0"/>
+          <a:ext cx="0" cy="0"/>
+          <a:chOff x="0" y="0"/>
+          <a:chExt cx="0" cy="0"/>
+        </a:xfrm>
+      </p:grpSpPr>
+      <p:sp>
+        <p:nvSpPr>
+          <p:cNvPr id="2" name="Folienbildplatzhalter 1"/>
+          <p:cNvSpPr>
+            <a:spLocks noGrp="1" noRot="1" noChangeAspect="1"/>
+          </p:cNvSpPr>
+          <p:nvPr>
+            <p:ph type="sldImg"/>
+          </p:nvPr>
+        </p:nvSpPr>
+        <p:spPr/>
+      </p:sp>
+      <p:sp>
+        <p:nvSpPr>
+          <p:cNvPr id="3" name="Notizenplatzhalter 2"/>
+          <p:cNvSpPr>
+            <a:spLocks noGrp="1"/>
+          </p:cNvSpPr>
+          <p:nvPr>
+            <p:ph type="body" idx="1"/>
+          </p:nvPr>
+        </p:nvSpPr>
+        <p:spPr/>
+        <p:txBody>
+          <a:bodyPr/>
+          <a:lstStyle/>
+          <a:p>
+            <a:endParaRPr lang="de-DE" dirty="0"/>
+          </a:p>
+        </p:txBody>
+      </p:sp>
+      <p:sp>
+        <p:nvSpPr>
+          <p:cNvPr id="4" name="Foliennummernplatzhalter 3"/>
+          <p:cNvSpPr>
+            <a:spLocks noGrp="1"/>
+          </p:cNvSpPr>
+          <p:nvPr>
+            <p:ph type="sldNum" sz="quarter" idx="10"/>
+          </p:nvPr>
+        </p:nvSpPr>
+        <p:spPr/>
+        <p:txBody>
+          <a:bodyPr/>
+          <a:lstStyle/>
+          <a:p>
+            <a:fld id="{7DE258FE-F2E5-45B1-B077-BAB345233DBE}" type="slidenum">
+              <a:rPr lang="de-CH" smtClean="0"/>
+              <a:t>8</a:t>
+            </a:fld>
+            <a:endParaRPr lang="de-CH"/>
+          </a:p>
+        </p:txBody>
+      </p:sp>
+    </p:spTree>
+    <p:extLst>
+      <p:ext uri="{BB962C8B-B14F-4D97-AF65-F5344CB8AC3E}">
+        <p14:creationId xmlns:p14="http://schemas.microsoft.com/office/powerpoint/2010/main" val="3150729945"/>
+      </p:ext>
+    </p:extLst>
+  </p:cSld>
+  <p:clrMapOvr>
+    <a:masterClrMapping/>
+  </p:clrMapOvr>
+</p:notes>
+</file>
+
+<file path=ppt/notesSlides/notesSlide7.xml><?xml version="1.0" encoding="utf-8"?>
+<p:notes xmlns:a="http://schemas.openxmlformats.org/drawingml/2006/main" xmlns:r="http://schemas.openxmlformats.org/officeDocument/2006/relationships" xmlns:p="http://schemas.openxmlformats.org/presentationml/2006/main">
+  <p:cSld>
+    <p:spTree>
+      <p:nvGrpSpPr>
+        <p:cNvPr id="1" name=""/>
+        <p:cNvGrpSpPr/>
+        <p:nvPr/>
+      </p:nvGrpSpPr>
+      <p:grpSpPr>
+        <a:xfrm>
+          <a:off x="0" y="0"/>
+          <a:ext cx="0" cy="0"/>
+          <a:chOff x="0" y="0"/>
+          <a:chExt cx="0" cy="0"/>
+        </a:xfrm>
+      </p:grpSpPr>
+      <p:sp>
+        <p:nvSpPr>
+          <p:cNvPr id="2" name="Folienbildplatzhalter 1"/>
+          <p:cNvSpPr>
+            <a:spLocks noGrp="1" noRot="1" noChangeAspect="1"/>
+          </p:cNvSpPr>
+          <p:nvPr>
+            <p:ph type="sldImg"/>
+          </p:nvPr>
+        </p:nvSpPr>
+        <p:spPr/>
+      </p:sp>
+      <p:sp>
+        <p:nvSpPr>
+          <p:cNvPr id="3" name="Notizenplatzhalter 2"/>
+          <p:cNvSpPr>
+            <a:spLocks noGrp="1"/>
+          </p:cNvSpPr>
+          <p:nvPr>
+            <p:ph type="body" idx="1"/>
+          </p:nvPr>
+        </p:nvSpPr>
+        <p:spPr/>
+        <p:txBody>
+          <a:bodyPr/>
+          <a:lstStyle/>
+          <a:p>
+            <a:endParaRPr lang="de-DE" dirty="0"/>
+          </a:p>
+        </p:txBody>
+      </p:sp>
+      <p:sp>
+        <p:nvSpPr>
+          <p:cNvPr id="4" name="Foliennummernplatzhalter 3"/>
+          <p:cNvSpPr>
+            <a:spLocks noGrp="1"/>
+          </p:cNvSpPr>
+          <p:nvPr>
+            <p:ph type="sldNum" sz="quarter" idx="10"/>
+          </p:nvPr>
+        </p:nvSpPr>
+        <p:spPr/>
+        <p:txBody>
+          <a:bodyPr/>
+          <a:lstStyle/>
+          <a:p>
+            <a:fld id="{7DE258FE-F2E5-45B1-B077-BAB345233DBE}" type="slidenum">
+              <a:rPr lang="de-CH" smtClean="0"/>
+              <a:t>9</a:t>
+            </a:fld>
+            <a:endParaRPr lang="de-CH"/>
+          </a:p>
+        </p:txBody>
+      </p:sp>
+    </p:spTree>
+    <p:extLst>
+      <p:ext uri="{BB962C8B-B14F-4D97-AF65-F5344CB8AC3E}">
+        <p14:creationId xmlns:p14="http://schemas.microsoft.com/office/powerpoint/2010/main" val="1995982163"/>
       </p:ext>
     </p:extLst>
   </p:cSld>
@@ -3719,6 +4229,315 @@
 </p:sld>
 </file>
 
+<file path=ppt/slides/slide10.xml><?xml version="1.0" encoding="utf-8"?>
+<p:sld xmlns:a="http://schemas.openxmlformats.org/drawingml/2006/main" xmlns:r="http://schemas.openxmlformats.org/officeDocument/2006/relationships" xmlns:p="http://schemas.openxmlformats.org/presentationml/2006/main">
+  <p:cSld>
+    <p:spTree>
+      <p:nvGrpSpPr>
+        <p:cNvPr id="1" name=""/>
+        <p:cNvGrpSpPr/>
+        <p:nvPr/>
+      </p:nvGrpSpPr>
+      <p:grpSpPr>
+        <a:xfrm>
+          <a:off x="0" y="0"/>
+          <a:ext cx="0" cy="0"/>
+          <a:chOff x="0" y="0"/>
+          <a:chExt cx="0" cy="0"/>
+        </a:xfrm>
+      </p:grpSpPr>
+      <p:pic>
+        <p:nvPicPr>
+          <p:cNvPr id="13" name="Grafik 12">
+            <a:extLst>
+              <a:ext uri="{FF2B5EF4-FFF2-40B4-BE49-F238E27FC236}">
+                <a16:creationId xmlns:a16="http://schemas.microsoft.com/office/drawing/2014/main" id="{CF94173E-04A5-6E4D-B991-28FFD5079933}"/>
+              </a:ext>
+            </a:extLst>
+          </p:cNvPr>
+          <p:cNvPicPr>
+            <a:picLocks noChangeAspect="1"/>
+          </p:cNvPicPr>
+          <p:nvPr/>
+        </p:nvPicPr>
+        <p:blipFill>
+          <a:blip r:embed="rId2">
+            <a:extLst>
+              <a:ext uri="{28A0092B-C50C-407E-A947-70E740481C1C}">
+                <a14:useLocalDpi xmlns:a14="http://schemas.microsoft.com/office/drawing/2010/main" val="0"/>
+              </a:ext>
+            </a:extLst>
+          </a:blip>
+          <a:stretch>
+            <a:fillRect/>
+          </a:stretch>
+        </p:blipFill>
+        <p:spPr>
+          <a:xfrm>
+            <a:off x="0" y="-3571"/>
+            <a:ext cx="1066800" cy="406400"/>
+          </a:xfrm>
+          <a:prstGeom prst="rect">
+            <a:avLst/>
+          </a:prstGeom>
+        </p:spPr>
+      </p:pic>
+      <p:sp>
+        <p:nvSpPr>
+          <p:cNvPr id="2" name="Titel 1"/>
+          <p:cNvSpPr>
+            <a:spLocks noGrp="1"/>
+          </p:cNvSpPr>
+          <p:nvPr>
+            <p:ph type="ctrTitle"/>
+          </p:nvPr>
+        </p:nvSpPr>
+        <p:spPr>
+          <a:xfrm>
+            <a:off x="-29425" y="2060848"/>
+            <a:ext cx="9144000" cy="1139552"/>
+          </a:xfrm>
+        </p:spPr>
+        <p:txBody>
+          <a:bodyPr>
+            <a:normAutofit/>
+          </a:bodyPr>
+          <a:lstStyle/>
+          <a:p>
+            <a:r>
+              <a:rPr lang="de-CH" sz="6600" b="1" dirty="0"/>
+              <a:t>Diskussionsrunde</a:t>
+            </a:r>
+            <a:endParaRPr lang="de-CH" sz="6600" b="1" dirty="0">
+              <a:solidFill>
+                <a:schemeClr val="tx1"/>
+              </a:solidFill>
+            </a:endParaRPr>
+          </a:p>
+        </p:txBody>
+      </p:sp>
+      <p:cxnSp>
+        <p:nvCxnSpPr>
+          <p:cNvPr id="5" name="Gerade Verbindung 4"/>
+          <p:cNvCxnSpPr/>
+          <p:nvPr/>
+        </p:nvCxnSpPr>
+        <p:spPr>
+          <a:xfrm>
+            <a:off x="0" y="6525344"/>
+            <a:ext cx="9144000" cy="0"/>
+          </a:xfrm>
+          <a:prstGeom prst="line">
+            <a:avLst/>
+          </a:prstGeom>
+          <a:ln>
+            <a:solidFill>
+              <a:schemeClr val="tx1"/>
+            </a:solidFill>
+          </a:ln>
+        </p:spPr>
+        <p:style>
+          <a:lnRef idx="1">
+            <a:schemeClr val="accent1"/>
+          </a:lnRef>
+          <a:fillRef idx="0">
+            <a:schemeClr val="accent1"/>
+          </a:fillRef>
+          <a:effectRef idx="0">
+            <a:schemeClr val="accent1"/>
+          </a:effectRef>
+          <a:fontRef idx="minor">
+            <a:schemeClr val="tx1"/>
+          </a:fontRef>
+        </p:style>
+      </p:cxnSp>
+      <p:sp>
+        <p:nvSpPr>
+          <p:cNvPr id="6" name="Textfeld 5"/>
+          <p:cNvSpPr txBox="1"/>
+          <p:nvPr/>
+        </p:nvSpPr>
+        <p:spPr>
+          <a:xfrm>
+            <a:off x="287830" y="6542726"/>
+            <a:ext cx="1208792" cy="276999"/>
+          </a:xfrm>
+          <a:prstGeom prst="rect">
+            <a:avLst/>
+          </a:prstGeom>
+          <a:noFill/>
+        </p:spPr>
+        <p:txBody>
+          <a:bodyPr wrap="none" rtlCol="0">
+            <a:spAutoFit/>
+          </a:bodyPr>
+          <a:lstStyle/>
+          <a:p>
+            <a:r>
+              <a:rPr lang="de-CH" sz="1200" dirty="0">
+                <a:latin typeface="Calibri" panose="020F0502020204030204" pitchFamily="34" charset="0"/>
+              </a:rPr>
+              <a:t>Meilenstein_M3</a:t>
+            </a:r>
+          </a:p>
+        </p:txBody>
+      </p:sp>
+      <p:sp>
+        <p:nvSpPr>
+          <p:cNvPr id="7" name="Textfeld 6"/>
+          <p:cNvSpPr txBox="1"/>
+          <p:nvPr/>
+        </p:nvSpPr>
+        <p:spPr>
+          <a:xfrm>
+            <a:off x="7954767" y="6542725"/>
+            <a:ext cx="926857" cy="276999"/>
+          </a:xfrm>
+          <a:prstGeom prst="rect">
+            <a:avLst/>
+          </a:prstGeom>
+          <a:noFill/>
+        </p:spPr>
+        <p:txBody>
+          <a:bodyPr wrap="none" rtlCol="0">
+            <a:spAutoFit/>
+          </a:bodyPr>
+          <a:lstStyle/>
+          <a:p>
+            <a:pPr algn="r"/>
+            <a:r>
+              <a:rPr lang="de-CH" sz="1200" dirty="0">
+                <a:latin typeface="Calibri" panose="020F0502020204030204" pitchFamily="34" charset="0"/>
+              </a:rPr>
+              <a:t>8. Mai 2018</a:t>
+            </a:r>
+          </a:p>
+        </p:txBody>
+      </p:sp>
+      <p:cxnSp>
+        <p:nvCxnSpPr>
+          <p:cNvPr id="9" name="Gerade Verbindung 4"/>
+          <p:cNvCxnSpPr/>
+          <p:nvPr/>
+        </p:nvCxnSpPr>
+        <p:spPr>
+          <a:xfrm>
+            <a:off x="-5050" y="421597"/>
+            <a:ext cx="9144000" cy="0"/>
+          </a:xfrm>
+          <a:prstGeom prst="line">
+            <a:avLst/>
+          </a:prstGeom>
+          <a:ln>
+            <a:solidFill>
+              <a:schemeClr val="tx1"/>
+            </a:solidFill>
+          </a:ln>
+        </p:spPr>
+        <p:style>
+          <a:lnRef idx="1">
+            <a:schemeClr val="accent1"/>
+          </a:lnRef>
+          <a:fillRef idx="0">
+            <a:schemeClr val="accent1"/>
+          </a:fillRef>
+          <a:effectRef idx="0">
+            <a:schemeClr val="accent1"/>
+          </a:effectRef>
+          <a:fontRef idx="minor">
+            <a:schemeClr val="tx1"/>
+          </a:fontRef>
+        </p:style>
+      </p:cxnSp>
+      <p:sp>
+        <p:nvSpPr>
+          <p:cNvPr id="10" name="Textfeld 9"/>
+          <p:cNvSpPr txBox="1"/>
+          <p:nvPr/>
+        </p:nvSpPr>
+        <p:spPr>
+          <a:xfrm>
+            <a:off x="7615828" y="144598"/>
+            <a:ext cx="1265796" cy="276999"/>
+          </a:xfrm>
+          <a:prstGeom prst="rect">
+            <a:avLst/>
+          </a:prstGeom>
+          <a:noFill/>
+        </p:spPr>
+        <p:txBody>
+          <a:bodyPr wrap="none" rtlCol="0">
+            <a:spAutoFit/>
+          </a:bodyPr>
+          <a:lstStyle/>
+          <a:p>
+            <a:pPr algn="r"/>
+            <a:r>
+              <a:rPr lang="de-CH" sz="1200">
+                <a:latin typeface="Calibri" panose="020F0502020204030204" pitchFamily="34" charset="0"/>
+              </a:rPr>
+              <a:t>SysP18_</a:t>
+            </a:r>
+            <a:r>
+              <a:rPr lang="de-CH" sz="1200" dirty="0">
+                <a:latin typeface="Calibri" panose="020F0502020204030204" pitchFamily="34" charset="0"/>
+              </a:rPr>
+              <a:t>Team_10</a:t>
+            </a:r>
+          </a:p>
+        </p:txBody>
+      </p:sp>
+      <p:sp>
+        <p:nvSpPr>
+          <p:cNvPr id="12" name="Textfeld 11">
+            <a:extLst>
+              <a:ext uri="{FF2B5EF4-FFF2-40B4-BE49-F238E27FC236}">
+                <a16:creationId xmlns:a16="http://schemas.microsoft.com/office/drawing/2014/main" id="{7AD42DF3-8805-DA44-9170-790CB01E3083}"/>
+              </a:ext>
+            </a:extLst>
+          </p:cNvPr>
+          <p:cNvSpPr txBox="1"/>
+          <p:nvPr/>
+        </p:nvSpPr>
+        <p:spPr>
+          <a:xfrm>
+            <a:off x="3627204" y="6542724"/>
+            <a:ext cx="1800200" cy="276999"/>
+          </a:xfrm>
+          <a:prstGeom prst="rect">
+            <a:avLst/>
+          </a:prstGeom>
+          <a:noFill/>
+        </p:spPr>
+        <p:txBody>
+          <a:bodyPr wrap="square" rtlCol="0">
+            <a:spAutoFit/>
+          </a:bodyPr>
+          <a:lstStyle/>
+          <a:p>
+            <a:pPr algn="ctr"/>
+            <a:r>
+              <a:rPr lang="de-CH" sz="1200" dirty="0">
+                <a:latin typeface="Calibri" panose="020F0502020204030204" pitchFamily="34" charset="0"/>
+              </a:rPr>
+              <a:t>Seite 9/9</a:t>
+            </a:r>
+          </a:p>
+        </p:txBody>
+      </p:sp>
+    </p:spTree>
+    <p:extLst>
+      <p:ext uri="{BB962C8B-B14F-4D97-AF65-F5344CB8AC3E}">
+        <p14:creationId xmlns:p14="http://schemas.microsoft.com/office/powerpoint/2010/main" val="1579893816"/>
+      </p:ext>
+    </p:extLst>
+  </p:cSld>
+  <p:clrMapOvr>
+    <a:masterClrMapping/>
+  </p:clrMapOvr>
+</p:sld>
+</file>
+
 <file path=ppt/slides/slide2.xml><?xml version="1.0" encoding="utf-8"?>
 <p:sld xmlns:a="http://schemas.openxmlformats.org/drawingml/2006/main" xmlns:r="http://schemas.openxmlformats.org/officeDocument/2006/relationships" xmlns:p="http://schemas.openxmlformats.org/presentationml/2006/main">
   <p:cSld>
@@ -3751,7 +4570,7 @@
           <p:nvPr/>
         </p:nvPicPr>
         <p:blipFill>
-          <a:blip r:embed="rId2">
+          <a:blip r:embed="rId3">
             <a:extLst>
               <a:ext uri="{28A0092B-C50C-407E-A947-70E740481C1C}">
                 <a14:useLocalDpi xmlns:a14="http://schemas.microsoft.com/office/drawing/2010/main" val="0"/>
@@ -3816,7 +4635,7 @@
         <p:spPr>
           <a:xfrm>
             <a:off x="287830" y="6542726"/>
-            <a:ext cx="1277914" cy="276999"/>
+            <a:ext cx="1208792" cy="276999"/>
           </a:xfrm>
           <a:prstGeom prst="rect">
             <a:avLst/>
@@ -3833,7 +4652,7 @@
               <a:rPr lang="de-CH" sz="1200" dirty="0">
                 <a:latin typeface="Calibri" panose="020F0502020204030204" pitchFamily="34" charset="0"/>
               </a:rPr>
-              <a:t>Meilenstein_M1c</a:t>
+              <a:t>Meilenstein_M3</a:t>
             </a:r>
           </a:p>
         </p:txBody>
@@ -3897,7 +4716,7 @@
               <a:rPr lang="de-CH" sz="1200" dirty="0">
                 <a:latin typeface="Calibri" panose="020F0502020204030204" pitchFamily="34" charset="0"/>
               </a:rPr>
-              <a:t>Seite 1/11</a:t>
+              <a:t>Seite 1/9</a:t>
             </a:r>
           </a:p>
         </p:txBody>
@@ -4009,7 +4828,7 @@
         <p:spPr>
           <a:xfrm>
             <a:off x="633368" y="1623458"/>
-            <a:ext cx="6264696" cy="2821285"/>
+            <a:ext cx="6264696" cy="4237057"/>
           </a:xfrm>
           <a:prstGeom prst="rect">
             <a:avLst/>
@@ -4090,10 +4909,58 @@
               <a:buChar char="•"/>
             </a:pPr>
             <a:r>
+              <a:rPr lang="de-CH" sz="2400">
+                <a:latin typeface="Calibri" panose="020F0502020204030204" pitchFamily="34" charset="0"/>
+              </a:rPr>
+              <a:t>Demonstration</a:t>
+            </a:r>
+            <a:endParaRPr lang="de-CH" sz="2400" dirty="0">
+              <a:latin typeface="Calibri" panose="020F0502020204030204" pitchFamily="34" charset="0"/>
+            </a:endParaRPr>
+          </a:p>
+          <a:p>
+            <a:pPr marL="342900" indent="-342900">
+              <a:spcAft>
+                <a:spcPts val="800"/>
+              </a:spcAft>
+              <a:buFont typeface="Arial" panose="020B0604020202020204" pitchFamily="34" charset="0"/>
+              <a:buChar char="•"/>
+            </a:pPr>
+            <a:r>
               <a:rPr lang="de-CH" sz="2400" dirty="0">
                 <a:latin typeface="Calibri" panose="020F0502020204030204" pitchFamily="34" charset="0"/>
               </a:rPr>
               <a:t>Kommunikationskonzept mit Partnerteam</a:t>
+            </a:r>
+          </a:p>
+          <a:p>
+            <a:pPr marL="342900" indent="-342900">
+              <a:spcAft>
+                <a:spcPts val="800"/>
+              </a:spcAft>
+              <a:buFont typeface="Arial" panose="020B0604020202020204" pitchFamily="34" charset="0"/>
+              <a:buChar char="•"/>
+            </a:pPr>
+            <a:r>
+              <a:rPr lang="de-CH" sz="2400" dirty="0">
+                <a:latin typeface="Calibri" panose="020F0502020204030204" pitchFamily="34" charset="0"/>
+              </a:rPr>
+              <a:t>Zeitplan</a:t>
+            </a:r>
+          </a:p>
+          <a:p>
+            <a:pPr marL="342900" indent="-342900">
+              <a:spcAft>
+                <a:spcPts val="800"/>
+              </a:spcAft>
+              <a:buFont typeface="Arial" panose="020B0604020202020204" pitchFamily="34" charset="0"/>
+              <a:buChar char="•"/>
+            </a:pPr>
+            <a:r>
+              <a:rPr lang="de-CH" sz="2400" dirty="0">
+                <a:latin typeface="Calibri" panose="020F0502020204030204" pitchFamily="34" charset="0"/>
+              </a:rPr>
+              <a:t>Diskussionsrunde</a:t>
             </a:r>
           </a:p>
           <a:p>
@@ -4138,9 +5005,9 @@
                             </p:stCondLst>
                             <p:childTnLst>
                               <p:par>
-                                <p:cTn id="5" presetID="1" presetClass="entr" presetSubtype="0" fill="hold" grpId="0" nodeType="afterEffect">
+                                <p:cTn id="5" presetID="1" presetClass="entr" presetSubtype="0" fill="hold" grpId="0" nodeType="withEffect">
                                   <p:stCondLst>
-                                    <p:cond delay="0"/>
+                                    <p:cond delay="500"/>
                                   </p:stCondLst>
                                   <p:childTnLst>
                                     <p:set>
@@ -4168,33 +5035,15 @@
                                   </p:childTnLst>
                                 </p:cTn>
                               </p:par>
-                            </p:childTnLst>
-                          </p:cTn>
-                        </p:par>
-                      </p:childTnLst>
-                    </p:cTn>
-                  </p:par>
-                  <p:par>
-                    <p:cTn id="7" fill="hold">
-                      <p:stCondLst>
-                        <p:cond delay="indefinite"/>
-                      </p:stCondLst>
-                      <p:childTnLst>
-                        <p:par>
-                          <p:cTn id="8" fill="hold">
-                            <p:stCondLst>
-                              <p:cond delay="0"/>
-                            </p:stCondLst>
-                            <p:childTnLst>
                               <p:par>
-                                <p:cTn id="9" presetID="1" presetClass="entr" presetSubtype="0" fill="hold" grpId="0" nodeType="clickEffect">
+                                <p:cTn id="7" presetID="1" presetClass="entr" presetSubtype="0" fill="hold" grpId="0" nodeType="withEffect">
                                   <p:stCondLst>
-                                    <p:cond delay="0"/>
+                                    <p:cond delay="500"/>
                                   </p:stCondLst>
                                   <p:childTnLst>
                                     <p:set>
                                       <p:cBhvr>
-                                        <p:cTn id="10" dur="1" fill="hold">
+                                        <p:cTn id="8" dur="1" fill="hold">
                                           <p:stCondLst>
                                             <p:cond delay="0"/>
                                           </p:stCondLst>
@@ -4217,33 +5066,15 @@
                                   </p:childTnLst>
                                 </p:cTn>
                               </p:par>
-                            </p:childTnLst>
-                          </p:cTn>
-                        </p:par>
-                      </p:childTnLst>
-                    </p:cTn>
-                  </p:par>
-                  <p:par>
-                    <p:cTn id="11" fill="hold">
-                      <p:stCondLst>
-                        <p:cond delay="indefinite"/>
-                      </p:stCondLst>
-                      <p:childTnLst>
-                        <p:par>
-                          <p:cTn id="12" fill="hold">
-                            <p:stCondLst>
-                              <p:cond delay="0"/>
-                            </p:stCondLst>
-                            <p:childTnLst>
                               <p:par>
-                                <p:cTn id="13" presetID="1" presetClass="entr" presetSubtype="0" fill="hold" grpId="0" nodeType="clickEffect">
+                                <p:cTn id="9" presetID="1" presetClass="entr" presetSubtype="0" fill="hold" grpId="0" nodeType="withEffect">
                                   <p:stCondLst>
-                                    <p:cond delay="0"/>
+                                    <p:cond delay="500"/>
                                   </p:stCondLst>
                                   <p:childTnLst>
                                     <p:set>
                                       <p:cBhvr>
-                                        <p:cTn id="14" dur="1" fill="hold">
+                                        <p:cTn id="10" dur="1" fill="hold">
                                           <p:stCondLst>
                                             <p:cond delay="0"/>
                                           </p:stCondLst>
@@ -4266,33 +5097,15 @@
                                   </p:childTnLst>
                                 </p:cTn>
                               </p:par>
-                            </p:childTnLst>
-                          </p:cTn>
-                        </p:par>
-                      </p:childTnLst>
-                    </p:cTn>
-                  </p:par>
-                  <p:par>
-                    <p:cTn id="15" fill="hold">
-                      <p:stCondLst>
-                        <p:cond delay="indefinite"/>
-                      </p:stCondLst>
-                      <p:childTnLst>
-                        <p:par>
-                          <p:cTn id="16" fill="hold">
-                            <p:stCondLst>
-                              <p:cond delay="0"/>
-                            </p:stCondLst>
-                            <p:childTnLst>
                               <p:par>
-                                <p:cTn id="17" presetID="1" presetClass="entr" presetSubtype="0" fill="hold" grpId="0" nodeType="clickEffect">
+                                <p:cTn id="11" presetID="1" presetClass="entr" presetSubtype="0" fill="hold" grpId="0" nodeType="withEffect">
                                   <p:stCondLst>
-                                    <p:cond delay="0"/>
+                                    <p:cond delay="500"/>
                                   </p:stCondLst>
                                   <p:childTnLst>
                                     <p:set>
                                       <p:cBhvr>
-                                        <p:cTn id="18" dur="1" fill="hold">
+                                        <p:cTn id="12" dur="1" fill="hold">
                                           <p:stCondLst>
                                             <p:cond delay="0"/>
                                           </p:stCondLst>
@@ -4322,26 +5135,26 @@
                     </p:cTn>
                   </p:par>
                   <p:par>
-                    <p:cTn id="19" fill="hold">
+                    <p:cTn id="13" fill="hold">
                       <p:stCondLst>
                         <p:cond delay="indefinite"/>
                       </p:stCondLst>
                       <p:childTnLst>
                         <p:par>
-                          <p:cTn id="20" fill="hold">
+                          <p:cTn id="14" fill="hold">
                             <p:stCondLst>
                               <p:cond delay="0"/>
                             </p:stCondLst>
                             <p:childTnLst>
                               <p:par>
-                                <p:cTn id="21" presetID="1" presetClass="entr" presetSubtype="0" fill="hold" grpId="0" nodeType="clickEffect">
+                                <p:cTn id="15" presetID="1" presetClass="entr" presetSubtype="0" fill="hold" grpId="0" nodeType="clickEffect">
                                   <p:stCondLst>
-                                    <p:cond delay="0"/>
+                                    <p:cond delay="500"/>
                                   </p:stCondLst>
                                   <p:childTnLst>
                                     <p:set>
                                       <p:cBhvr>
-                                        <p:cTn id="22" dur="1" fill="hold">
+                                        <p:cTn id="16" dur="1" fill="hold">
                                           <p:stCondLst>
                                             <p:cond delay="0"/>
                                           </p:stCondLst>
@@ -4350,6 +5163,153 @@
                                           <p:spTgt spid="15">
                                             <p:txEl>
                                               <p:pRg st="4" end="4"/>
+                                            </p:txEl>
+                                          </p:spTgt>
+                                        </p:tgtEl>
+                                        <p:attrNameLst>
+                                          <p:attrName>style.visibility</p:attrName>
+                                        </p:attrNameLst>
+                                      </p:cBhvr>
+                                      <p:to>
+                                        <p:strVal val="visible"/>
+                                      </p:to>
+                                    </p:set>
+                                  </p:childTnLst>
+                                </p:cTn>
+                              </p:par>
+                            </p:childTnLst>
+                          </p:cTn>
+                        </p:par>
+                      </p:childTnLst>
+                    </p:cTn>
+                  </p:par>
+                  <p:par>
+                    <p:cTn id="17" fill="hold">
+                      <p:stCondLst>
+                        <p:cond delay="indefinite"/>
+                      </p:stCondLst>
+                      <p:childTnLst>
+                        <p:par>
+                          <p:cTn id="18" fill="hold">
+                            <p:stCondLst>
+                              <p:cond delay="0"/>
+                            </p:stCondLst>
+                            <p:childTnLst>
+                              <p:par>
+                                <p:cTn id="19" presetID="1" presetClass="entr" presetSubtype="0" fill="hold" grpId="0" nodeType="clickEffect">
+                                  <p:stCondLst>
+                                    <p:cond delay="0"/>
+                                  </p:stCondLst>
+                                  <p:childTnLst>
+                                    <p:set>
+                                      <p:cBhvr>
+                                        <p:cTn id="20" dur="1" fill="hold">
+                                          <p:stCondLst>
+                                            <p:cond delay="0"/>
+                                          </p:stCondLst>
+                                        </p:cTn>
+                                        <p:tgtEl>
+                                          <p:spTgt spid="15">
+                                            <p:txEl>
+                                              <p:pRg st="5" end="5"/>
+                                            </p:txEl>
+                                          </p:spTgt>
+                                        </p:tgtEl>
+                                        <p:attrNameLst>
+                                          <p:attrName>style.visibility</p:attrName>
+                                        </p:attrNameLst>
+                                      </p:cBhvr>
+                                      <p:to>
+                                        <p:strVal val="visible"/>
+                                      </p:to>
+                                    </p:set>
+                                  </p:childTnLst>
+                                </p:cTn>
+                              </p:par>
+                            </p:childTnLst>
+                          </p:cTn>
+                        </p:par>
+                      </p:childTnLst>
+                    </p:cTn>
+                  </p:par>
+                  <p:par>
+                    <p:cTn id="21" fill="hold">
+                      <p:stCondLst>
+                        <p:cond delay="indefinite"/>
+                      </p:stCondLst>
+                      <p:childTnLst>
+                        <p:par>
+                          <p:cTn id="22" fill="hold">
+                            <p:stCondLst>
+                              <p:cond delay="0"/>
+                            </p:stCondLst>
+                            <p:childTnLst>
+                              <p:par>
+                                <p:cTn id="23" presetID="1" presetClass="entr" presetSubtype="0" fill="hold" grpId="0" nodeType="clickEffect">
+                                  <p:stCondLst>
+                                    <p:cond delay="0"/>
+                                  </p:stCondLst>
+                                  <p:childTnLst>
+                                    <p:set>
+                                      <p:cBhvr>
+                                        <p:cTn id="24" dur="1" fill="hold">
+                                          <p:stCondLst>
+                                            <p:cond delay="0"/>
+                                          </p:stCondLst>
+                                        </p:cTn>
+                                        <p:tgtEl>
+                                          <p:spTgt spid="15">
+                                            <p:txEl>
+                                              <p:pRg st="6" end="6"/>
+                                            </p:txEl>
+                                          </p:spTgt>
+                                        </p:tgtEl>
+                                        <p:attrNameLst>
+                                          <p:attrName>style.visibility</p:attrName>
+                                        </p:attrNameLst>
+                                      </p:cBhvr>
+                                      <p:to>
+                                        <p:strVal val="visible"/>
+                                      </p:to>
+                                    </p:set>
+                                  </p:childTnLst>
+                                </p:cTn>
+                              </p:par>
+                            </p:childTnLst>
+                          </p:cTn>
+                        </p:par>
+                      </p:childTnLst>
+                    </p:cTn>
+                  </p:par>
+                  <p:par>
+                    <p:cTn id="25" fill="hold">
+                      <p:stCondLst>
+                        <p:cond delay="indefinite"/>
+                      </p:stCondLst>
+                      <p:childTnLst>
+                        <p:par>
+                          <p:cTn id="26" fill="hold">
+                            <p:stCondLst>
+                              <p:cond delay="0"/>
+                            </p:stCondLst>
+                            <p:childTnLst>
+                              <p:par>
+                                <p:cTn id="27" presetID="1" presetClass="entr" presetSubtype="0" fill="hold" grpId="0" nodeType="clickEffect">
+                                  <p:stCondLst>
+                                    <p:cond delay="0"/>
+                                  </p:stCondLst>
+                                  <p:childTnLst>
+                                    <p:set>
+                                      <p:cBhvr>
+                                        <p:cTn id="28" dur="1" fill="hold">
+                                          <p:stCondLst>
+                                            <p:cond delay="0"/>
+                                          </p:stCondLst>
+                                        </p:cTn>
+                                        <p:tgtEl>
+                                          <p:spTgt spid="15">
+                                            <p:txEl>
+                                              <p:pRg st="7" end="7"/>
                                             </p:txEl>
                                           </p:spTgt>
                                         </p:tgtEl>
@@ -4417,6 +5377,1910 @@
       </p:grpSpPr>
       <p:pic>
         <p:nvPicPr>
+          <p:cNvPr id="12" name="Grafik 11">
+            <a:extLst>
+              <a:ext uri="{FF2B5EF4-FFF2-40B4-BE49-F238E27FC236}">
+                <a16:creationId xmlns:a16="http://schemas.microsoft.com/office/drawing/2014/main" id="{B31EA2BB-3576-644D-9566-8B1C366DC5F2}"/>
+              </a:ext>
+            </a:extLst>
+          </p:cNvPr>
+          <p:cNvPicPr>
+            <a:picLocks noChangeAspect="1"/>
+          </p:cNvPicPr>
+          <p:nvPr/>
+        </p:nvPicPr>
+        <p:blipFill>
+          <a:blip r:embed="rId3">
+            <a:extLst>
+              <a:ext uri="{28A0092B-C50C-407E-A947-70E740481C1C}">
+                <a14:useLocalDpi xmlns:a14="http://schemas.microsoft.com/office/drawing/2010/main" val="0"/>
+              </a:ext>
+            </a:extLst>
+          </a:blip>
+          <a:stretch>
+            <a:fillRect/>
+          </a:stretch>
+        </p:blipFill>
+        <p:spPr>
+          <a:xfrm>
+            <a:off x="441376" y="4068414"/>
+            <a:ext cx="2736842" cy="2052632"/>
+          </a:xfrm>
+          <a:prstGeom prst="rect">
+            <a:avLst/>
+          </a:prstGeom>
+        </p:spPr>
+      </p:pic>
+      <p:pic>
+        <p:nvPicPr>
+          <p:cNvPr id="26" name="Grafik 25">
+            <a:extLst>
+              <a:ext uri="{FF2B5EF4-FFF2-40B4-BE49-F238E27FC236}">
+                <a16:creationId xmlns:a16="http://schemas.microsoft.com/office/drawing/2014/main" id="{FC7E1142-7934-3544-B8F2-7453AD178ED2}"/>
+              </a:ext>
+            </a:extLst>
+          </p:cNvPr>
+          <p:cNvPicPr>
+            <a:picLocks noChangeAspect="1"/>
+          </p:cNvPicPr>
+          <p:nvPr/>
+        </p:nvPicPr>
+        <p:blipFill>
+          <a:blip r:embed="rId4">
+            <a:extLst>
+              <a:ext uri="{28A0092B-C50C-407E-A947-70E740481C1C}">
+                <a14:useLocalDpi xmlns:a14="http://schemas.microsoft.com/office/drawing/2010/main" val="0"/>
+              </a:ext>
+            </a:extLst>
+          </a:blip>
+          <a:stretch>
+            <a:fillRect/>
+          </a:stretch>
+        </p:blipFill>
+        <p:spPr>
+          <a:xfrm>
+            <a:off x="3304308" y="4070703"/>
+            <a:ext cx="2730738" cy="2048054"/>
+          </a:xfrm>
+          <a:prstGeom prst="rect">
+            <a:avLst/>
+          </a:prstGeom>
+        </p:spPr>
+      </p:pic>
+      <p:pic>
+        <p:nvPicPr>
+          <p:cNvPr id="3" name="Grafik 2">
+            <a:extLst>
+              <a:ext uri="{FF2B5EF4-FFF2-40B4-BE49-F238E27FC236}">
+                <a16:creationId xmlns:a16="http://schemas.microsoft.com/office/drawing/2014/main" id="{9512FB9C-F80E-094B-887D-D30C182C27D6}"/>
+              </a:ext>
+            </a:extLst>
+          </p:cNvPr>
+          <p:cNvPicPr>
+            <a:picLocks noChangeAspect="1"/>
+          </p:cNvPicPr>
+          <p:nvPr/>
+        </p:nvPicPr>
+        <p:blipFill rotWithShape="1">
+          <a:blip r:embed="rId5">
+            <a:extLst>
+              <a:ext uri="{28A0092B-C50C-407E-A947-70E740481C1C}">
+                <a14:useLocalDpi xmlns:a14="http://schemas.microsoft.com/office/drawing/2010/main" val="0"/>
+              </a:ext>
+            </a:extLst>
+          </a:blip>
+          <a:srcRect l="23018" t="29618" r="24126" b="33265"/>
+          <a:stretch/>
+        </p:blipFill>
+        <p:spPr>
+          <a:xfrm>
+            <a:off x="6149444" y="3559524"/>
+            <a:ext cx="2728934" cy="2555084"/>
+          </a:xfrm>
+          <a:prstGeom prst="rect">
+            <a:avLst/>
+          </a:prstGeom>
+        </p:spPr>
+      </p:pic>
+      <p:pic>
+        <p:nvPicPr>
+          <p:cNvPr id="13" name="Grafik 12">
+            <a:extLst>
+              <a:ext uri="{FF2B5EF4-FFF2-40B4-BE49-F238E27FC236}">
+                <a16:creationId xmlns:a16="http://schemas.microsoft.com/office/drawing/2014/main" id="{00453448-D0BE-BC4A-91C8-50E637D2FFD5}"/>
+              </a:ext>
+            </a:extLst>
+          </p:cNvPr>
+          <p:cNvPicPr>
+            <a:picLocks noChangeAspect="1"/>
+          </p:cNvPicPr>
+          <p:nvPr/>
+        </p:nvPicPr>
+        <p:blipFill>
+          <a:blip r:embed="rId6">
+            <a:extLst>
+              <a:ext uri="{28A0092B-C50C-407E-A947-70E740481C1C}">
+                <a14:useLocalDpi xmlns:a14="http://schemas.microsoft.com/office/drawing/2010/main" val="0"/>
+              </a:ext>
+            </a:extLst>
+          </a:blip>
+          <a:stretch>
+            <a:fillRect/>
+          </a:stretch>
+        </p:blipFill>
+        <p:spPr>
+          <a:xfrm>
+            <a:off x="0" y="-3571"/>
+            <a:ext cx="1066800" cy="406400"/>
+          </a:xfrm>
+          <a:prstGeom prst="rect">
+            <a:avLst/>
+          </a:prstGeom>
+        </p:spPr>
+      </p:pic>
+      <p:sp>
+        <p:nvSpPr>
+          <p:cNvPr id="11" name="Textfeld 10"/>
+          <p:cNvSpPr txBox="1"/>
+          <p:nvPr/>
+        </p:nvSpPr>
+        <p:spPr>
+          <a:xfrm>
+            <a:off x="683568" y="1582042"/>
+            <a:ext cx="6264696" cy="461665"/>
+          </a:xfrm>
+          <a:prstGeom prst="rect">
+            <a:avLst/>
+          </a:prstGeom>
+          <a:noFill/>
+        </p:spPr>
+        <p:txBody>
+          <a:bodyPr wrap="square" rtlCol="0" anchor="t">
+            <a:spAutoFit/>
+          </a:bodyPr>
+          <a:lstStyle/>
+          <a:p>
+            <a:pPr marL="800100" lvl="1" indent="-342900">
+              <a:buFont typeface="Arial" panose="020B0604020202020204" pitchFamily="34" charset="0"/>
+              <a:buChar char="•"/>
+            </a:pPr>
+            <a:r>
+              <a:rPr lang="de-CH" sz="2400" dirty="0">
+                <a:latin typeface="Calibri" panose="020F0502020204030204" pitchFamily="34" charset="0"/>
+              </a:rPr>
+              <a:t>Fertigstellungsgrad: ca. 60%</a:t>
+            </a:r>
+          </a:p>
+        </p:txBody>
+      </p:sp>
+      <p:cxnSp>
+        <p:nvCxnSpPr>
+          <p:cNvPr id="5" name="Gerade Verbindung 4"/>
+          <p:cNvCxnSpPr/>
+          <p:nvPr/>
+        </p:nvCxnSpPr>
+        <p:spPr>
+          <a:xfrm>
+            <a:off x="0" y="6525344"/>
+            <a:ext cx="9144000" cy="0"/>
+          </a:xfrm>
+          <a:prstGeom prst="line">
+            <a:avLst/>
+          </a:prstGeom>
+          <a:ln>
+            <a:solidFill>
+              <a:schemeClr val="tx1"/>
+            </a:solidFill>
+          </a:ln>
+        </p:spPr>
+        <p:style>
+          <a:lnRef idx="1">
+            <a:schemeClr val="accent1"/>
+          </a:lnRef>
+          <a:fillRef idx="0">
+            <a:schemeClr val="accent1"/>
+          </a:fillRef>
+          <a:effectRef idx="0">
+            <a:schemeClr val="accent1"/>
+          </a:effectRef>
+          <a:fontRef idx="minor">
+            <a:schemeClr val="tx1"/>
+          </a:fontRef>
+        </p:style>
+      </p:cxnSp>
+      <p:sp>
+        <p:nvSpPr>
+          <p:cNvPr id="6" name="Textfeld 5"/>
+          <p:cNvSpPr txBox="1"/>
+          <p:nvPr/>
+        </p:nvSpPr>
+        <p:spPr>
+          <a:xfrm>
+            <a:off x="287830" y="6542726"/>
+            <a:ext cx="1208792" cy="276999"/>
+          </a:xfrm>
+          <a:prstGeom prst="rect">
+            <a:avLst/>
+          </a:prstGeom>
+          <a:noFill/>
+        </p:spPr>
+        <p:txBody>
+          <a:bodyPr wrap="none" rtlCol="0">
+            <a:spAutoFit/>
+          </a:bodyPr>
+          <a:lstStyle/>
+          <a:p>
+            <a:r>
+              <a:rPr lang="de-CH" sz="1200" dirty="0">
+                <a:latin typeface="Calibri" panose="020F0502020204030204" pitchFamily="34" charset="0"/>
+              </a:rPr>
+              <a:t>Meilenstein_M3</a:t>
+            </a:r>
+          </a:p>
+        </p:txBody>
+      </p:sp>
+      <p:sp>
+        <p:nvSpPr>
+          <p:cNvPr id="7" name="Textfeld 6"/>
+          <p:cNvSpPr txBox="1"/>
+          <p:nvPr/>
+        </p:nvSpPr>
+        <p:spPr>
+          <a:xfrm>
+            <a:off x="7954767" y="6542725"/>
+            <a:ext cx="926857" cy="276999"/>
+          </a:xfrm>
+          <a:prstGeom prst="rect">
+            <a:avLst/>
+          </a:prstGeom>
+          <a:noFill/>
+        </p:spPr>
+        <p:txBody>
+          <a:bodyPr wrap="none" rtlCol="0">
+            <a:spAutoFit/>
+          </a:bodyPr>
+          <a:lstStyle/>
+          <a:p>
+            <a:pPr algn="r"/>
+            <a:r>
+              <a:rPr lang="de-CH" sz="1200" dirty="0">
+                <a:latin typeface="Calibri" panose="020F0502020204030204" pitchFamily="34" charset="0"/>
+              </a:rPr>
+              <a:t>8. Mai 2018</a:t>
+            </a:r>
+          </a:p>
+        </p:txBody>
+      </p:sp>
+      <p:sp>
+        <p:nvSpPr>
+          <p:cNvPr id="8" name="Textfeld 7"/>
+          <p:cNvSpPr txBox="1"/>
+          <p:nvPr/>
+        </p:nvSpPr>
+        <p:spPr>
+          <a:xfrm>
+            <a:off x="3627204" y="6542724"/>
+            <a:ext cx="1800200" cy="276999"/>
+          </a:xfrm>
+          <a:prstGeom prst="rect">
+            <a:avLst/>
+          </a:prstGeom>
+          <a:noFill/>
+        </p:spPr>
+        <p:txBody>
+          <a:bodyPr wrap="square" rtlCol="0">
+            <a:spAutoFit/>
+          </a:bodyPr>
+          <a:lstStyle/>
+          <a:p>
+            <a:pPr algn="ctr"/>
+            <a:r>
+              <a:rPr lang="de-CH" sz="1200" dirty="0">
+                <a:latin typeface="Calibri" panose="020F0502020204030204" pitchFamily="34" charset="0"/>
+              </a:rPr>
+              <a:t>Seite 2/9</a:t>
+            </a:r>
+          </a:p>
+        </p:txBody>
+      </p:sp>
+      <p:cxnSp>
+        <p:nvCxnSpPr>
+          <p:cNvPr id="9" name="Gerade Verbindung 4"/>
+          <p:cNvCxnSpPr/>
+          <p:nvPr/>
+        </p:nvCxnSpPr>
+        <p:spPr>
+          <a:xfrm>
+            <a:off x="-5050" y="421597"/>
+            <a:ext cx="9144000" cy="0"/>
+          </a:xfrm>
+          <a:prstGeom prst="line">
+            <a:avLst/>
+          </a:prstGeom>
+          <a:ln>
+            <a:solidFill>
+              <a:schemeClr val="tx1"/>
+            </a:solidFill>
+          </a:ln>
+        </p:spPr>
+        <p:style>
+          <a:lnRef idx="1">
+            <a:schemeClr val="accent1"/>
+          </a:lnRef>
+          <a:fillRef idx="0">
+            <a:schemeClr val="accent1"/>
+          </a:fillRef>
+          <a:effectRef idx="0">
+            <a:schemeClr val="accent1"/>
+          </a:effectRef>
+          <a:fontRef idx="minor">
+            <a:schemeClr val="tx1"/>
+          </a:fontRef>
+        </p:style>
+      </p:cxnSp>
+      <p:sp>
+        <p:nvSpPr>
+          <p:cNvPr id="10" name="Textfeld 9"/>
+          <p:cNvSpPr txBox="1"/>
+          <p:nvPr/>
+        </p:nvSpPr>
+        <p:spPr>
+          <a:xfrm>
+            <a:off x="7615828" y="144598"/>
+            <a:ext cx="1265796" cy="276999"/>
+          </a:xfrm>
+          <a:prstGeom prst="rect">
+            <a:avLst/>
+          </a:prstGeom>
+          <a:noFill/>
+        </p:spPr>
+        <p:txBody>
+          <a:bodyPr wrap="none" rtlCol="0">
+            <a:spAutoFit/>
+          </a:bodyPr>
+          <a:lstStyle/>
+          <a:p>
+            <a:pPr algn="r"/>
+            <a:r>
+              <a:rPr lang="de-CH" sz="1200" dirty="0">
+                <a:latin typeface="Calibri" panose="020F0502020204030204" pitchFamily="34" charset="0"/>
+              </a:rPr>
+              <a:t>SysP18_Team_10</a:t>
+            </a:r>
+          </a:p>
+        </p:txBody>
+      </p:sp>
+      <p:sp>
+        <p:nvSpPr>
+          <p:cNvPr id="14" name="Textfeld 13"/>
+          <p:cNvSpPr txBox="1"/>
+          <p:nvPr/>
+        </p:nvSpPr>
+        <p:spPr>
+          <a:xfrm>
+            <a:off x="313904" y="1124744"/>
+            <a:ext cx="4402111" cy="523220"/>
+          </a:xfrm>
+          <a:prstGeom prst="rect">
+            <a:avLst/>
+          </a:prstGeom>
+          <a:noFill/>
+        </p:spPr>
+        <p:txBody>
+          <a:bodyPr wrap="square" rtlCol="0">
+            <a:spAutoFit/>
+          </a:bodyPr>
+          <a:lstStyle/>
+          <a:p>
+            <a:r>
+              <a:rPr lang="de-CH" sz="2800" b="1" dirty="0">
+                <a:latin typeface="+mj-lt"/>
+              </a:rPr>
+              <a:t>Mechanik</a:t>
+            </a:r>
+          </a:p>
+        </p:txBody>
+      </p:sp>
+      <p:sp>
+        <p:nvSpPr>
+          <p:cNvPr id="21" name="Textfeld 20">
+            <a:extLst>
+              <a:ext uri="{FF2B5EF4-FFF2-40B4-BE49-F238E27FC236}">
+                <a16:creationId xmlns:a16="http://schemas.microsoft.com/office/drawing/2014/main" id="{D3D00B19-F073-714A-97BD-23B7C34FE458}"/>
+              </a:ext>
+            </a:extLst>
+          </p:cNvPr>
+          <p:cNvSpPr txBox="1"/>
+          <p:nvPr/>
+        </p:nvSpPr>
+        <p:spPr>
+          <a:xfrm>
+            <a:off x="441376" y="3291693"/>
+            <a:ext cx="1337354" cy="646331"/>
+          </a:xfrm>
+          <a:prstGeom prst="rect">
+            <a:avLst/>
+          </a:prstGeom>
+          <a:noFill/>
+        </p:spPr>
+        <p:txBody>
+          <a:bodyPr wrap="square" rtlCol="0">
+            <a:spAutoFit/>
+          </a:bodyPr>
+          <a:lstStyle/>
+          <a:p>
+            <a:r>
+              <a:rPr lang="de-CH" dirty="0"/>
+              <a:t>Teilsystem:</a:t>
+            </a:r>
+          </a:p>
+          <a:p>
+            <a:r>
+              <a:rPr lang="de-CH" dirty="0"/>
+              <a:t>Fahrwerk</a:t>
+            </a:r>
+          </a:p>
+        </p:txBody>
+      </p:sp>
+      <p:sp>
+        <p:nvSpPr>
+          <p:cNvPr id="22" name="Textfeld 21">
+            <a:extLst>
+              <a:ext uri="{FF2B5EF4-FFF2-40B4-BE49-F238E27FC236}">
+                <a16:creationId xmlns:a16="http://schemas.microsoft.com/office/drawing/2014/main" id="{9BD56355-FCFF-C34A-A2CA-A65F3CF66A82}"/>
+              </a:ext>
+            </a:extLst>
+          </p:cNvPr>
+          <p:cNvSpPr txBox="1"/>
+          <p:nvPr/>
+        </p:nvSpPr>
+        <p:spPr>
+          <a:xfrm>
+            <a:off x="3304308" y="3291693"/>
+            <a:ext cx="1209177" cy="646331"/>
+          </a:xfrm>
+          <a:prstGeom prst="rect">
+            <a:avLst/>
+          </a:prstGeom>
+          <a:noFill/>
+        </p:spPr>
+        <p:txBody>
+          <a:bodyPr wrap="square" rtlCol="0">
+            <a:spAutoFit/>
+          </a:bodyPr>
+          <a:lstStyle/>
+          <a:p>
+            <a:r>
+              <a:rPr lang="de-CH" dirty="0"/>
+              <a:t>Teilsystem:</a:t>
+            </a:r>
+          </a:p>
+          <a:p>
+            <a:r>
+              <a:rPr lang="de-CH" dirty="0"/>
+              <a:t>Oberteil</a:t>
+            </a:r>
+          </a:p>
+        </p:txBody>
+      </p:sp>
+      <p:sp>
+        <p:nvSpPr>
+          <p:cNvPr id="23" name="Textfeld 22">
+            <a:extLst>
+              <a:ext uri="{FF2B5EF4-FFF2-40B4-BE49-F238E27FC236}">
+                <a16:creationId xmlns:a16="http://schemas.microsoft.com/office/drawing/2014/main" id="{A31761EC-B671-4C4A-9DF1-B2A9F7E9D66E}"/>
+              </a:ext>
+            </a:extLst>
+          </p:cNvPr>
+          <p:cNvSpPr txBox="1"/>
+          <p:nvPr/>
+        </p:nvSpPr>
+        <p:spPr>
+          <a:xfrm>
+            <a:off x="6149444" y="3054733"/>
+            <a:ext cx="1662916" cy="369332"/>
+          </a:xfrm>
+          <a:prstGeom prst="rect">
+            <a:avLst/>
+          </a:prstGeom>
+          <a:noFill/>
+        </p:spPr>
+        <p:txBody>
+          <a:bodyPr wrap="square" rtlCol="0">
+            <a:spAutoFit/>
+          </a:bodyPr>
+          <a:lstStyle/>
+          <a:p>
+            <a:r>
+              <a:rPr lang="de-CH" dirty="0" err="1"/>
+              <a:t>Robi</a:t>
+            </a:r>
+            <a:r>
+              <a:rPr lang="de-CH" dirty="0"/>
+              <a:t> komplett</a:t>
+            </a:r>
+          </a:p>
+        </p:txBody>
+      </p:sp>
+    </p:spTree>
+    <p:extLst>
+      <p:ext uri="{BB962C8B-B14F-4D97-AF65-F5344CB8AC3E}">
+        <p14:creationId xmlns:p14="http://schemas.microsoft.com/office/powerpoint/2010/main" val="3830179279"/>
+      </p:ext>
+    </p:extLst>
+  </p:cSld>
+  <p:clrMapOvr>
+    <a:masterClrMapping/>
+  </p:clrMapOvr>
+</p:sld>
+</file>
+
+<file path=ppt/slides/slide4.xml><?xml version="1.0" encoding="utf-8"?>
+<p:sld xmlns:a="http://schemas.openxmlformats.org/drawingml/2006/main" xmlns:r="http://schemas.openxmlformats.org/officeDocument/2006/relationships" xmlns:p="http://schemas.openxmlformats.org/presentationml/2006/main">
+  <p:cSld>
+    <p:spTree>
+      <p:nvGrpSpPr>
+        <p:cNvPr id="1" name=""/>
+        <p:cNvGrpSpPr/>
+        <p:nvPr/>
+      </p:nvGrpSpPr>
+      <p:grpSpPr>
+        <a:xfrm>
+          <a:off x="0" y="0"/>
+          <a:ext cx="0" cy="0"/>
+          <a:chOff x="0" y="0"/>
+          <a:chExt cx="0" cy="0"/>
+        </a:xfrm>
+      </p:grpSpPr>
+      <p:pic>
+        <p:nvPicPr>
+          <p:cNvPr id="3" name="Grafik 2">
+            <a:extLst>
+              <a:ext uri="{FF2B5EF4-FFF2-40B4-BE49-F238E27FC236}">
+                <a16:creationId xmlns:a16="http://schemas.microsoft.com/office/drawing/2014/main" id="{B8E6A045-B2AF-B44D-A14F-E0BFFB42AC10}"/>
+              </a:ext>
+            </a:extLst>
+          </p:cNvPr>
+          <p:cNvPicPr>
+            <a:picLocks noChangeAspect="1"/>
+          </p:cNvPicPr>
+          <p:nvPr/>
+        </p:nvPicPr>
+        <p:blipFill rotWithShape="1">
+          <a:blip r:embed="rId3">
+            <a:extLst>
+              <a:ext uri="{28A0092B-C50C-407E-A947-70E740481C1C}">
+                <a14:useLocalDpi xmlns:a14="http://schemas.microsoft.com/office/drawing/2010/main" val="0"/>
+              </a:ext>
+            </a:extLst>
+          </a:blip>
+          <a:srcRect l="33884" r="3981"/>
+          <a:stretch/>
+        </p:blipFill>
+        <p:spPr>
+          <a:xfrm>
+            <a:off x="4788024" y="1623456"/>
+            <a:ext cx="3936914" cy="4752041"/>
+          </a:xfrm>
+          <a:prstGeom prst="rect">
+            <a:avLst/>
+          </a:prstGeom>
+        </p:spPr>
+      </p:pic>
+      <p:pic>
+        <p:nvPicPr>
+          <p:cNvPr id="13" name="Grafik 12">
+            <a:extLst>
+              <a:ext uri="{FF2B5EF4-FFF2-40B4-BE49-F238E27FC236}">
+                <a16:creationId xmlns:a16="http://schemas.microsoft.com/office/drawing/2014/main" id="{00453448-D0BE-BC4A-91C8-50E637D2FFD5}"/>
+              </a:ext>
+            </a:extLst>
+          </p:cNvPr>
+          <p:cNvPicPr>
+            <a:picLocks noChangeAspect="1"/>
+          </p:cNvPicPr>
+          <p:nvPr/>
+        </p:nvPicPr>
+        <p:blipFill>
+          <a:blip r:embed="rId4">
+            <a:extLst>
+              <a:ext uri="{28A0092B-C50C-407E-A947-70E740481C1C}">
+                <a14:useLocalDpi xmlns:a14="http://schemas.microsoft.com/office/drawing/2010/main" val="0"/>
+              </a:ext>
+            </a:extLst>
+          </a:blip>
+          <a:stretch>
+            <a:fillRect/>
+          </a:stretch>
+        </p:blipFill>
+        <p:spPr>
+          <a:xfrm>
+            <a:off x="0" y="-3571"/>
+            <a:ext cx="1066800" cy="406400"/>
+          </a:xfrm>
+          <a:prstGeom prst="rect">
+            <a:avLst/>
+          </a:prstGeom>
+        </p:spPr>
+      </p:pic>
+      <p:sp>
+        <p:nvSpPr>
+          <p:cNvPr id="11" name="Textfeld 10"/>
+          <p:cNvSpPr txBox="1"/>
+          <p:nvPr/>
+        </p:nvSpPr>
+        <p:spPr>
+          <a:xfrm>
+            <a:off x="633368" y="1623458"/>
+            <a:ext cx="4468128" cy="6370975"/>
+          </a:xfrm>
+          <a:prstGeom prst="rect">
+            <a:avLst/>
+          </a:prstGeom>
+          <a:noFill/>
+        </p:spPr>
+        <p:txBody>
+          <a:bodyPr wrap="square" rtlCol="0" anchor="t">
+            <a:spAutoFit/>
+          </a:bodyPr>
+          <a:lstStyle/>
+          <a:p>
+            <a:pPr marL="342900" indent="-342900">
+              <a:buFont typeface="Arial" panose="020B0604020202020204" pitchFamily="34" charset="0"/>
+              <a:buChar char="•"/>
+            </a:pPr>
+            <a:r>
+              <a:rPr lang="de-CH" sz="2400" dirty="0">
+                <a:latin typeface="Calibri" panose="020F0502020204030204" pitchFamily="34" charset="0"/>
+              </a:rPr>
+              <a:t>Verspätete Produktion</a:t>
+            </a:r>
+          </a:p>
+          <a:p>
+            <a:pPr marL="342900" indent="-342900">
+              <a:buFont typeface="Arial" panose="020B0604020202020204" pitchFamily="34" charset="0"/>
+              <a:buChar char="•"/>
+            </a:pPr>
+            <a:r>
+              <a:rPr lang="de-CH" sz="2400" dirty="0">
+                <a:latin typeface="Calibri" panose="020F0502020204030204" pitchFamily="34" charset="0"/>
+              </a:rPr>
+              <a:t>Teile 3D gedruckt</a:t>
+            </a:r>
+          </a:p>
+          <a:p>
+            <a:pPr marL="342900" indent="-342900">
+              <a:buFont typeface="Arial" panose="020B0604020202020204" pitchFamily="34" charset="0"/>
+              <a:buChar char="•"/>
+            </a:pPr>
+            <a:r>
+              <a:rPr lang="de-CH" sz="2400" dirty="0">
+                <a:latin typeface="Calibri" panose="020F0502020204030204" pitchFamily="34" charset="0"/>
+              </a:rPr>
+              <a:t>Zusammenbau</a:t>
+            </a:r>
+          </a:p>
+          <a:p>
+            <a:pPr marL="342900" indent="-342900">
+              <a:buFont typeface="Arial" panose="020B0604020202020204" pitchFamily="34" charset="0"/>
+              <a:buChar char="•"/>
+            </a:pPr>
+            <a:r>
+              <a:rPr lang="de-CH" sz="2400" dirty="0">
+                <a:latin typeface="Calibri" panose="020F0502020204030204" pitchFamily="34" charset="0"/>
+              </a:rPr>
+              <a:t>Fehlerbehebung</a:t>
+            </a:r>
+          </a:p>
+          <a:p>
+            <a:pPr marL="342900" indent="-342900">
+              <a:buFont typeface="Arial" panose="020B0604020202020204" pitchFamily="34" charset="0"/>
+              <a:buChar char="•"/>
+            </a:pPr>
+            <a:endParaRPr lang="de-CH" sz="2400" dirty="0">
+              <a:latin typeface="Calibri" panose="020F0502020204030204" pitchFamily="34" charset="0"/>
+            </a:endParaRPr>
+          </a:p>
+          <a:p>
+            <a:pPr marL="342900" indent="-342900">
+              <a:buFont typeface="Arial" panose="020B0604020202020204" pitchFamily="34" charset="0"/>
+              <a:buChar char="•"/>
+            </a:pPr>
+            <a:endParaRPr lang="de-CH" sz="2400" dirty="0">
+              <a:latin typeface="Calibri" panose="020F0502020204030204" pitchFamily="34" charset="0"/>
+            </a:endParaRPr>
+          </a:p>
+          <a:p>
+            <a:pPr marL="342900" indent="-342900">
+              <a:buFont typeface="Arial" panose="020B0604020202020204" pitchFamily="34" charset="0"/>
+              <a:buChar char="•"/>
+            </a:pPr>
+            <a:r>
+              <a:rPr lang="de-CH" sz="2400" dirty="0">
+                <a:latin typeface="Calibri" panose="020F0502020204030204" pitchFamily="34" charset="0"/>
+              </a:rPr>
+              <a:t>Gelöste Probleme:</a:t>
+            </a:r>
+          </a:p>
+          <a:p>
+            <a:pPr marL="800100" lvl="1" indent="-342900">
+              <a:buFont typeface="Courier New" panose="02070309020205020404" pitchFamily="49" charset="0"/>
+              <a:buChar char="o"/>
+            </a:pPr>
+            <a:r>
+              <a:rPr lang="de-CH" sz="2400" dirty="0">
+                <a:latin typeface="Calibri" panose="020F0502020204030204" pitchFamily="34" charset="0"/>
+              </a:rPr>
+              <a:t>Motorenhalterungen</a:t>
+            </a:r>
+          </a:p>
+          <a:p>
+            <a:pPr marL="800100" lvl="1" indent="-342900">
+              <a:buFont typeface="Courier New" panose="02070309020205020404" pitchFamily="49" charset="0"/>
+              <a:buChar char="o"/>
+            </a:pPr>
+            <a:r>
+              <a:rPr lang="de-CH" sz="2400" dirty="0">
+                <a:latin typeface="Calibri" panose="020F0502020204030204" pitchFamily="34" charset="0"/>
+              </a:rPr>
+              <a:t>Achsen &amp; -Lager</a:t>
+            </a:r>
+          </a:p>
+          <a:p>
+            <a:pPr marL="342900" indent="-342900">
+              <a:buFont typeface="Arial" panose="020B0604020202020204" pitchFamily="34" charset="0"/>
+              <a:buChar char="•"/>
+            </a:pPr>
+            <a:endParaRPr lang="de-CH" sz="2400" dirty="0">
+              <a:latin typeface="Calibri" panose="020F0502020204030204" pitchFamily="34" charset="0"/>
+            </a:endParaRPr>
+          </a:p>
+          <a:p>
+            <a:pPr marL="342900" indent="-342900">
+              <a:buFont typeface="Arial" panose="020B0604020202020204" pitchFamily="34" charset="0"/>
+              <a:buChar char="•"/>
+            </a:pPr>
+            <a:r>
+              <a:rPr lang="de-CH" sz="2400" dirty="0">
+                <a:latin typeface="Calibri" panose="020F0502020204030204" pitchFamily="34" charset="0"/>
+              </a:rPr>
+              <a:t>Ungelöste Probleme:</a:t>
+            </a:r>
+          </a:p>
+          <a:p>
+            <a:pPr marL="800100" lvl="1" indent="-342900">
+              <a:buFont typeface="Courier New" panose="02070309020205020404" pitchFamily="49" charset="0"/>
+              <a:buChar char="o"/>
+            </a:pPr>
+            <a:r>
+              <a:rPr lang="de-CH" sz="2400" dirty="0">
+                <a:latin typeface="Calibri" panose="020F0502020204030204" pitchFamily="34" charset="0"/>
+              </a:rPr>
+              <a:t>Teile fehlen</a:t>
+            </a:r>
+          </a:p>
+          <a:p>
+            <a:pPr marL="800100" lvl="1" indent="-342900">
+              <a:buFont typeface="Courier New" panose="02070309020205020404" pitchFamily="49" charset="0"/>
+              <a:buChar char="o"/>
+            </a:pPr>
+            <a:r>
+              <a:rPr lang="de-CH" sz="2400" dirty="0" err="1">
+                <a:latin typeface="Calibri" panose="020F0502020204030204" pitchFamily="34" charset="0"/>
+              </a:rPr>
+              <a:t>Abmasse</a:t>
+            </a:r>
+            <a:endParaRPr lang="de-CH" sz="2400" dirty="0">
+              <a:latin typeface="Calibri" panose="020F0502020204030204" pitchFamily="34" charset="0"/>
+            </a:endParaRPr>
+          </a:p>
+          <a:p>
+            <a:pPr marL="342900" indent="-342900">
+              <a:buFont typeface="Arial" panose="020B0604020202020204" pitchFamily="34" charset="0"/>
+              <a:buChar char="•"/>
+            </a:pPr>
+            <a:endParaRPr lang="de-CH" sz="2400" dirty="0">
+              <a:latin typeface="Calibri" panose="020F0502020204030204" pitchFamily="34" charset="0"/>
+            </a:endParaRPr>
+          </a:p>
+          <a:p>
+            <a:endParaRPr lang="de-CH" sz="2400" dirty="0">
+              <a:latin typeface="Calibri" panose="020F0502020204030204" pitchFamily="34" charset="0"/>
+            </a:endParaRPr>
+          </a:p>
+          <a:p>
+            <a:pPr lvl="1"/>
+            <a:endParaRPr lang="de-CH" sz="2400" dirty="0">
+              <a:latin typeface="Calibri" panose="020F0502020204030204" pitchFamily="34" charset="0"/>
+            </a:endParaRPr>
+          </a:p>
+          <a:p>
+            <a:pPr lvl="1"/>
+            <a:endParaRPr lang="de-CH" sz="2400" dirty="0">
+              <a:latin typeface="Calibri" panose="020F0502020204030204" pitchFamily="34" charset="0"/>
+            </a:endParaRPr>
+          </a:p>
+        </p:txBody>
+      </p:sp>
+      <p:cxnSp>
+        <p:nvCxnSpPr>
+          <p:cNvPr id="5" name="Gerade Verbindung 4"/>
+          <p:cNvCxnSpPr/>
+          <p:nvPr/>
+        </p:nvCxnSpPr>
+        <p:spPr>
+          <a:xfrm>
+            <a:off x="0" y="6525344"/>
+            <a:ext cx="9144000" cy="0"/>
+          </a:xfrm>
+          <a:prstGeom prst="line">
+            <a:avLst/>
+          </a:prstGeom>
+          <a:ln>
+            <a:solidFill>
+              <a:schemeClr val="tx1"/>
+            </a:solidFill>
+          </a:ln>
+        </p:spPr>
+        <p:style>
+          <a:lnRef idx="1">
+            <a:schemeClr val="accent1"/>
+          </a:lnRef>
+          <a:fillRef idx="0">
+            <a:schemeClr val="accent1"/>
+          </a:fillRef>
+          <a:effectRef idx="0">
+            <a:schemeClr val="accent1"/>
+          </a:effectRef>
+          <a:fontRef idx="minor">
+            <a:schemeClr val="tx1"/>
+          </a:fontRef>
+        </p:style>
+      </p:cxnSp>
+      <p:sp>
+        <p:nvSpPr>
+          <p:cNvPr id="6" name="Textfeld 5"/>
+          <p:cNvSpPr txBox="1"/>
+          <p:nvPr/>
+        </p:nvSpPr>
+        <p:spPr>
+          <a:xfrm>
+            <a:off x="287830" y="6542726"/>
+            <a:ext cx="1208792" cy="276999"/>
+          </a:xfrm>
+          <a:prstGeom prst="rect">
+            <a:avLst/>
+          </a:prstGeom>
+          <a:noFill/>
+        </p:spPr>
+        <p:txBody>
+          <a:bodyPr wrap="none" rtlCol="0">
+            <a:spAutoFit/>
+          </a:bodyPr>
+          <a:lstStyle/>
+          <a:p>
+            <a:r>
+              <a:rPr lang="de-CH" sz="1200" dirty="0">
+                <a:latin typeface="Calibri" panose="020F0502020204030204" pitchFamily="34" charset="0"/>
+              </a:rPr>
+              <a:t>Meilenstein_M3</a:t>
+            </a:r>
+          </a:p>
+        </p:txBody>
+      </p:sp>
+      <p:sp>
+        <p:nvSpPr>
+          <p:cNvPr id="7" name="Textfeld 6"/>
+          <p:cNvSpPr txBox="1"/>
+          <p:nvPr/>
+        </p:nvSpPr>
+        <p:spPr>
+          <a:xfrm>
+            <a:off x="7919501" y="6542725"/>
+            <a:ext cx="962123" cy="276999"/>
+          </a:xfrm>
+          <a:prstGeom prst="rect">
+            <a:avLst/>
+          </a:prstGeom>
+          <a:noFill/>
+        </p:spPr>
+        <p:txBody>
+          <a:bodyPr wrap="none" rtlCol="0">
+            <a:spAutoFit/>
+          </a:bodyPr>
+          <a:lstStyle/>
+          <a:p>
+            <a:pPr algn="r"/>
+            <a:r>
+              <a:rPr lang="de-CH" sz="1200" dirty="0">
+                <a:latin typeface="Calibri" panose="020F0502020204030204" pitchFamily="34" charset="0"/>
+              </a:rPr>
+              <a:t>8. Mai 2018</a:t>
+            </a:r>
+          </a:p>
+        </p:txBody>
+      </p:sp>
+      <p:sp>
+        <p:nvSpPr>
+          <p:cNvPr id="8" name="Textfeld 7"/>
+          <p:cNvSpPr txBox="1"/>
+          <p:nvPr/>
+        </p:nvSpPr>
+        <p:spPr>
+          <a:xfrm>
+            <a:off x="3627204" y="6542724"/>
+            <a:ext cx="1800200" cy="276999"/>
+          </a:xfrm>
+          <a:prstGeom prst="rect">
+            <a:avLst/>
+          </a:prstGeom>
+          <a:noFill/>
+        </p:spPr>
+        <p:txBody>
+          <a:bodyPr wrap="square" rtlCol="0">
+            <a:spAutoFit/>
+          </a:bodyPr>
+          <a:lstStyle/>
+          <a:p>
+            <a:pPr algn="ctr"/>
+            <a:r>
+              <a:rPr lang="de-CH" sz="1200" dirty="0">
+                <a:latin typeface="Calibri" panose="020F0502020204030204" pitchFamily="34" charset="0"/>
+              </a:rPr>
+              <a:t>Seite 3/9</a:t>
+            </a:r>
+          </a:p>
+        </p:txBody>
+      </p:sp>
+      <p:cxnSp>
+        <p:nvCxnSpPr>
+          <p:cNvPr id="9" name="Gerade Verbindung 4"/>
+          <p:cNvCxnSpPr/>
+          <p:nvPr/>
+        </p:nvCxnSpPr>
+        <p:spPr>
+          <a:xfrm>
+            <a:off x="-5050" y="421597"/>
+            <a:ext cx="9144000" cy="0"/>
+          </a:xfrm>
+          <a:prstGeom prst="line">
+            <a:avLst/>
+          </a:prstGeom>
+          <a:ln>
+            <a:solidFill>
+              <a:schemeClr val="tx1"/>
+            </a:solidFill>
+          </a:ln>
+        </p:spPr>
+        <p:style>
+          <a:lnRef idx="1">
+            <a:schemeClr val="accent1"/>
+          </a:lnRef>
+          <a:fillRef idx="0">
+            <a:schemeClr val="accent1"/>
+          </a:fillRef>
+          <a:effectRef idx="0">
+            <a:schemeClr val="accent1"/>
+          </a:effectRef>
+          <a:fontRef idx="minor">
+            <a:schemeClr val="tx1"/>
+          </a:fontRef>
+        </p:style>
+      </p:cxnSp>
+      <p:sp>
+        <p:nvSpPr>
+          <p:cNvPr id="10" name="Textfeld 9"/>
+          <p:cNvSpPr txBox="1"/>
+          <p:nvPr/>
+        </p:nvSpPr>
+        <p:spPr>
+          <a:xfrm>
+            <a:off x="7615828" y="144598"/>
+            <a:ext cx="1265796" cy="276999"/>
+          </a:xfrm>
+          <a:prstGeom prst="rect">
+            <a:avLst/>
+          </a:prstGeom>
+          <a:noFill/>
+        </p:spPr>
+        <p:txBody>
+          <a:bodyPr wrap="none" rtlCol="0">
+            <a:spAutoFit/>
+          </a:bodyPr>
+          <a:lstStyle/>
+          <a:p>
+            <a:pPr algn="r"/>
+            <a:r>
+              <a:rPr lang="de-CH" sz="1200" dirty="0">
+                <a:latin typeface="Calibri" panose="020F0502020204030204" pitchFamily="34" charset="0"/>
+              </a:rPr>
+              <a:t>SysP18_Team_10</a:t>
+            </a:r>
+          </a:p>
+        </p:txBody>
+      </p:sp>
+      <p:sp>
+        <p:nvSpPr>
+          <p:cNvPr id="14" name="Textfeld 13"/>
+          <p:cNvSpPr txBox="1"/>
+          <p:nvPr/>
+        </p:nvSpPr>
+        <p:spPr>
+          <a:xfrm>
+            <a:off x="313904" y="1124744"/>
+            <a:ext cx="4402111" cy="523220"/>
+          </a:xfrm>
+          <a:prstGeom prst="rect">
+            <a:avLst/>
+          </a:prstGeom>
+          <a:noFill/>
+        </p:spPr>
+        <p:txBody>
+          <a:bodyPr wrap="square" rtlCol="0">
+            <a:spAutoFit/>
+          </a:bodyPr>
+          <a:lstStyle/>
+          <a:p>
+            <a:r>
+              <a:rPr lang="de-CH" sz="2800" b="1" dirty="0">
+                <a:latin typeface="+mj-lt"/>
+              </a:rPr>
+              <a:t>Mechanik</a:t>
+            </a:r>
+          </a:p>
+        </p:txBody>
+      </p:sp>
+    </p:spTree>
+    <p:extLst>
+      <p:ext uri="{BB962C8B-B14F-4D97-AF65-F5344CB8AC3E}">
+        <p14:creationId xmlns:p14="http://schemas.microsoft.com/office/powerpoint/2010/main" val="993822877"/>
+      </p:ext>
+    </p:extLst>
+  </p:cSld>
+  <p:clrMapOvr>
+    <a:masterClrMapping/>
+  </p:clrMapOvr>
+  <p:timing>
+    <p:tnLst>
+      <p:par>
+        <p:cTn id="1" dur="indefinite" restart="never" nodeType="tmRoot">
+          <p:childTnLst>
+            <p:seq concurrent="1" nextAc="seek">
+              <p:cTn id="2" dur="indefinite" nodeType="mainSeq">
+                <p:childTnLst>
+                  <p:par>
+                    <p:cTn id="3" fill="hold">
+                      <p:stCondLst>
+                        <p:cond delay="indefinite"/>
+                        <p:cond evt="onBegin" delay="0">
+                          <p:tn val="2"/>
+                        </p:cond>
+                      </p:stCondLst>
+                      <p:childTnLst>
+                        <p:par>
+                          <p:cTn id="4" fill="hold">
+                            <p:stCondLst>
+                              <p:cond delay="0"/>
+                            </p:stCondLst>
+                            <p:childTnLst>
+                              <p:par>
+                                <p:cTn id="5" presetID="1" presetClass="entr" presetSubtype="0" fill="hold" grpId="0" nodeType="withEffect">
+                                  <p:stCondLst>
+                                    <p:cond delay="500"/>
+                                  </p:stCondLst>
+                                  <p:childTnLst>
+                                    <p:set>
+                                      <p:cBhvr>
+                                        <p:cTn id="6" dur="1" fill="hold">
+                                          <p:stCondLst>
+                                            <p:cond delay="0"/>
+                                          </p:stCondLst>
+                                        </p:cTn>
+                                        <p:tgtEl>
+                                          <p:spTgt spid="11">
+                                            <p:txEl>
+                                              <p:pRg st="0" end="0"/>
+                                            </p:txEl>
+                                          </p:spTgt>
+                                        </p:tgtEl>
+                                        <p:attrNameLst>
+                                          <p:attrName>style.visibility</p:attrName>
+                                        </p:attrNameLst>
+                                      </p:cBhvr>
+                                      <p:to>
+                                        <p:strVal val="visible"/>
+                                      </p:to>
+                                    </p:set>
+                                  </p:childTnLst>
+                                </p:cTn>
+                              </p:par>
+                            </p:childTnLst>
+                          </p:cTn>
+                        </p:par>
+                      </p:childTnLst>
+                    </p:cTn>
+                  </p:par>
+                  <p:par>
+                    <p:cTn id="7" fill="hold">
+                      <p:stCondLst>
+                        <p:cond delay="indefinite"/>
+                      </p:stCondLst>
+                      <p:childTnLst>
+                        <p:par>
+                          <p:cTn id="8" fill="hold">
+                            <p:stCondLst>
+                              <p:cond delay="0"/>
+                            </p:stCondLst>
+                            <p:childTnLst>
+                              <p:par>
+                                <p:cTn id="9" presetID="1" presetClass="entr" presetSubtype="0" fill="hold" grpId="0" nodeType="clickEffect">
+                                  <p:stCondLst>
+                                    <p:cond delay="500"/>
+                                  </p:stCondLst>
+                                  <p:childTnLst>
+                                    <p:set>
+                                      <p:cBhvr>
+                                        <p:cTn id="10" dur="1" fill="hold">
+                                          <p:stCondLst>
+                                            <p:cond delay="0"/>
+                                          </p:stCondLst>
+                                        </p:cTn>
+                                        <p:tgtEl>
+                                          <p:spTgt spid="11">
+                                            <p:txEl>
+                                              <p:pRg st="1" end="1"/>
+                                            </p:txEl>
+                                          </p:spTgt>
+                                        </p:tgtEl>
+                                        <p:attrNameLst>
+                                          <p:attrName>style.visibility</p:attrName>
+                                        </p:attrNameLst>
+                                      </p:cBhvr>
+                                      <p:to>
+                                        <p:strVal val="visible"/>
+                                      </p:to>
+                                    </p:set>
+                                  </p:childTnLst>
+                                </p:cTn>
+                              </p:par>
+                            </p:childTnLst>
+                          </p:cTn>
+                        </p:par>
+                      </p:childTnLst>
+                    </p:cTn>
+                  </p:par>
+                  <p:par>
+                    <p:cTn id="11" fill="hold">
+                      <p:stCondLst>
+                        <p:cond delay="indefinite"/>
+                      </p:stCondLst>
+                      <p:childTnLst>
+                        <p:par>
+                          <p:cTn id="12" fill="hold">
+                            <p:stCondLst>
+                              <p:cond delay="0"/>
+                            </p:stCondLst>
+                            <p:childTnLst>
+                              <p:par>
+                                <p:cTn id="13" presetID="1" presetClass="entr" presetSubtype="0" fill="hold" grpId="0" nodeType="clickEffect">
+                                  <p:stCondLst>
+                                    <p:cond delay="500"/>
+                                  </p:stCondLst>
+                                  <p:childTnLst>
+                                    <p:set>
+                                      <p:cBhvr>
+                                        <p:cTn id="14" dur="1" fill="hold">
+                                          <p:stCondLst>
+                                            <p:cond delay="0"/>
+                                          </p:stCondLst>
+                                        </p:cTn>
+                                        <p:tgtEl>
+                                          <p:spTgt spid="11">
+                                            <p:txEl>
+                                              <p:pRg st="2" end="2"/>
+                                            </p:txEl>
+                                          </p:spTgt>
+                                        </p:tgtEl>
+                                        <p:attrNameLst>
+                                          <p:attrName>style.visibility</p:attrName>
+                                        </p:attrNameLst>
+                                      </p:cBhvr>
+                                      <p:to>
+                                        <p:strVal val="visible"/>
+                                      </p:to>
+                                    </p:set>
+                                  </p:childTnLst>
+                                </p:cTn>
+                              </p:par>
+                            </p:childTnLst>
+                          </p:cTn>
+                        </p:par>
+                      </p:childTnLst>
+                    </p:cTn>
+                  </p:par>
+                  <p:par>
+                    <p:cTn id="15" fill="hold">
+                      <p:stCondLst>
+                        <p:cond delay="indefinite"/>
+                      </p:stCondLst>
+                      <p:childTnLst>
+                        <p:par>
+                          <p:cTn id="16" fill="hold">
+                            <p:stCondLst>
+                              <p:cond delay="0"/>
+                            </p:stCondLst>
+                            <p:childTnLst>
+                              <p:par>
+                                <p:cTn id="17" presetID="1" presetClass="entr" presetSubtype="0" fill="hold" grpId="0" nodeType="clickEffect">
+                                  <p:stCondLst>
+                                    <p:cond delay="500"/>
+                                  </p:stCondLst>
+                                  <p:childTnLst>
+                                    <p:set>
+                                      <p:cBhvr>
+                                        <p:cTn id="18" dur="1" fill="hold">
+                                          <p:stCondLst>
+                                            <p:cond delay="0"/>
+                                          </p:stCondLst>
+                                        </p:cTn>
+                                        <p:tgtEl>
+                                          <p:spTgt spid="11">
+                                            <p:txEl>
+                                              <p:pRg st="3" end="3"/>
+                                            </p:txEl>
+                                          </p:spTgt>
+                                        </p:tgtEl>
+                                        <p:attrNameLst>
+                                          <p:attrName>style.visibility</p:attrName>
+                                        </p:attrNameLst>
+                                      </p:cBhvr>
+                                      <p:to>
+                                        <p:strVal val="visible"/>
+                                      </p:to>
+                                    </p:set>
+                                  </p:childTnLst>
+                                </p:cTn>
+                              </p:par>
+                            </p:childTnLst>
+                          </p:cTn>
+                        </p:par>
+                      </p:childTnLst>
+                    </p:cTn>
+                  </p:par>
+                  <p:par>
+                    <p:cTn id="19" fill="hold">
+                      <p:stCondLst>
+                        <p:cond delay="indefinite"/>
+                      </p:stCondLst>
+                      <p:childTnLst>
+                        <p:par>
+                          <p:cTn id="20" fill="hold">
+                            <p:stCondLst>
+                              <p:cond delay="0"/>
+                            </p:stCondLst>
+                            <p:childTnLst>
+                              <p:par>
+                                <p:cTn id="21" presetID="1" presetClass="entr" presetSubtype="0" fill="hold" grpId="0" nodeType="clickEffect">
+                                  <p:stCondLst>
+                                    <p:cond delay="500"/>
+                                  </p:stCondLst>
+                                  <p:childTnLst>
+                                    <p:set>
+                                      <p:cBhvr>
+                                        <p:cTn id="22" dur="1" fill="hold">
+                                          <p:stCondLst>
+                                            <p:cond delay="0"/>
+                                          </p:stCondLst>
+                                        </p:cTn>
+                                        <p:tgtEl>
+                                          <p:spTgt spid="11">
+                                            <p:txEl>
+                                              <p:pRg st="6" end="6"/>
+                                            </p:txEl>
+                                          </p:spTgt>
+                                        </p:tgtEl>
+                                        <p:attrNameLst>
+                                          <p:attrName>style.visibility</p:attrName>
+                                        </p:attrNameLst>
+                                      </p:cBhvr>
+                                      <p:to>
+                                        <p:strVal val="visible"/>
+                                      </p:to>
+                                    </p:set>
+                                  </p:childTnLst>
+                                </p:cTn>
+                              </p:par>
+                              <p:par>
+                                <p:cTn id="23" presetID="1" presetClass="entr" presetSubtype="0" fill="hold" grpId="0" nodeType="withEffect">
+                                  <p:stCondLst>
+                                    <p:cond delay="500"/>
+                                  </p:stCondLst>
+                                  <p:childTnLst>
+                                    <p:set>
+                                      <p:cBhvr>
+                                        <p:cTn id="24" dur="1" fill="hold">
+                                          <p:stCondLst>
+                                            <p:cond delay="0"/>
+                                          </p:stCondLst>
+                                        </p:cTn>
+                                        <p:tgtEl>
+                                          <p:spTgt spid="11">
+                                            <p:txEl>
+                                              <p:pRg st="7" end="7"/>
+                                            </p:txEl>
+                                          </p:spTgt>
+                                        </p:tgtEl>
+                                        <p:attrNameLst>
+                                          <p:attrName>style.visibility</p:attrName>
+                                        </p:attrNameLst>
+                                      </p:cBhvr>
+                                      <p:to>
+                                        <p:strVal val="visible"/>
+                                      </p:to>
+                                    </p:set>
+                                  </p:childTnLst>
+                                </p:cTn>
+                              </p:par>
+                            </p:childTnLst>
+                          </p:cTn>
+                        </p:par>
+                      </p:childTnLst>
+                    </p:cTn>
+                  </p:par>
+                  <p:par>
+                    <p:cTn id="25" fill="hold">
+                      <p:stCondLst>
+                        <p:cond delay="indefinite"/>
+                      </p:stCondLst>
+                      <p:childTnLst>
+                        <p:par>
+                          <p:cTn id="26" fill="hold">
+                            <p:stCondLst>
+                              <p:cond delay="0"/>
+                            </p:stCondLst>
+                            <p:childTnLst>
+                              <p:par>
+                                <p:cTn id="27" presetID="1" presetClass="entr" presetSubtype="0" fill="hold" grpId="0" nodeType="clickEffect">
+                                  <p:stCondLst>
+                                    <p:cond delay="500"/>
+                                  </p:stCondLst>
+                                  <p:childTnLst>
+                                    <p:set>
+                                      <p:cBhvr>
+                                        <p:cTn id="28" dur="1" fill="hold">
+                                          <p:stCondLst>
+                                            <p:cond delay="0"/>
+                                          </p:stCondLst>
+                                        </p:cTn>
+                                        <p:tgtEl>
+                                          <p:spTgt spid="11">
+                                            <p:txEl>
+                                              <p:pRg st="8" end="8"/>
+                                            </p:txEl>
+                                          </p:spTgt>
+                                        </p:tgtEl>
+                                        <p:attrNameLst>
+                                          <p:attrName>style.visibility</p:attrName>
+                                        </p:attrNameLst>
+                                      </p:cBhvr>
+                                      <p:to>
+                                        <p:strVal val="visible"/>
+                                      </p:to>
+                                    </p:set>
+                                  </p:childTnLst>
+                                </p:cTn>
+                              </p:par>
+                            </p:childTnLst>
+                          </p:cTn>
+                        </p:par>
+                      </p:childTnLst>
+                    </p:cTn>
+                  </p:par>
+                  <p:par>
+                    <p:cTn id="29" fill="hold">
+                      <p:stCondLst>
+                        <p:cond delay="indefinite"/>
+                      </p:stCondLst>
+                      <p:childTnLst>
+                        <p:par>
+                          <p:cTn id="30" fill="hold">
+                            <p:stCondLst>
+                              <p:cond delay="0"/>
+                            </p:stCondLst>
+                            <p:childTnLst>
+                              <p:par>
+                                <p:cTn id="31" presetID="1" presetClass="entr" presetSubtype="0" fill="hold" grpId="0" nodeType="clickEffect">
+                                  <p:stCondLst>
+                                    <p:cond delay="500"/>
+                                  </p:stCondLst>
+                                  <p:childTnLst>
+                                    <p:set>
+                                      <p:cBhvr>
+                                        <p:cTn id="32" dur="1" fill="hold">
+                                          <p:stCondLst>
+                                            <p:cond delay="0"/>
+                                          </p:stCondLst>
+                                        </p:cTn>
+                                        <p:tgtEl>
+                                          <p:spTgt spid="11">
+                                            <p:txEl>
+                                              <p:pRg st="10" end="10"/>
+                                            </p:txEl>
+                                          </p:spTgt>
+                                        </p:tgtEl>
+                                        <p:attrNameLst>
+                                          <p:attrName>style.visibility</p:attrName>
+                                        </p:attrNameLst>
+                                      </p:cBhvr>
+                                      <p:to>
+                                        <p:strVal val="visible"/>
+                                      </p:to>
+                                    </p:set>
+                                  </p:childTnLst>
+                                </p:cTn>
+                              </p:par>
+                              <p:par>
+                                <p:cTn id="33" presetID="1" presetClass="entr" presetSubtype="0" fill="hold" grpId="0" nodeType="withEffect">
+                                  <p:stCondLst>
+                                    <p:cond delay="500"/>
+                                  </p:stCondLst>
+                                  <p:childTnLst>
+                                    <p:set>
+                                      <p:cBhvr>
+                                        <p:cTn id="34" dur="1" fill="hold">
+                                          <p:stCondLst>
+                                            <p:cond delay="0"/>
+                                          </p:stCondLst>
+                                        </p:cTn>
+                                        <p:tgtEl>
+                                          <p:spTgt spid="11">
+                                            <p:txEl>
+                                              <p:pRg st="11" end="11"/>
+                                            </p:txEl>
+                                          </p:spTgt>
+                                        </p:tgtEl>
+                                        <p:attrNameLst>
+                                          <p:attrName>style.visibility</p:attrName>
+                                        </p:attrNameLst>
+                                      </p:cBhvr>
+                                      <p:to>
+                                        <p:strVal val="visible"/>
+                                      </p:to>
+                                    </p:set>
+                                  </p:childTnLst>
+                                </p:cTn>
+                              </p:par>
+                            </p:childTnLst>
+                          </p:cTn>
+                        </p:par>
+                      </p:childTnLst>
+                    </p:cTn>
+                  </p:par>
+                  <p:par>
+                    <p:cTn id="35" fill="hold">
+                      <p:stCondLst>
+                        <p:cond delay="indefinite"/>
+                      </p:stCondLst>
+                      <p:childTnLst>
+                        <p:par>
+                          <p:cTn id="36" fill="hold">
+                            <p:stCondLst>
+                              <p:cond delay="0"/>
+                            </p:stCondLst>
+                            <p:childTnLst>
+                              <p:par>
+                                <p:cTn id="37" presetID="1" presetClass="entr" presetSubtype="0" fill="hold" grpId="0" nodeType="clickEffect">
+                                  <p:stCondLst>
+                                    <p:cond delay="500"/>
+                                  </p:stCondLst>
+                                  <p:childTnLst>
+                                    <p:set>
+                                      <p:cBhvr>
+                                        <p:cTn id="38" dur="1" fill="hold">
+                                          <p:stCondLst>
+                                            <p:cond delay="0"/>
+                                          </p:stCondLst>
+                                        </p:cTn>
+                                        <p:tgtEl>
+                                          <p:spTgt spid="11">
+                                            <p:txEl>
+                                              <p:pRg st="12" end="12"/>
+                                            </p:txEl>
+                                          </p:spTgt>
+                                        </p:tgtEl>
+                                        <p:attrNameLst>
+                                          <p:attrName>style.visibility</p:attrName>
+                                        </p:attrNameLst>
+                                      </p:cBhvr>
+                                      <p:to>
+                                        <p:strVal val="visible"/>
+                                      </p:to>
+                                    </p:set>
+                                  </p:childTnLst>
+                                </p:cTn>
+                              </p:par>
+                            </p:childTnLst>
+                          </p:cTn>
+                        </p:par>
+                      </p:childTnLst>
+                    </p:cTn>
+                  </p:par>
+                  <p:par>
+                    <p:cTn id="39" fill="hold">
+                      <p:stCondLst>
+                        <p:cond delay="indefinite"/>
+                      </p:stCondLst>
+                      <p:childTnLst>
+                        <p:par>
+                          <p:cTn id="40" fill="hold">
+                            <p:stCondLst>
+                              <p:cond delay="0"/>
+                            </p:stCondLst>
+                            <p:childTnLst>
+                              <p:par>
+                                <p:cTn id="41" presetID="1" presetClass="entr" presetSubtype="0" fill="hold" grpId="1" nodeType="clickEffect">
+                                  <p:stCondLst>
+                                    <p:cond delay="0"/>
+                                  </p:stCondLst>
+                                  <p:childTnLst>
+                                    <p:set>
+                                      <p:cBhvr>
+                                        <p:cTn id="42" dur="1" fill="hold">
+                                          <p:stCondLst>
+                                            <p:cond delay="0"/>
+                                          </p:stCondLst>
+                                        </p:cTn>
+                                        <p:tgtEl>
+                                          <p:spTgt spid="11">
+                                            <p:txEl>
+                                              <p:pRg st="0" end="0"/>
+                                            </p:txEl>
+                                          </p:spTgt>
+                                        </p:tgtEl>
+                                        <p:attrNameLst>
+                                          <p:attrName>style.visibility</p:attrName>
+                                        </p:attrNameLst>
+                                      </p:cBhvr>
+                                      <p:to>
+                                        <p:strVal val="visible"/>
+                                      </p:to>
+                                    </p:set>
+                                  </p:childTnLst>
+                                </p:cTn>
+                              </p:par>
+                              <p:par>
+                                <p:cTn id="43" presetID="1" presetClass="entr" presetSubtype="0" fill="hold" grpId="1" nodeType="withEffect">
+                                  <p:stCondLst>
+                                    <p:cond delay="0"/>
+                                  </p:stCondLst>
+                                  <p:childTnLst>
+                                    <p:set>
+                                      <p:cBhvr>
+                                        <p:cTn id="44" dur="1" fill="hold">
+                                          <p:stCondLst>
+                                            <p:cond delay="0"/>
+                                          </p:stCondLst>
+                                        </p:cTn>
+                                        <p:tgtEl>
+                                          <p:spTgt spid="11">
+                                            <p:txEl>
+                                              <p:pRg st="1" end="1"/>
+                                            </p:txEl>
+                                          </p:spTgt>
+                                        </p:tgtEl>
+                                        <p:attrNameLst>
+                                          <p:attrName>style.visibility</p:attrName>
+                                        </p:attrNameLst>
+                                      </p:cBhvr>
+                                      <p:to>
+                                        <p:strVal val="visible"/>
+                                      </p:to>
+                                    </p:set>
+                                  </p:childTnLst>
+                                </p:cTn>
+                              </p:par>
+                              <p:par>
+                                <p:cTn id="45" presetID="1" presetClass="entr" presetSubtype="0" fill="hold" grpId="1" nodeType="withEffect">
+                                  <p:stCondLst>
+                                    <p:cond delay="0"/>
+                                  </p:stCondLst>
+                                  <p:childTnLst>
+                                    <p:set>
+                                      <p:cBhvr>
+                                        <p:cTn id="46" dur="1" fill="hold">
+                                          <p:stCondLst>
+                                            <p:cond delay="0"/>
+                                          </p:stCondLst>
+                                        </p:cTn>
+                                        <p:tgtEl>
+                                          <p:spTgt spid="11">
+                                            <p:txEl>
+                                              <p:pRg st="2" end="2"/>
+                                            </p:txEl>
+                                          </p:spTgt>
+                                        </p:tgtEl>
+                                        <p:attrNameLst>
+                                          <p:attrName>style.visibility</p:attrName>
+                                        </p:attrNameLst>
+                                      </p:cBhvr>
+                                      <p:to>
+                                        <p:strVal val="visible"/>
+                                      </p:to>
+                                    </p:set>
+                                  </p:childTnLst>
+                                </p:cTn>
+                              </p:par>
+                              <p:par>
+                                <p:cTn id="47" presetID="1" presetClass="entr" presetSubtype="0" fill="hold" grpId="1" nodeType="withEffect">
+                                  <p:stCondLst>
+                                    <p:cond delay="0"/>
+                                  </p:stCondLst>
+                                  <p:childTnLst>
+                                    <p:set>
+                                      <p:cBhvr>
+                                        <p:cTn id="48" dur="1" fill="hold">
+                                          <p:stCondLst>
+                                            <p:cond delay="0"/>
+                                          </p:stCondLst>
+                                        </p:cTn>
+                                        <p:tgtEl>
+                                          <p:spTgt spid="11">
+                                            <p:txEl>
+                                              <p:pRg st="3" end="3"/>
+                                            </p:txEl>
+                                          </p:spTgt>
+                                        </p:tgtEl>
+                                        <p:attrNameLst>
+                                          <p:attrName>style.visibility</p:attrName>
+                                        </p:attrNameLst>
+                                      </p:cBhvr>
+                                      <p:to>
+                                        <p:strVal val="visible"/>
+                                      </p:to>
+                                    </p:set>
+                                  </p:childTnLst>
+                                </p:cTn>
+                              </p:par>
+                              <p:par>
+                                <p:cTn id="49" presetID="1" presetClass="entr" presetSubtype="0" fill="hold" grpId="1" nodeType="withEffect">
+                                  <p:stCondLst>
+                                    <p:cond delay="0"/>
+                                  </p:stCondLst>
+                                  <p:childTnLst>
+                                    <p:set>
+                                      <p:cBhvr>
+                                        <p:cTn id="50" dur="1" fill="hold">
+                                          <p:stCondLst>
+                                            <p:cond delay="0"/>
+                                          </p:stCondLst>
+                                        </p:cTn>
+                                        <p:tgtEl>
+                                          <p:spTgt spid="11">
+                                            <p:txEl>
+                                              <p:pRg st="6" end="6"/>
+                                            </p:txEl>
+                                          </p:spTgt>
+                                        </p:tgtEl>
+                                        <p:attrNameLst>
+                                          <p:attrName>style.visibility</p:attrName>
+                                        </p:attrNameLst>
+                                      </p:cBhvr>
+                                      <p:to>
+                                        <p:strVal val="visible"/>
+                                      </p:to>
+                                    </p:set>
+                                  </p:childTnLst>
+                                </p:cTn>
+                              </p:par>
+                              <p:par>
+                                <p:cTn id="51" presetID="1" presetClass="entr" presetSubtype="0" fill="hold" grpId="1" nodeType="withEffect">
+                                  <p:stCondLst>
+                                    <p:cond delay="0"/>
+                                  </p:stCondLst>
+                                  <p:childTnLst>
+                                    <p:set>
+                                      <p:cBhvr>
+                                        <p:cTn id="52" dur="1" fill="hold">
+                                          <p:stCondLst>
+                                            <p:cond delay="0"/>
+                                          </p:stCondLst>
+                                        </p:cTn>
+                                        <p:tgtEl>
+                                          <p:spTgt spid="11">
+                                            <p:txEl>
+                                              <p:pRg st="7" end="7"/>
+                                            </p:txEl>
+                                          </p:spTgt>
+                                        </p:tgtEl>
+                                        <p:attrNameLst>
+                                          <p:attrName>style.visibility</p:attrName>
+                                        </p:attrNameLst>
+                                      </p:cBhvr>
+                                      <p:to>
+                                        <p:strVal val="visible"/>
+                                      </p:to>
+                                    </p:set>
+                                  </p:childTnLst>
+                                </p:cTn>
+                              </p:par>
+                              <p:par>
+                                <p:cTn id="53" presetID="1" presetClass="entr" presetSubtype="0" fill="hold" grpId="1" nodeType="withEffect">
+                                  <p:stCondLst>
+                                    <p:cond delay="0"/>
+                                  </p:stCondLst>
+                                  <p:childTnLst>
+                                    <p:set>
+                                      <p:cBhvr>
+                                        <p:cTn id="54" dur="1" fill="hold">
+                                          <p:stCondLst>
+                                            <p:cond delay="0"/>
+                                          </p:stCondLst>
+                                        </p:cTn>
+                                        <p:tgtEl>
+                                          <p:spTgt spid="11">
+                                            <p:txEl>
+                                              <p:pRg st="8" end="8"/>
+                                            </p:txEl>
+                                          </p:spTgt>
+                                        </p:tgtEl>
+                                        <p:attrNameLst>
+                                          <p:attrName>style.visibility</p:attrName>
+                                        </p:attrNameLst>
+                                      </p:cBhvr>
+                                      <p:to>
+                                        <p:strVal val="visible"/>
+                                      </p:to>
+                                    </p:set>
+                                  </p:childTnLst>
+                                </p:cTn>
+                              </p:par>
+                              <p:par>
+                                <p:cTn id="55" presetID="1" presetClass="entr" presetSubtype="0" fill="hold" grpId="1" nodeType="withEffect">
+                                  <p:stCondLst>
+                                    <p:cond delay="0"/>
+                                  </p:stCondLst>
+                                  <p:childTnLst>
+                                    <p:set>
+                                      <p:cBhvr>
+                                        <p:cTn id="56" dur="1" fill="hold">
+                                          <p:stCondLst>
+                                            <p:cond delay="0"/>
+                                          </p:stCondLst>
+                                        </p:cTn>
+                                        <p:tgtEl>
+                                          <p:spTgt spid="11">
+                                            <p:txEl>
+                                              <p:pRg st="10" end="10"/>
+                                            </p:txEl>
+                                          </p:spTgt>
+                                        </p:tgtEl>
+                                        <p:attrNameLst>
+                                          <p:attrName>style.visibility</p:attrName>
+                                        </p:attrNameLst>
+                                      </p:cBhvr>
+                                      <p:to>
+                                        <p:strVal val="visible"/>
+                                      </p:to>
+                                    </p:set>
+                                  </p:childTnLst>
+                                </p:cTn>
+                              </p:par>
+                              <p:par>
+                                <p:cTn id="57" presetID="1" presetClass="entr" presetSubtype="0" fill="hold" grpId="1" nodeType="withEffect">
+                                  <p:stCondLst>
+                                    <p:cond delay="0"/>
+                                  </p:stCondLst>
+                                  <p:childTnLst>
+                                    <p:set>
+                                      <p:cBhvr>
+                                        <p:cTn id="58" dur="1" fill="hold">
+                                          <p:stCondLst>
+                                            <p:cond delay="0"/>
+                                          </p:stCondLst>
+                                        </p:cTn>
+                                        <p:tgtEl>
+                                          <p:spTgt spid="11">
+                                            <p:txEl>
+                                              <p:pRg st="11" end="11"/>
+                                            </p:txEl>
+                                          </p:spTgt>
+                                        </p:tgtEl>
+                                        <p:attrNameLst>
+                                          <p:attrName>style.visibility</p:attrName>
+                                        </p:attrNameLst>
+                                      </p:cBhvr>
+                                      <p:to>
+                                        <p:strVal val="visible"/>
+                                      </p:to>
+                                    </p:set>
+                                  </p:childTnLst>
+                                </p:cTn>
+                              </p:par>
+                              <p:par>
+                                <p:cTn id="59" presetID="1" presetClass="entr" presetSubtype="0" fill="hold" grpId="1" nodeType="withEffect">
+                                  <p:stCondLst>
+                                    <p:cond delay="0"/>
+                                  </p:stCondLst>
+                                  <p:childTnLst>
+                                    <p:set>
+                                      <p:cBhvr>
+                                        <p:cTn id="60" dur="1" fill="hold">
+                                          <p:stCondLst>
+                                            <p:cond delay="0"/>
+                                          </p:stCondLst>
+                                        </p:cTn>
+                                        <p:tgtEl>
+                                          <p:spTgt spid="11">
+                                            <p:txEl>
+                                              <p:pRg st="12" end="12"/>
+                                            </p:txEl>
+                                          </p:spTgt>
+                                        </p:tgtEl>
+                                        <p:attrNameLst>
+                                          <p:attrName>style.visibility</p:attrName>
+                                        </p:attrNameLst>
+                                      </p:cBhvr>
+                                      <p:to>
+                                        <p:strVal val="visible"/>
+                                      </p:to>
+                                    </p:set>
+                                  </p:childTnLst>
+                                </p:cTn>
+                              </p:par>
+                            </p:childTnLst>
+                          </p:cTn>
+                        </p:par>
+                      </p:childTnLst>
+                    </p:cTn>
+                  </p:par>
+                </p:childTnLst>
+              </p:cTn>
+              <p:prevCondLst>
+                <p:cond evt="onPrev" delay="0">
+                  <p:tgtEl>
+                    <p:sldTgt/>
+                  </p:tgtEl>
+                </p:cond>
+              </p:prevCondLst>
+              <p:nextCondLst>
+                <p:cond evt="onNext" delay="0">
+                  <p:tgtEl>
+                    <p:sldTgt/>
+                  </p:tgtEl>
+                </p:cond>
+              </p:nextCondLst>
+            </p:seq>
+          </p:childTnLst>
+        </p:cTn>
+      </p:par>
+    </p:tnLst>
+    <p:bldLst>
+      <p:bldP spid="11" grpId="0" uiExpand="1" build="p" bldLvl="5"/>
+      <p:bldP spid="11" grpId="1" build="allAtOnce"/>
+    </p:bldLst>
+  </p:timing>
+</p:sld>
+</file>
+
+<file path=ppt/slides/slide5.xml><?xml version="1.0" encoding="utf-8"?>
+<p:sld xmlns:a="http://schemas.openxmlformats.org/drawingml/2006/main" xmlns:r="http://schemas.openxmlformats.org/officeDocument/2006/relationships" xmlns:p="http://schemas.openxmlformats.org/presentationml/2006/main">
+  <p:cSld>
+    <p:spTree>
+      <p:nvGrpSpPr>
+        <p:cNvPr id="1" name=""/>
+        <p:cNvGrpSpPr/>
+        <p:nvPr/>
+      </p:nvGrpSpPr>
+      <p:grpSpPr>
+        <a:xfrm>
+          <a:off x="0" y="0"/>
+          <a:ext cx="0" cy="0"/>
+          <a:chOff x="0" y="0"/>
+          <a:chExt cx="0" cy="0"/>
+        </a:xfrm>
+      </p:grpSpPr>
+      <p:pic>
+        <p:nvPicPr>
           <p:cNvPr id="13" name="Grafik 12">
             <a:extLst>
               <a:ext uri="{FF2B5EF4-FFF2-40B4-BE49-F238E27FC236}">
@@ -4460,7 +7324,7 @@
         <p:spPr>
           <a:xfrm>
             <a:off x="633368" y="1623458"/>
-            <a:ext cx="4468128" cy="5262979"/>
+            <a:ext cx="4468128" cy="6001643"/>
           </a:xfrm>
           <a:prstGeom prst="rect">
             <a:avLst/>
@@ -4525,6 +7389,15 @@
               <a:buFont typeface="Arial" panose="020B0604020202020204" pitchFamily="34" charset="0"/>
               <a:buChar char="•"/>
             </a:pPr>
+            <a:endParaRPr lang="de-CH" sz="2400" dirty="0">
+              <a:latin typeface="Calibri" panose="020F0502020204030204" pitchFamily="34" charset="0"/>
+            </a:endParaRPr>
+          </a:p>
+          <a:p>
+            <a:pPr marL="342900" indent="-342900">
+              <a:buFont typeface="Arial" panose="020B0604020202020204" pitchFamily="34" charset="0"/>
+              <a:buChar char="•"/>
+            </a:pPr>
             <a:r>
               <a:rPr lang="de-CH" sz="2400" dirty="0">
                 <a:latin typeface="Calibri" panose="020F0502020204030204" pitchFamily="34" charset="0"/>
@@ -4541,7 +7414,7 @@
               <a:rPr lang="de-CH" sz="2400" dirty="0">
                 <a:latin typeface="Calibri" panose="020F0502020204030204" pitchFamily="34" charset="0"/>
               </a:rPr>
-              <a:t>Spannungsregler 3.3 V</a:t>
+              <a:t>Spannungsregler 3.3V</a:t>
             </a:r>
           </a:p>
           <a:p>
@@ -4575,6 +7448,18 @@
                 <a:latin typeface="Calibri" panose="020F0502020204030204" pitchFamily="34" charset="0"/>
               </a:rPr>
               <a:t>Distanzsensoren Werte falsch</a:t>
+            </a:r>
+          </a:p>
+          <a:p>
+            <a:pPr marL="800100" lvl="1" indent="-342900">
+              <a:buFont typeface="Courier New" panose="02070309020205020404" pitchFamily="49" charset="0"/>
+              <a:buChar char="o"/>
+            </a:pPr>
+            <a:r>
+              <a:rPr lang="de-CH" sz="2400" dirty="0">
+                <a:latin typeface="Calibri" panose="020F0502020204030204" pitchFamily="34" charset="0"/>
+              </a:rPr>
+              <a:t>Platzprobleme</a:t>
             </a:r>
           </a:p>
           <a:p>
@@ -4698,7 +7583,7 @@
               <a:rPr lang="de-CH" sz="1200" dirty="0">
                 <a:latin typeface="Calibri" panose="020F0502020204030204" pitchFamily="34" charset="0"/>
               </a:rPr>
-              <a:t>8.  Mai 2018</a:t>
+              <a:t>8. Mai 2018</a:t>
             </a:r>
           </a:p>
         </p:txBody>
@@ -4730,7 +7615,7 @@
               <a:rPr lang="de-CH" sz="1200" dirty="0">
                 <a:latin typeface="Calibri" panose="020F0502020204030204" pitchFamily="34" charset="0"/>
               </a:rPr>
-              <a:t>Seite 3/11</a:t>
+              <a:t>Seite 4/9</a:t>
             </a:r>
           </a:p>
         </p:txBody>
@@ -4861,8 +7746,8 @@
         </p:blipFill>
         <p:spPr>
           <a:xfrm>
-            <a:off x="5101496" y="1623458"/>
-            <a:ext cx="3252418" cy="4336557"/>
+            <a:off x="4788024" y="1623458"/>
+            <a:ext cx="3565890" cy="4754520"/>
           </a:xfrm>
           <a:prstGeom prst="rect">
             <a:avLst/>
@@ -5029,7 +7914,7 @@
                                         <p:tgtEl>
                                           <p:spTgt spid="11">
                                             <p:txEl>
-                                              <p:pRg st="4" end="4"/>
+                                              <p:pRg st="5" end="5"/>
                                             </p:txEl>
                                           </p:spTgt>
                                         </p:tgtEl>
@@ -5044,24 +7929,15 @@
                                   </p:childTnLst>
                                 </p:cTn>
                               </p:par>
-                            </p:childTnLst>
-                          </p:cTn>
-                        </p:par>
-                        <p:par>
-                          <p:cTn id="15" fill="hold">
-                            <p:stCondLst>
-                              <p:cond delay="500"/>
-                            </p:stCondLst>
-                            <p:childTnLst>
                               <p:par>
-                                <p:cTn id="16" presetID="1" presetClass="entr" presetSubtype="0" fill="hold" grpId="0" nodeType="afterEffect">
+                                <p:cTn id="15" presetID="1" presetClass="entr" presetSubtype="0" fill="hold" grpId="0" nodeType="withEffect">
                                   <p:stCondLst>
                                     <p:cond delay="500"/>
                                   </p:stCondLst>
                                   <p:childTnLst>
                                     <p:set>
                                       <p:cBhvr>
-                                        <p:cTn id="17" dur="1" fill="hold">
+                                        <p:cTn id="16" dur="1" fill="hold">
                                           <p:stCondLst>
                                             <p:cond delay="0"/>
                                           </p:stCondLst>
@@ -5069,7 +7945,7 @@
                                         <p:tgtEl>
                                           <p:spTgt spid="11">
                                             <p:txEl>
-                                              <p:pRg st="5" end="5"/>
+                                              <p:pRg st="6" end="6"/>
                                             </p:txEl>
                                           </p:spTgt>
                                         </p:tgtEl>
@@ -5091,66 +7967,26 @@
                     </p:cTn>
                   </p:par>
                   <p:par>
-                    <p:cTn id="18" fill="hold">
+                    <p:cTn id="17" fill="hold">
                       <p:stCondLst>
                         <p:cond delay="indefinite"/>
                       </p:stCondLst>
                       <p:childTnLst>
                         <p:par>
-                          <p:cTn id="19" fill="hold">
+                          <p:cTn id="18" fill="hold">
                             <p:stCondLst>
                               <p:cond delay="0"/>
                             </p:stCondLst>
                             <p:childTnLst>
                               <p:par>
-                                <p:cTn id="20" presetID="1" presetClass="entr" presetSubtype="0" fill="hold" grpId="0" nodeType="clickEffect">
+                                <p:cTn id="19" presetID="1" presetClass="entr" presetSubtype="0" fill="hold" grpId="0" nodeType="clickEffect">
                                   <p:stCondLst>
                                     <p:cond delay="500"/>
                                   </p:stCondLst>
                                   <p:childTnLst>
                                     <p:set>
                                       <p:cBhvr>
-                                        <p:cTn id="21" dur="1" fill="hold">
-                                          <p:stCondLst>
-                                            <p:cond delay="0"/>
-                                          </p:stCondLst>
-                                        </p:cTn>
-                                        <p:tgtEl>
-                                          <p:spTgt spid="11">
-                                            <p:txEl>
-                                              <p:pRg st="7" end="7"/>
-                                            </p:txEl>
-                                          </p:spTgt>
-                                        </p:tgtEl>
-                                        <p:attrNameLst>
-                                          <p:attrName>style.visibility</p:attrName>
-                                        </p:attrNameLst>
-                                      </p:cBhvr>
-                                      <p:to>
-                                        <p:strVal val="visible"/>
-                                      </p:to>
-                                    </p:set>
-                                  </p:childTnLst>
-                                </p:cTn>
-                              </p:par>
-                            </p:childTnLst>
-                          </p:cTn>
-                        </p:par>
-                        <p:par>
-                          <p:cTn id="22" fill="hold">
-                            <p:stCondLst>
-                              <p:cond delay="500"/>
-                            </p:stCondLst>
-                            <p:childTnLst>
-                              <p:par>
-                                <p:cTn id="23" presetID="1" presetClass="entr" presetSubtype="0" fill="hold" grpId="0" nodeType="afterEffect">
-                                  <p:stCondLst>
-                                    <p:cond delay="500"/>
-                                  </p:stCondLst>
-                                  <p:childTnLst>
-                                    <p:set>
-                                      <p:cBhvr>
-                                        <p:cTn id="24" dur="1" fill="hold">
+                                        <p:cTn id="20" dur="1" fill="hold">
                                           <p:stCondLst>
                                             <p:cond delay="0"/>
                                           </p:stCondLst>
@@ -5173,33 +8009,15 @@
                                   </p:childTnLst>
                                 </p:cTn>
                               </p:par>
-                            </p:childTnLst>
-                          </p:cTn>
-                        </p:par>
-                      </p:childTnLst>
-                    </p:cTn>
-                  </p:par>
-                  <p:par>
-                    <p:cTn id="25" fill="hold">
-                      <p:stCondLst>
-                        <p:cond delay="indefinite"/>
-                      </p:stCondLst>
-                      <p:childTnLst>
-                        <p:par>
-                          <p:cTn id="26" fill="hold">
-                            <p:stCondLst>
-                              <p:cond delay="0"/>
-                            </p:stCondLst>
-                            <p:childTnLst>
                               <p:par>
-                                <p:cTn id="27" presetID="1" presetClass="entr" presetSubtype="0" fill="hold" grpId="1" nodeType="clickEffect">
+                                <p:cTn id="21" presetID="1" presetClass="entr" presetSubtype="0" fill="hold" grpId="0" nodeType="withEffect">
                                   <p:stCondLst>
-                                    <p:cond delay="0"/>
+                                    <p:cond delay="500"/>
                                   </p:stCondLst>
                                   <p:childTnLst>
                                     <p:set>
                                       <p:cBhvr>
-                                        <p:cTn id="28" dur="1" fill="hold">
+                                        <p:cTn id="22" dur="1" fill="hold">
                                           <p:stCondLst>
                                             <p:cond delay="0"/>
                                           </p:stCondLst>
@@ -5207,7 +8025,7 @@
                                         <p:tgtEl>
                                           <p:spTgt spid="11">
                                             <p:txEl>
-                                              <p:pRg st="0" end="0"/>
+                                              <p:pRg st="9" end="9"/>
                                             </p:txEl>
                                           </p:spTgt>
                                         </p:tgtEl>
@@ -5222,15 +8040,33 @@
                                   </p:childTnLst>
                                 </p:cTn>
                               </p:par>
+                            </p:childTnLst>
+                          </p:cTn>
+                        </p:par>
+                      </p:childTnLst>
+                    </p:cTn>
+                  </p:par>
+                  <p:par>
+                    <p:cTn id="23" fill="hold">
+                      <p:stCondLst>
+                        <p:cond delay="indefinite"/>
+                      </p:stCondLst>
+                      <p:childTnLst>
+                        <p:par>
+                          <p:cTn id="24" fill="hold">
+                            <p:stCondLst>
+                              <p:cond delay="0"/>
+                            </p:stCondLst>
+                            <p:childTnLst>
                               <p:par>
-                                <p:cTn id="29" presetID="1" presetClass="entr" presetSubtype="0" fill="hold" grpId="1" nodeType="withEffect">
+                                <p:cTn id="25" presetID="1" presetClass="entr" presetSubtype="0" fill="hold" grpId="0" nodeType="clickEffect">
                                   <p:stCondLst>
-                                    <p:cond delay="0"/>
+                                    <p:cond delay="500"/>
                                   </p:stCondLst>
                                   <p:childTnLst>
                                     <p:set>
                                       <p:cBhvr>
-                                        <p:cTn id="30" dur="1" fill="hold">
+                                        <p:cTn id="26" dur="1" fill="hold">
                                           <p:stCondLst>
                                             <p:cond delay="0"/>
                                           </p:stCondLst>
@@ -5238,162 +8074,7 @@
                                         <p:tgtEl>
                                           <p:spTgt spid="11">
                                             <p:txEl>
-                                              <p:pRg st="1" end="1"/>
-                                            </p:txEl>
-                                          </p:spTgt>
-                                        </p:tgtEl>
-                                        <p:attrNameLst>
-                                          <p:attrName>style.visibility</p:attrName>
-                                        </p:attrNameLst>
-                                      </p:cBhvr>
-                                      <p:to>
-                                        <p:strVal val="visible"/>
-                                      </p:to>
-                                    </p:set>
-                                  </p:childTnLst>
-                                </p:cTn>
-                              </p:par>
-                              <p:par>
-                                <p:cTn id="31" presetID="1" presetClass="entr" presetSubtype="0" fill="hold" grpId="1" nodeType="withEffect">
-                                  <p:stCondLst>
-                                    <p:cond delay="0"/>
-                                  </p:stCondLst>
-                                  <p:childTnLst>
-                                    <p:set>
-                                      <p:cBhvr>
-                                        <p:cTn id="32" dur="1" fill="hold">
-                                          <p:stCondLst>
-                                            <p:cond delay="0"/>
-                                          </p:stCondLst>
-                                        </p:cTn>
-                                        <p:tgtEl>
-                                          <p:spTgt spid="11">
-                                            <p:txEl>
-                                              <p:pRg st="2" end="2"/>
-                                            </p:txEl>
-                                          </p:spTgt>
-                                        </p:tgtEl>
-                                        <p:attrNameLst>
-                                          <p:attrName>style.visibility</p:attrName>
-                                        </p:attrNameLst>
-                                      </p:cBhvr>
-                                      <p:to>
-                                        <p:strVal val="visible"/>
-                                      </p:to>
-                                    </p:set>
-                                  </p:childTnLst>
-                                </p:cTn>
-                              </p:par>
-                              <p:par>
-                                <p:cTn id="33" presetID="1" presetClass="entr" presetSubtype="0" fill="hold" grpId="1" nodeType="withEffect">
-                                  <p:stCondLst>
-                                    <p:cond delay="0"/>
-                                  </p:stCondLst>
-                                  <p:childTnLst>
-                                    <p:set>
-                                      <p:cBhvr>
-                                        <p:cTn id="34" dur="1" fill="hold">
-                                          <p:stCondLst>
-                                            <p:cond delay="0"/>
-                                          </p:stCondLst>
-                                        </p:cTn>
-                                        <p:tgtEl>
-                                          <p:spTgt spid="11">
-                                            <p:txEl>
-                                              <p:pRg st="4" end="4"/>
-                                            </p:txEl>
-                                          </p:spTgt>
-                                        </p:tgtEl>
-                                        <p:attrNameLst>
-                                          <p:attrName>style.visibility</p:attrName>
-                                        </p:attrNameLst>
-                                      </p:cBhvr>
-                                      <p:to>
-                                        <p:strVal val="visible"/>
-                                      </p:to>
-                                    </p:set>
-                                  </p:childTnLst>
-                                </p:cTn>
-                              </p:par>
-                              <p:par>
-                                <p:cTn id="35" presetID="1" presetClass="entr" presetSubtype="0" fill="hold" grpId="1" nodeType="withEffect">
-                                  <p:stCondLst>
-                                    <p:cond delay="0"/>
-                                  </p:stCondLst>
-                                  <p:childTnLst>
-                                    <p:set>
-                                      <p:cBhvr>
-                                        <p:cTn id="36" dur="1" fill="hold">
-                                          <p:stCondLst>
-                                            <p:cond delay="0"/>
-                                          </p:stCondLst>
-                                        </p:cTn>
-                                        <p:tgtEl>
-                                          <p:spTgt spid="11">
-                                            <p:txEl>
-                                              <p:pRg st="5" end="5"/>
-                                            </p:txEl>
-                                          </p:spTgt>
-                                        </p:tgtEl>
-                                        <p:attrNameLst>
-                                          <p:attrName>style.visibility</p:attrName>
-                                        </p:attrNameLst>
-                                      </p:cBhvr>
-                                      <p:to>
-                                        <p:strVal val="visible"/>
-                                      </p:to>
-                                    </p:set>
-                                  </p:childTnLst>
-                                </p:cTn>
-                              </p:par>
-                              <p:par>
-                                <p:cTn id="37" presetID="1" presetClass="entr" presetSubtype="0" fill="hold" grpId="1" nodeType="withEffect">
-                                  <p:stCondLst>
-                                    <p:cond delay="0"/>
-                                  </p:stCondLst>
-                                  <p:childTnLst>
-                                    <p:set>
-                                      <p:cBhvr>
-                                        <p:cTn id="38" dur="1" fill="hold">
-                                          <p:stCondLst>
-                                            <p:cond delay="0"/>
-                                          </p:stCondLst>
-                                        </p:cTn>
-                                        <p:tgtEl>
-                                          <p:spTgt spid="11">
-                                            <p:txEl>
-                                              <p:pRg st="7" end="7"/>
-                                            </p:txEl>
-                                          </p:spTgt>
-                                        </p:tgtEl>
-                                        <p:attrNameLst>
-                                          <p:attrName>style.visibility</p:attrName>
-                                        </p:attrNameLst>
-                                      </p:cBhvr>
-                                      <p:to>
-                                        <p:strVal val="visible"/>
-                                      </p:to>
-                                    </p:set>
-                                  </p:childTnLst>
-                                </p:cTn>
-                              </p:par>
-                              <p:par>
-                                <p:cTn id="39" presetID="1" presetClass="entr" presetSubtype="0" fill="hold" grpId="1" nodeType="withEffect">
-                                  <p:stCondLst>
-                                    <p:cond delay="0"/>
-                                  </p:stCondLst>
-                                  <p:childTnLst>
-                                    <p:set>
-                                      <p:cBhvr>
-                                        <p:cTn id="40" dur="1" fill="hold">
-                                          <p:stCondLst>
-                                            <p:cond delay="0"/>
-                                          </p:stCondLst>
-                                        </p:cTn>
-                                        <p:tgtEl>
-                                          <p:spTgt spid="11">
-                                            <p:txEl>
-                                              <p:pRg st="8" end="8"/>
+                                              <p:pRg st="10" end="10"/>
                                             </p:txEl>
                                           </p:spTgt>
                                         </p:tgtEl>
@@ -5437,13 +8118,686 @@
     </p:tnLst>
     <p:bldLst>
       <p:bldP spid="11" grpId="0" uiExpand="1" build="p" bldLvl="5"/>
-      <p:bldP spid="11" grpId="1" build="allAtOnce"/>
     </p:bldLst>
   </p:timing>
 </p:sld>
 </file>
 
-<file path=ppt/slides/slide4.xml><?xml version="1.0" encoding="utf-8"?>
+<file path=ppt/slides/slide6.xml><?xml version="1.0" encoding="utf-8"?>
+<p:sld xmlns:a="http://schemas.openxmlformats.org/drawingml/2006/main" xmlns:r="http://schemas.openxmlformats.org/officeDocument/2006/relationships" xmlns:p="http://schemas.openxmlformats.org/presentationml/2006/main">
+  <p:cSld>
+    <p:spTree>
+      <p:nvGrpSpPr>
+        <p:cNvPr id="1" name=""/>
+        <p:cNvGrpSpPr/>
+        <p:nvPr/>
+      </p:nvGrpSpPr>
+      <p:grpSpPr>
+        <a:xfrm>
+          <a:off x="0" y="0"/>
+          <a:ext cx="0" cy="0"/>
+          <a:chOff x="0" y="0"/>
+          <a:chExt cx="0" cy="0"/>
+        </a:xfrm>
+      </p:grpSpPr>
+      <p:pic>
+        <p:nvPicPr>
+          <p:cNvPr id="13" name="Grafik 12">
+            <a:extLst>
+              <a:ext uri="{FF2B5EF4-FFF2-40B4-BE49-F238E27FC236}">
+                <a16:creationId xmlns:a16="http://schemas.microsoft.com/office/drawing/2014/main" id="{00453448-D0BE-BC4A-91C8-50E637D2FFD5}"/>
+              </a:ext>
+            </a:extLst>
+          </p:cNvPr>
+          <p:cNvPicPr>
+            <a:picLocks noChangeAspect="1"/>
+          </p:cNvPicPr>
+          <p:nvPr/>
+        </p:nvPicPr>
+        <p:blipFill>
+          <a:blip r:embed="rId3">
+            <a:extLst>
+              <a:ext uri="{28A0092B-C50C-407E-A947-70E740481C1C}">
+                <a14:useLocalDpi xmlns:a14="http://schemas.microsoft.com/office/drawing/2010/main" val="0"/>
+              </a:ext>
+            </a:extLst>
+          </a:blip>
+          <a:stretch>
+            <a:fillRect/>
+          </a:stretch>
+        </p:blipFill>
+        <p:spPr>
+          <a:xfrm>
+            <a:off x="0" y="-3571"/>
+            <a:ext cx="1066800" cy="406400"/>
+          </a:xfrm>
+          <a:prstGeom prst="rect">
+            <a:avLst/>
+          </a:prstGeom>
+        </p:spPr>
+      </p:pic>
+      <p:sp>
+        <p:nvSpPr>
+          <p:cNvPr id="11" name="Textfeld 10"/>
+          <p:cNvSpPr txBox="1"/>
+          <p:nvPr/>
+        </p:nvSpPr>
+        <p:spPr>
+          <a:xfrm>
+            <a:off x="633368" y="1623458"/>
+            <a:ext cx="3267372" cy="2308324"/>
+          </a:xfrm>
+          <a:prstGeom prst="rect">
+            <a:avLst/>
+          </a:prstGeom>
+          <a:noFill/>
+        </p:spPr>
+        <p:txBody>
+          <a:bodyPr wrap="square" rtlCol="0" anchor="t">
+            <a:spAutoFit/>
+          </a:bodyPr>
+          <a:lstStyle/>
+          <a:p>
+            <a:pPr marL="342900" indent="-342900">
+              <a:buFont typeface="Arial" panose="020B0604020202020204" pitchFamily="34" charset="0"/>
+              <a:buChar char="•"/>
+            </a:pPr>
+            <a:r>
+              <a:rPr lang="de-CH" sz="2400" dirty="0">
+                <a:latin typeface="Calibri" panose="020F0502020204030204" pitchFamily="34" charset="0"/>
+              </a:rPr>
+              <a:t>Gelöste Probleme:</a:t>
+            </a:r>
+          </a:p>
+          <a:p>
+            <a:pPr marL="800100" lvl="1" indent="-342900">
+              <a:buFont typeface="Courier New" panose="02070309020205020404" pitchFamily="49" charset="0"/>
+              <a:buChar char="o"/>
+            </a:pPr>
+            <a:r>
+              <a:rPr lang="de-CH" sz="2400" dirty="0">
+                <a:latin typeface="Calibri" panose="020F0502020204030204" pitchFamily="34" charset="0"/>
+              </a:rPr>
+              <a:t>Klassen einzeln funktionieren</a:t>
+            </a:r>
+          </a:p>
+          <a:p>
+            <a:pPr marL="800100" lvl="1" indent="-342900">
+              <a:buFont typeface="Courier New" panose="02070309020205020404" pitchFamily="49" charset="0"/>
+              <a:buChar char="o"/>
+            </a:pPr>
+            <a:endParaRPr lang="de-CH" sz="2400" dirty="0">
+              <a:latin typeface="Calibri" panose="020F0502020204030204" pitchFamily="34" charset="0"/>
+            </a:endParaRPr>
+          </a:p>
+          <a:p>
+            <a:pPr lvl="1"/>
+            <a:endParaRPr lang="de-CH" sz="2400" dirty="0">
+              <a:latin typeface="Calibri" panose="020F0502020204030204" pitchFamily="34" charset="0"/>
+            </a:endParaRPr>
+          </a:p>
+          <a:p>
+            <a:pPr lvl="1"/>
+            <a:endParaRPr lang="de-CH" sz="2400" dirty="0">
+              <a:latin typeface="Calibri" panose="020F0502020204030204" pitchFamily="34" charset="0"/>
+            </a:endParaRPr>
+          </a:p>
+        </p:txBody>
+      </p:sp>
+      <p:cxnSp>
+        <p:nvCxnSpPr>
+          <p:cNvPr id="5" name="Gerade Verbindung 4"/>
+          <p:cNvCxnSpPr/>
+          <p:nvPr/>
+        </p:nvCxnSpPr>
+        <p:spPr>
+          <a:xfrm>
+            <a:off x="0" y="6525344"/>
+            <a:ext cx="9144000" cy="0"/>
+          </a:xfrm>
+          <a:prstGeom prst="line">
+            <a:avLst/>
+          </a:prstGeom>
+          <a:ln>
+            <a:solidFill>
+              <a:schemeClr val="tx1"/>
+            </a:solidFill>
+          </a:ln>
+        </p:spPr>
+        <p:style>
+          <a:lnRef idx="1">
+            <a:schemeClr val="accent1"/>
+          </a:lnRef>
+          <a:fillRef idx="0">
+            <a:schemeClr val="accent1"/>
+          </a:fillRef>
+          <a:effectRef idx="0">
+            <a:schemeClr val="accent1"/>
+          </a:effectRef>
+          <a:fontRef idx="minor">
+            <a:schemeClr val="tx1"/>
+          </a:fontRef>
+        </p:style>
+      </p:cxnSp>
+      <p:sp>
+        <p:nvSpPr>
+          <p:cNvPr id="6" name="Textfeld 5"/>
+          <p:cNvSpPr txBox="1"/>
+          <p:nvPr/>
+        </p:nvSpPr>
+        <p:spPr>
+          <a:xfrm>
+            <a:off x="287830" y="6542726"/>
+            <a:ext cx="1208792" cy="276999"/>
+          </a:xfrm>
+          <a:prstGeom prst="rect">
+            <a:avLst/>
+          </a:prstGeom>
+          <a:noFill/>
+        </p:spPr>
+        <p:txBody>
+          <a:bodyPr wrap="none" rtlCol="0">
+            <a:spAutoFit/>
+          </a:bodyPr>
+          <a:lstStyle/>
+          <a:p>
+            <a:r>
+              <a:rPr lang="de-CH" sz="1200" dirty="0">
+                <a:latin typeface="Calibri" panose="020F0502020204030204" pitchFamily="34" charset="0"/>
+              </a:rPr>
+              <a:t>Meilenstein_M3</a:t>
+            </a:r>
+          </a:p>
+        </p:txBody>
+      </p:sp>
+      <p:sp>
+        <p:nvSpPr>
+          <p:cNvPr id="7" name="Textfeld 6"/>
+          <p:cNvSpPr txBox="1"/>
+          <p:nvPr/>
+        </p:nvSpPr>
+        <p:spPr>
+          <a:xfrm>
+            <a:off x="7919501" y="6542725"/>
+            <a:ext cx="962123" cy="276999"/>
+          </a:xfrm>
+          <a:prstGeom prst="rect">
+            <a:avLst/>
+          </a:prstGeom>
+          <a:noFill/>
+        </p:spPr>
+        <p:txBody>
+          <a:bodyPr wrap="none" rtlCol="0">
+            <a:spAutoFit/>
+          </a:bodyPr>
+          <a:lstStyle/>
+          <a:p>
+            <a:pPr algn="r"/>
+            <a:r>
+              <a:rPr lang="de-CH" sz="1200" dirty="0">
+                <a:latin typeface="Calibri" panose="020F0502020204030204" pitchFamily="34" charset="0"/>
+              </a:rPr>
+              <a:t>8. Mai 2018</a:t>
+            </a:r>
+          </a:p>
+        </p:txBody>
+      </p:sp>
+      <p:sp>
+        <p:nvSpPr>
+          <p:cNvPr id="8" name="Textfeld 7"/>
+          <p:cNvSpPr txBox="1"/>
+          <p:nvPr/>
+        </p:nvSpPr>
+        <p:spPr>
+          <a:xfrm>
+            <a:off x="3627204" y="6542724"/>
+            <a:ext cx="1800200" cy="276999"/>
+          </a:xfrm>
+          <a:prstGeom prst="rect">
+            <a:avLst/>
+          </a:prstGeom>
+          <a:noFill/>
+        </p:spPr>
+        <p:txBody>
+          <a:bodyPr wrap="square" rtlCol="0">
+            <a:spAutoFit/>
+          </a:bodyPr>
+          <a:lstStyle/>
+          <a:p>
+            <a:pPr algn="ctr"/>
+            <a:r>
+              <a:rPr lang="de-CH" sz="1200" dirty="0">
+                <a:latin typeface="Calibri" panose="020F0502020204030204" pitchFamily="34" charset="0"/>
+              </a:rPr>
+              <a:t>Seite 5/9</a:t>
+            </a:r>
+          </a:p>
+        </p:txBody>
+      </p:sp>
+      <p:cxnSp>
+        <p:nvCxnSpPr>
+          <p:cNvPr id="9" name="Gerade Verbindung 4"/>
+          <p:cNvCxnSpPr/>
+          <p:nvPr/>
+        </p:nvCxnSpPr>
+        <p:spPr>
+          <a:xfrm>
+            <a:off x="-5050" y="421597"/>
+            <a:ext cx="9144000" cy="0"/>
+          </a:xfrm>
+          <a:prstGeom prst="line">
+            <a:avLst/>
+          </a:prstGeom>
+          <a:ln>
+            <a:solidFill>
+              <a:schemeClr val="tx1"/>
+            </a:solidFill>
+          </a:ln>
+        </p:spPr>
+        <p:style>
+          <a:lnRef idx="1">
+            <a:schemeClr val="accent1"/>
+          </a:lnRef>
+          <a:fillRef idx="0">
+            <a:schemeClr val="accent1"/>
+          </a:fillRef>
+          <a:effectRef idx="0">
+            <a:schemeClr val="accent1"/>
+          </a:effectRef>
+          <a:fontRef idx="minor">
+            <a:schemeClr val="tx1"/>
+          </a:fontRef>
+        </p:style>
+      </p:cxnSp>
+      <p:sp>
+        <p:nvSpPr>
+          <p:cNvPr id="10" name="Textfeld 9"/>
+          <p:cNvSpPr txBox="1"/>
+          <p:nvPr/>
+        </p:nvSpPr>
+        <p:spPr>
+          <a:xfrm>
+            <a:off x="7615828" y="144598"/>
+            <a:ext cx="1265796" cy="276999"/>
+          </a:xfrm>
+          <a:prstGeom prst="rect">
+            <a:avLst/>
+          </a:prstGeom>
+          <a:noFill/>
+        </p:spPr>
+        <p:txBody>
+          <a:bodyPr wrap="none" rtlCol="0">
+            <a:spAutoFit/>
+          </a:bodyPr>
+          <a:lstStyle/>
+          <a:p>
+            <a:pPr algn="r"/>
+            <a:r>
+              <a:rPr lang="de-CH" sz="1200" dirty="0">
+                <a:latin typeface="Calibri" panose="020F0502020204030204" pitchFamily="34" charset="0"/>
+              </a:rPr>
+              <a:t>SysP18_Team_10</a:t>
+            </a:r>
+          </a:p>
+        </p:txBody>
+      </p:sp>
+      <p:sp>
+        <p:nvSpPr>
+          <p:cNvPr id="14" name="Textfeld 13"/>
+          <p:cNvSpPr txBox="1"/>
+          <p:nvPr/>
+        </p:nvSpPr>
+        <p:spPr>
+          <a:xfrm>
+            <a:off x="313904" y="1124744"/>
+            <a:ext cx="4402111" cy="523220"/>
+          </a:xfrm>
+          <a:prstGeom prst="rect">
+            <a:avLst/>
+          </a:prstGeom>
+          <a:noFill/>
+        </p:spPr>
+        <p:txBody>
+          <a:bodyPr wrap="square" rtlCol="0">
+            <a:spAutoFit/>
+          </a:bodyPr>
+          <a:lstStyle/>
+          <a:p>
+            <a:r>
+              <a:rPr lang="de-CH" sz="2800" b="1" dirty="0">
+                <a:latin typeface="+mj-lt"/>
+              </a:rPr>
+              <a:t>Informatik</a:t>
+            </a:r>
+          </a:p>
+        </p:txBody>
+      </p:sp>
+      <p:pic>
+        <p:nvPicPr>
+          <p:cNvPr id="3" name="Grafik 2">
+            <a:extLst>
+              <a:ext uri="{FF2B5EF4-FFF2-40B4-BE49-F238E27FC236}">
+                <a16:creationId xmlns:a16="http://schemas.microsoft.com/office/drawing/2014/main" id="{C8ABF933-6634-D24B-9907-E016F4A5E50E}"/>
+              </a:ext>
+            </a:extLst>
+          </p:cNvPr>
+          <p:cNvPicPr>
+            <a:picLocks noChangeAspect="1"/>
+          </p:cNvPicPr>
+          <p:nvPr/>
+        </p:nvPicPr>
+        <p:blipFill>
+          <a:blip r:embed="rId4">
+            <a:extLst>
+              <a:ext uri="{28A0092B-C50C-407E-A947-70E740481C1C}">
+                <a14:useLocalDpi xmlns:a14="http://schemas.microsoft.com/office/drawing/2010/main" val="0"/>
+              </a:ext>
+            </a:extLst>
+          </a:blip>
+          <a:stretch>
+            <a:fillRect/>
+          </a:stretch>
+        </p:blipFill>
+        <p:spPr>
+          <a:xfrm>
+            <a:off x="2460803" y="3054690"/>
+            <a:ext cx="5908065" cy="3323287"/>
+          </a:xfrm>
+          <a:prstGeom prst="rect">
+            <a:avLst/>
+          </a:prstGeom>
+        </p:spPr>
+      </p:pic>
+      <p:sp>
+        <p:nvSpPr>
+          <p:cNvPr id="15" name="Textfeld 14">
+            <a:extLst>
+              <a:ext uri="{FF2B5EF4-FFF2-40B4-BE49-F238E27FC236}">
+                <a16:creationId xmlns:a16="http://schemas.microsoft.com/office/drawing/2014/main" id="{9E839F7A-2DED-C04A-9BB1-F8F490A49AB4}"/>
+              </a:ext>
+            </a:extLst>
+          </p:cNvPr>
+          <p:cNvSpPr txBox="1"/>
+          <p:nvPr/>
+        </p:nvSpPr>
+        <p:spPr>
+          <a:xfrm>
+            <a:off x="4067102" y="1647964"/>
+            <a:ext cx="4753370" cy="2677656"/>
+          </a:xfrm>
+          <a:prstGeom prst="rect">
+            <a:avLst/>
+          </a:prstGeom>
+          <a:noFill/>
+        </p:spPr>
+        <p:txBody>
+          <a:bodyPr wrap="square" rtlCol="0" anchor="t">
+            <a:spAutoFit/>
+          </a:bodyPr>
+          <a:lstStyle/>
+          <a:p>
+            <a:pPr marL="342900" indent="-342900">
+              <a:buFont typeface="Arial" panose="020B0604020202020204" pitchFamily="34" charset="0"/>
+              <a:buChar char="•"/>
+            </a:pPr>
+            <a:r>
+              <a:rPr lang="de-CH" sz="2400" dirty="0">
+                <a:latin typeface="Calibri" panose="020F0502020204030204" pitchFamily="34" charset="0"/>
+              </a:rPr>
+              <a:t>Ungelöste Probleme:</a:t>
+            </a:r>
+          </a:p>
+          <a:p>
+            <a:pPr marL="800100" lvl="1" indent="-342900">
+              <a:buFont typeface="Courier New" panose="02070309020205020404" pitchFamily="49" charset="0"/>
+              <a:buChar char="o"/>
+            </a:pPr>
+            <a:r>
+              <a:rPr lang="de-CH" sz="2400" dirty="0">
+                <a:latin typeface="Calibri" panose="020F0502020204030204" pitchFamily="34" charset="0"/>
+              </a:rPr>
+              <a:t>Noch keine Möglichkeit um gesamtes Programm zu testen</a:t>
+            </a:r>
+          </a:p>
+          <a:p>
+            <a:pPr marL="800100" lvl="1" indent="-342900">
+              <a:buFont typeface="Courier New" panose="02070309020205020404" pitchFamily="49" charset="0"/>
+              <a:buChar char="o"/>
+            </a:pPr>
+            <a:endParaRPr lang="de-CH" sz="2400" dirty="0">
+              <a:latin typeface="Calibri" panose="020F0502020204030204" pitchFamily="34" charset="0"/>
+            </a:endParaRPr>
+          </a:p>
+          <a:p>
+            <a:endParaRPr lang="de-CH" sz="2400" dirty="0">
+              <a:latin typeface="Calibri" panose="020F0502020204030204" pitchFamily="34" charset="0"/>
+            </a:endParaRPr>
+          </a:p>
+          <a:p>
+            <a:pPr lvl="1"/>
+            <a:endParaRPr lang="de-CH" sz="2400" dirty="0">
+              <a:latin typeface="Calibri" panose="020F0502020204030204" pitchFamily="34" charset="0"/>
+            </a:endParaRPr>
+          </a:p>
+          <a:p>
+            <a:pPr lvl="1"/>
+            <a:endParaRPr lang="de-CH" sz="2400" dirty="0">
+              <a:latin typeface="Calibri" panose="020F0502020204030204" pitchFamily="34" charset="0"/>
+            </a:endParaRPr>
+          </a:p>
+        </p:txBody>
+      </p:sp>
+    </p:spTree>
+    <p:extLst>
+      <p:ext uri="{BB962C8B-B14F-4D97-AF65-F5344CB8AC3E}">
+        <p14:creationId xmlns:p14="http://schemas.microsoft.com/office/powerpoint/2010/main" val="3442410843"/>
+      </p:ext>
+    </p:extLst>
+  </p:cSld>
+  <p:clrMapOvr>
+    <a:masterClrMapping/>
+  </p:clrMapOvr>
+  <p:timing>
+    <p:tnLst>
+      <p:par>
+        <p:cTn id="1" dur="indefinite" restart="never" nodeType="tmRoot">
+          <p:childTnLst>
+            <p:seq concurrent="1" nextAc="seek">
+              <p:cTn id="2" dur="indefinite" nodeType="mainSeq">
+                <p:childTnLst>
+                  <p:par>
+                    <p:cTn id="3" fill="hold">
+                      <p:stCondLst>
+                        <p:cond delay="indefinite"/>
+                        <p:cond evt="onBegin" delay="0">
+                          <p:tn val="2"/>
+                        </p:cond>
+                      </p:stCondLst>
+                      <p:childTnLst>
+                        <p:par>
+                          <p:cTn id="4" fill="hold">
+                            <p:stCondLst>
+                              <p:cond delay="0"/>
+                            </p:stCondLst>
+                            <p:childTnLst>
+                              <p:par>
+                                <p:cTn id="5" presetID="1" presetClass="entr" presetSubtype="0" fill="hold" grpId="0" nodeType="withEffect">
+                                  <p:stCondLst>
+                                    <p:cond delay="0"/>
+                                  </p:stCondLst>
+                                  <p:childTnLst>
+                                    <p:set>
+                                      <p:cBhvr>
+                                        <p:cTn id="6" dur="1" fill="hold">
+                                          <p:stCondLst>
+                                            <p:cond delay="0"/>
+                                          </p:stCondLst>
+                                        </p:cTn>
+                                        <p:tgtEl>
+                                          <p:spTgt spid="11">
+                                            <p:txEl>
+                                              <p:pRg st="0" end="0"/>
+                                            </p:txEl>
+                                          </p:spTgt>
+                                        </p:tgtEl>
+                                        <p:attrNameLst>
+                                          <p:attrName>style.visibility</p:attrName>
+                                        </p:attrNameLst>
+                                      </p:cBhvr>
+                                      <p:to>
+                                        <p:strVal val="visible"/>
+                                      </p:to>
+                                    </p:set>
+                                  </p:childTnLst>
+                                </p:cTn>
+                              </p:par>
+                              <p:par>
+                                <p:cTn id="7" presetID="1" presetClass="entr" presetSubtype="0" fill="hold" grpId="0" nodeType="withEffect">
+                                  <p:stCondLst>
+                                    <p:cond delay="500"/>
+                                  </p:stCondLst>
+                                  <p:childTnLst>
+                                    <p:set>
+                                      <p:cBhvr>
+                                        <p:cTn id="8" dur="1" fill="hold">
+                                          <p:stCondLst>
+                                            <p:cond delay="0"/>
+                                          </p:stCondLst>
+                                        </p:cTn>
+                                        <p:tgtEl>
+                                          <p:spTgt spid="11">
+                                            <p:txEl>
+                                              <p:pRg st="1" end="1"/>
+                                            </p:txEl>
+                                          </p:spTgt>
+                                        </p:tgtEl>
+                                        <p:attrNameLst>
+                                          <p:attrName>style.visibility</p:attrName>
+                                        </p:attrNameLst>
+                                      </p:cBhvr>
+                                      <p:to>
+                                        <p:strVal val="visible"/>
+                                      </p:to>
+                                    </p:set>
+                                  </p:childTnLst>
+                                </p:cTn>
+                              </p:par>
+                            </p:childTnLst>
+                          </p:cTn>
+                        </p:par>
+                      </p:childTnLst>
+                    </p:cTn>
+                  </p:par>
+                  <p:par>
+                    <p:cTn id="9" fill="hold">
+                      <p:stCondLst>
+                        <p:cond delay="indefinite"/>
+                      </p:stCondLst>
+                      <p:childTnLst>
+                        <p:par>
+                          <p:cTn id="10" fill="hold">
+                            <p:stCondLst>
+                              <p:cond delay="0"/>
+                            </p:stCondLst>
+                            <p:childTnLst>
+                              <p:par>
+                                <p:cTn id="11" presetID="1" presetClass="entr" presetSubtype="0" fill="hold" grpId="0" nodeType="clickEffect">
+                                  <p:stCondLst>
+                                    <p:cond delay="0"/>
+                                  </p:stCondLst>
+                                  <p:childTnLst>
+                                    <p:set>
+                                      <p:cBhvr>
+                                        <p:cTn id="12" dur="1" fill="hold">
+                                          <p:stCondLst>
+                                            <p:cond delay="0"/>
+                                          </p:stCondLst>
+                                        </p:cTn>
+                                        <p:tgtEl>
+                                          <p:spTgt spid="15">
+                                            <p:txEl>
+                                              <p:pRg st="0" end="0"/>
+                                            </p:txEl>
+                                          </p:spTgt>
+                                        </p:tgtEl>
+                                        <p:attrNameLst>
+                                          <p:attrName>style.visibility</p:attrName>
+                                        </p:attrNameLst>
+                                      </p:cBhvr>
+                                      <p:to>
+                                        <p:strVal val="visible"/>
+                                      </p:to>
+                                    </p:set>
+                                  </p:childTnLst>
+                                </p:cTn>
+                              </p:par>
+                              <p:par>
+                                <p:cTn id="13" presetID="1" presetClass="entr" presetSubtype="0" fill="hold" grpId="0" nodeType="withEffect">
+                                  <p:stCondLst>
+                                    <p:cond delay="500"/>
+                                  </p:stCondLst>
+                                  <p:childTnLst>
+                                    <p:set>
+                                      <p:cBhvr>
+                                        <p:cTn id="14" dur="1" fill="hold">
+                                          <p:stCondLst>
+                                            <p:cond delay="0"/>
+                                          </p:stCondLst>
+                                        </p:cTn>
+                                        <p:tgtEl>
+                                          <p:spTgt spid="15">
+                                            <p:txEl>
+                                              <p:pRg st="1" end="1"/>
+                                            </p:txEl>
+                                          </p:spTgt>
+                                        </p:tgtEl>
+                                        <p:attrNameLst>
+                                          <p:attrName>style.visibility</p:attrName>
+                                        </p:attrNameLst>
+                                      </p:cBhvr>
+                                      <p:to>
+                                        <p:strVal val="visible"/>
+                                      </p:to>
+                                    </p:set>
+                                  </p:childTnLst>
+                                </p:cTn>
+                              </p:par>
+                            </p:childTnLst>
+                          </p:cTn>
+                        </p:par>
+                      </p:childTnLst>
+                    </p:cTn>
+                  </p:par>
+                </p:childTnLst>
+              </p:cTn>
+              <p:prevCondLst>
+                <p:cond evt="onPrev" delay="0">
+                  <p:tgtEl>
+                    <p:sldTgt/>
+                  </p:tgtEl>
+                </p:cond>
+              </p:prevCondLst>
+              <p:nextCondLst>
+                <p:cond evt="onNext" delay="0">
+                  <p:tgtEl>
+                    <p:sldTgt/>
+                  </p:tgtEl>
+                </p:cond>
+              </p:nextCondLst>
+            </p:seq>
+          </p:childTnLst>
+        </p:cTn>
+      </p:par>
+    </p:tnLst>
+    <p:bldLst>
+      <p:bldP spid="11" grpId="0" uiExpand="1" build="p" bldLvl="5"/>
+      <p:bldP spid="15" grpId="0" uiExpand="1" build="p" bldLvl="5"/>
+    </p:bldLst>
+  </p:timing>
+</p:sld>
+</file>
+
+<file path=ppt/slides/slide7.xml><?xml version="1.0" encoding="utf-8"?>
 <p:sld xmlns:a="http://schemas.openxmlformats.org/drawingml/2006/main" xmlns:r="http://schemas.openxmlformats.org/officeDocument/2006/relationships" xmlns:p="http://schemas.openxmlformats.org/presentationml/2006/main">
   <p:cSld>
     <p:spTree>
@@ -5520,7 +8874,7 @@
           <a:p>
             <a:r>
               <a:rPr lang="de-CH" sz="6600" b="1" dirty="0"/>
-              <a:t>Diskussionsrunde</a:t>
+              <a:t>Demonstration</a:t>
             </a:r>
             <a:endParaRPr lang="de-CH" sz="6600" b="1" dirty="0">
               <a:solidFill>
@@ -5734,7 +9088,7 @@
               <a:rPr lang="de-CH" sz="1200" dirty="0">
                 <a:latin typeface="Calibri" panose="020F0502020204030204" pitchFamily="34" charset="0"/>
               </a:rPr>
-              <a:t>Seite 11/11</a:t>
+              <a:t>Seite 6/9</a:t>
             </a:r>
           </a:p>
         </p:txBody>
@@ -5742,13 +9096,1357 @@
     </p:spTree>
     <p:extLst>
       <p:ext uri="{BB962C8B-B14F-4D97-AF65-F5344CB8AC3E}">
-        <p14:creationId xmlns:p14="http://schemas.microsoft.com/office/powerpoint/2010/main" val="1579893816"/>
+        <p14:creationId xmlns:p14="http://schemas.microsoft.com/office/powerpoint/2010/main" val="153424754"/>
       </p:ext>
     </p:extLst>
   </p:cSld>
   <p:clrMapOvr>
     <a:masterClrMapping/>
   </p:clrMapOvr>
+</p:sld>
+</file>
+
+<file path=ppt/slides/slide8.xml><?xml version="1.0" encoding="utf-8"?>
+<p:sld xmlns:a="http://schemas.openxmlformats.org/drawingml/2006/main" xmlns:r="http://schemas.openxmlformats.org/officeDocument/2006/relationships" xmlns:p="http://schemas.openxmlformats.org/presentationml/2006/main">
+  <p:cSld>
+    <p:spTree>
+      <p:nvGrpSpPr>
+        <p:cNvPr id="1" name=""/>
+        <p:cNvGrpSpPr/>
+        <p:nvPr/>
+      </p:nvGrpSpPr>
+      <p:grpSpPr>
+        <a:xfrm>
+          <a:off x="0" y="0"/>
+          <a:ext cx="0" cy="0"/>
+          <a:chOff x="0" y="0"/>
+          <a:chExt cx="0" cy="0"/>
+        </a:xfrm>
+      </p:grpSpPr>
+      <p:pic>
+        <p:nvPicPr>
+          <p:cNvPr id="3" name="Grafik 2">
+            <a:extLst>
+              <a:ext uri="{FF2B5EF4-FFF2-40B4-BE49-F238E27FC236}">
+                <a16:creationId xmlns:a16="http://schemas.microsoft.com/office/drawing/2014/main" id="{0DE15193-AB24-C14F-97A8-302904FCCD80}"/>
+              </a:ext>
+            </a:extLst>
+          </p:cNvPr>
+          <p:cNvPicPr>
+            <a:picLocks noChangeAspect="1"/>
+          </p:cNvPicPr>
+          <p:nvPr/>
+        </p:nvPicPr>
+        <p:blipFill>
+          <a:blip r:embed="rId4">
+            <a:extLst>
+              <a:ext uri="{28A0092B-C50C-407E-A947-70E740481C1C}">
+                <a14:useLocalDpi xmlns:a14="http://schemas.microsoft.com/office/drawing/2010/main" val="0"/>
+              </a:ext>
+            </a:extLst>
+          </a:blip>
+          <a:stretch>
+            <a:fillRect/>
+          </a:stretch>
+        </p:blipFill>
+        <p:spPr>
+          <a:xfrm>
+            <a:off x="5054310" y="1166"/>
+            <a:ext cx="3299604" cy="6858000"/>
+          </a:xfrm>
+          <a:prstGeom prst="rect">
+            <a:avLst/>
+          </a:prstGeom>
+        </p:spPr>
+      </p:pic>
+      <p:sp>
+        <p:nvSpPr>
+          <p:cNvPr id="4" name="Rechteck 3">
+            <a:extLst>
+              <a:ext uri="{FF2B5EF4-FFF2-40B4-BE49-F238E27FC236}">
+                <a16:creationId xmlns:a16="http://schemas.microsoft.com/office/drawing/2014/main" id="{22DF1D1E-4BAE-BF44-B1E1-F92319CDA689}"/>
+              </a:ext>
+            </a:extLst>
+          </p:cNvPr>
+          <p:cNvSpPr/>
+          <p:nvPr/>
+        </p:nvSpPr>
+        <p:spPr>
+          <a:xfrm>
+            <a:off x="5148064" y="1484784"/>
+            <a:ext cx="1750000" cy="4248472"/>
+          </a:xfrm>
+          <a:prstGeom prst="rect">
+            <a:avLst/>
+          </a:prstGeom>
+          <a:noFill/>
+          <a:ln w="38100">
+            <a:solidFill>
+              <a:srgbClr val="FF0000"/>
+            </a:solidFill>
+          </a:ln>
+        </p:spPr>
+        <p:style>
+          <a:lnRef idx="2">
+            <a:schemeClr val="accent1">
+              <a:shade val="50000"/>
+            </a:schemeClr>
+          </a:lnRef>
+          <a:fillRef idx="1">
+            <a:schemeClr val="accent1"/>
+          </a:fillRef>
+          <a:effectRef idx="0">
+            <a:schemeClr val="accent1"/>
+          </a:effectRef>
+          <a:fontRef idx="minor">
+            <a:schemeClr val="lt1"/>
+          </a:fontRef>
+        </p:style>
+        <p:txBody>
+          <a:bodyPr rtlCol="0" anchor="ctr"/>
+          <a:lstStyle/>
+          <a:p>
+            <a:pPr algn="ctr"/>
+            <a:endParaRPr lang="de-DE"/>
+          </a:p>
+        </p:txBody>
+      </p:sp>
+      <p:pic>
+        <p:nvPicPr>
+          <p:cNvPr id="16" name="Grafik 15">
+            <a:extLst>
+              <a:ext uri="{FF2B5EF4-FFF2-40B4-BE49-F238E27FC236}">
+                <a16:creationId xmlns:a16="http://schemas.microsoft.com/office/drawing/2014/main" id="{61C41D82-6C91-8F4E-9A62-2F0F51B8A4C0}"/>
+              </a:ext>
+            </a:extLst>
+          </p:cNvPr>
+          <p:cNvPicPr>
+            <a:picLocks noChangeAspect="1"/>
+          </p:cNvPicPr>
+          <p:nvPr/>
+        </p:nvPicPr>
+        <p:blipFill>
+          <a:blip r:embed="rId5">
+            <a:extLst>
+              <a:ext uri="{28A0092B-C50C-407E-A947-70E740481C1C}">
+                <a14:useLocalDpi xmlns:a14="http://schemas.microsoft.com/office/drawing/2010/main" val="0"/>
+              </a:ext>
+            </a:extLst>
+          </a:blip>
+          <a:stretch>
+            <a:fillRect/>
+          </a:stretch>
+        </p:blipFill>
+        <p:spPr>
+          <a:xfrm>
+            <a:off x="4514879" y="469094"/>
+            <a:ext cx="4378465" cy="6034187"/>
+          </a:xfrm>
+          <a:prstGeom prst="rect">
+            <a:avLst/>
+          </a:prstGeom>
+        </p:spPr>
+      </p:pic>
+      <p:sp>
+        <p:nvSpPr>
+          <p:cNvPr id="17" name="Rechteck 16">
+            <a:extLst>
+              <a:ext uri="{FF2B5EF4-FFF2-40B4-BE49-F238E27FC236}">
+                <a16:creationId xmlns:a16="http://schemas.microsoft.com/office/drawing/2014/main" id="{C81ACC35-BAA7-BF4A-9278-157A03C2D420}"/>
+              </a:ext>
+            </a:extLst>
+          </p:cNvPr>
+          <p:cNvSpPr/>
+          <p:nvPr/>
+        </p:nvSpPr>
+        <p:spPr>
+          <a:xfrm>
+            <a:off x="4716014" y="3717032"/>
+            <a:ext cx="2182049" cy="432048"/>
+          </a:xfrm>
+          <a:prstGeom prst="rect">
+            <a:avLst/>
+          </a:prstGeom>
+          <a:noFill/>
+          <a:ln w="38100">
+            <a:solidFill>
+              <a:srgbClr val="FF0000"/>
+            </a:solidFill>
+          </a:ln>
+        </p:spPr>
+        <p:style>
+          <a:lnRef idx="2">
+            <a:schemeClr val="accent1">
+              <a:shade val="50000"/>
+            </a:schemeClr>
+          </a:lnRef>
+          <a:fillRef idx="1">
+            <a:schemeClr val="accent1"/>
+          </a:fillRef>
+          <a:effectRef idx="0">
+            <a:schemeClr val="accent1"/>
+          </a:effectRef>
+          <a:fontRef idx="minor">
+            <a:schemeClr val="lt1"/>
+          </a:fontRef>
+        </p:style>
+        <p:txBody>
+          <a:bodyPr rtlCol="0" anchor="ctr"/>
+          <a:lstStyle/>
+          <a:p>
+            <a:pPr algn="ctr"/>
+            <a:endParaRPr lang="de-DE"/>
+          </a:p>
+        </p:txBody>
+      </p:sp>
+      <p:sp>
+        <p:nvSpPr>
+          <p:cNvPr id="21" name="Rechteck 20">
+            <a:extLst>
+              <a:ext uri="{FF2B5EF4-FFF2-40B4-BE49-F238E27FC236}">
+                <a16:creationId xmlns:a16="http://schemas.microsoft.com/office/drawing/2014/main" id="{28F27B15-0583-9D40-B69F-DD0AF2592E10}"/>
+              </a:ext>
+            </a:extLst>
+          </p:cNvPr>
+          <p:cNvSpPr/>
+          <p:nvPr/>
+        </p:nvSpPr>
+        <p:spPr>
+          <a:xfrm>
+            <a:off x="162361" y="4133432"/>
+            <a:ext cx="4520919" cy="1887856"/>
+          </a:xfrm>
+          <a:prstGeom prst="rect">
+            <a:avLst/>
+          </a:prstGeom>
+          <a:solidFill>
+            <a:schemeClr val="bg1"/>
+          </a:solidFill>
+        </p:spPr>
+        <p:style>
+          <a:lnRef idx="2">
+            <a:schemeClr val="accent1">
+              <a:shade val="50000"/>
+            </a:schemeClr>
+          </a:lnRef>
+          <a:fillRef idx="1">
+            <a:schemeClr val="accent1"/>
+          </a:fillRef>
+          <a:effectRef idx="0">
+            <a:schemeClr val="accent1"/>
+          </a:effectRef>
+          <a:fontRef idx="minor">
+            <a:schemeClr val="lt1"/>
+          </a:fontRef>
+        </p:style>
+        <p:txBody>
+          <a:bodyPr rtlCol="0" anchor="ctr"/>
+          <a:lstStyle/>
+          <a:p>
+            <a:pPr algn="ctr"/>
+            <a:endParaRPr lang="de-DE"/>
+          </a:p>
+        </p:txBody>
+      </p:sp>
+      <p:pic>
+        <p:nvPicPr>
+          <p:cNvPr id="13" name="Grafik 12">
+            <a:extLst>
+              <a:ext uri="{FF2B5EF4-FFF2-40B4-BE49-F238E27FC236}">
+                <a16:creationId xmlns:a16="http://schemas.microsoft.com/office/drawing/2014/main" id="{00453448-D0BE-BC4A-91C8-50E637D2FFD5}"/>
+              </a:ext>
+            </a:extLst>
+          </p:cNvPr>
+          <p:cNvPicPr>
+            <a:picLocks noChangeAspect="1"/>
+          </p:cNvPicPr>
+          <p:nvPr/>
+        </p:nvPicPr>
+        <p:blipFill>
+          <a:blip r:embed="rId6">
+            <a:extLst>
+              <a:ext uri="{28A0092B-C50C-407E-A947-70E740481C1C}">
+                <a14:useLocalDpi xmlns:a14="http://schemas.microsoft.com/office/drawing/2010/main" val="0"/>
+              </a:ext>
+            </a:extLst>
+          </a:blip>
+          <a:stretch>
+            <a:fillRect/>
+          </a:stretch>
+        </p:blipFill>
+        <p:spPr>
+          <a:xfrm>
+            <a:off x="0" y="-3571"/>
+            <a:ext cx="1066800" cy="406400"/>
+          </a:xfrm>
+          <a:prstGeom prst="rect">
+            <a:avLst/>
+          </a:prstGeom>
+        </p:spPr>
+      </p:pic>
+      <p:sp>
+        <p:nvSpPr>
+          <p:cNvPr id="11" name="Textfeld 10"/>
+          <p:cNvSpPr txBox="1"/>
+          <p:nvPr/>
+        </p:nvSpPr>
+        <p:spPr>
+          <a:xfrm>
+            <a:off x="633368" y="1623458"/>
+            <a:ext cx="6264696" cy="1200329"/>
+          </a:xfrm>
+          <a:prstGeom prst="rect">
+            <a:avLst/>
+          </a:prstGeom>
+          <a:noFill/>
+        </p:spPr>
+        <p:txBody>
+          <a:bodyPr wrap="square" rtlCol="0" anchor="t">
+            <a:spAutoFit/>
+          </a:bodyPr>
+          <a:lstStyle/>
+          <a:p>
+            <a:endParaRPr lang="de-CH" sz="2400" dirty="0">
+              <a:latin typeface="Calibri" panose="020F0502020204030204" pitchFamily="34" charset="0"/>
+            </a:endParaRPr>
+          </a:p>
+          <a:p>
+            <a:pPr lvl="1"/>
+            <a:endParaRPr lang="de-CH" sz="2400" dirty="0">
+              <a:latin typeface="Calibri" panose="020F0502020204030204" pitchFamily="34" charset="0"/>
+            </a:endParaRPr>
+          </a:p>
+          <a:p>
+            <a:pPr lvl="1"/>
+            <a:endParaRPr lang="de-CH" sz="2400" dirty="0">
+              <a:latin typeface="Calibri" panose="020F0502020204030204" pitchFamily="34" charset="0"/>
+            </a:endParaRPr>
+          </a:p>
+        </p:txBody>
+      </p:sp>
+      <p:cxnSp>
+        <p:nvCxnSpPr>
+          <p:cNvPr id="5" name="Gerade Verbindung 4"/>
+          <p:cNvCxnSpPr/>
+          <p:nvPr/>
+        </p:nvCxnSpPr>
+        <p:spPr>
+          <a:xfrm>
+            <a:off x="0" y="6525344"/>
+            <a:ext cx="9144000" cy="0"/>
+          </a:xfrm>
+          <a:prstGeom prst="line">
+            <a:avLst/>
+          </a:prstGeom>
+          <a:ln>
+            <a:solidFill>
+              <a:schemeClr val="tx1"/>
+            </a:solidFill>
+          </a:ln>
+        </p:spPr>
+        <p:style>
+          <a:lnRef idx="1">
+            <a:schemeClr val="accent1"/>
+          </a:lnRef>
+          <a:fillRef idx="0">
+            <a:schemeClr val="accent1"/>
+          </a:fillRef>
+          <a:effectRef idx="0">
+            <a:schemeClr val="accent1"/>
+          </a:effectRef>
+          <a:fontRef idx="minor">
+            <a:schemeClr val="tx1"/>
+          </a:fontRef>
+        </p:style>
+      </p:cxnSp>
+      <p:sp>
+        <p:nvSpPr>
+          <p:cNvPr id="6" name="Textfeld 5"/>
+          <p:cNvSpPr txBox="1"/>
+          <p:nvPr/>
+        </p:nvSpPr>
+        <p:spPr>
+          <a:xfrm>
+            <a:off x="287830" y="6542726"/>
+            <a:ext cx="1208792" cy="276999"/>
+          </a:xfrm>
+          <a:prstGeom prst="rect">
+            <a:avLst/>
+          </a:prstGeom>
+          <a:noFill/>
+        </p:spPr>
+        <p:txBody>
+          <a:bodyPr wrap="none" rtlCol="0">
+            <a:spAutoFit/>
+          </a:bodyPr>
+          <a:lstStyle/>
+          <a:p>
+            <a:r>
+              <a:rPr lang="de-CH" sz="1200" dirty="0">
+                <a:latin typeface="Calibri" panose="020F0502020204030204" pitchFamily="34" charset="0"/>
+              </a:rPr>
+              <a:t>Meilenstein_M3</a:t>
+            </a:r>
+          </a:p>
+        </p:txBody>
+      </p:sp>
+      <p:sp>
+        <p:nvSpPr>
+          <p:cNvPr id="7" name="Textfeld 6"/>
+          <p:cNvSpPr txBox="1"/>
+          <p:nvPr/>
+        </p:nvSpPr>
+        <p:spPr>
+          <a:xfrm>
+            <a:off x="7919501" y="6542725"/>
+            <a:ext cx="962123" cy="276999"/>
+          </a:xfrm>
+          <a:prstGeom prst="rect">
+            <a:avLst/>
+          </a:prstGeom>
+          <a:noFill/>
+        </p:spPr>
+        <p:txBody>
+          <a:bodyPr wrap="none" rtlCol="0">
+            <a:spAutoFit/>
+          </a:bodyPr>
+          <a:lstStyle/>
+          <a:p>
+            <a:pPr algn="r"/>
+            <a:r>
+              <a:rPr lang="de-CH" sz="1200" dirty="0">
+                <a:latin typeface="Calibri" panose="020F0502020204030204" pitchFamily="34" charset="0"/>
+              </a:rPr>
+              <a:t>8. Mai 2018</a:t>
+            </a:r>
+          </a:p>
+        </p:txBody>
+      </p:sp>
+      <p:sp>
+        <p:nvSpPr>
+          <p:cNvPr id="8" name="Textfeld 7"/>
+          <p:cNvSpPr txBox="1"/>
+          <p:nvPr/>
+        </p:nvSpPr>
+        <p:spPr>
+          <a:xfrm>
+            <a:off x="3627204" y="6542724"/>
+            <a:ext cx="1800200" cy="276999"/>
+          </a:xfrm>
+          <a:prstGeom prst="rect">
+            <a:avLst/>
+          </a:prstGeom>
+          <a:noFill/>
+        </p:spPr>
+        <p:txBody>
+          <a:bodyPr wrap="square" rtlCol="0">
+            <a:spAutoFit/>
+          </a:bodyPr>
+          <a:lstStyle/>
+          <a:p>
+            <a:pPr algn="ctr"/>
+            <a:r>
+              <a:rPr lang="de-CH" sz="1200" dirty="0">
+                <a:latin typeface="Calibri" panose="020F0502020204030204" pitchFamily="34" charset="0"/>
+              </a:rPr>
+              <a:t>Seite 7/9</a:t>
+            </a:r>
+          </a:p>
+        </p:txBody>
+      </p:sp>
+      <p:cxnSp>
+        <p:nvCxnSpPr>
+          <p:cNvPr id="9" name="Gerade Verbindung 4"/>
+          <p:cNvCxnSpPr/>
+          <p:nvPr/>
+        </p:nvCxnSpPr>
+        <p:spPr>
+          <a:xfrm>
+            <a:off x="-5050" y="421597"/>
+            <a:ext cx="9144000" cy="0"/>
+          </a:xfrm>
+          <a:prstGeom prst="line">
+            <a:avLst/>
+          </a:prstGeom>
+          <a:ln>
+            <a:solidFill>
+              <a:schemeClr val="tx1"/>
+            </a:solidFill>
+          </a:ln>
+        </p:spPr>
+        <p:style>
+          <a:lnRef idx="1">
+            <a:schemeClr val="accent1"/>
+          </a:lnRef>
+          <a:fillRef idx="0">
+            <a:schemeClr val="accent1"/>
+          </a:fillRef>
+          <a:effectRef idx="0">
+            <a:schemeClr val="accent1"/>
+          </a:effectRef>
+          <a:fontRef idx="minor">
+            <a:schemeClr val="tx1"/>
+          </a:fontRef>
+        </p:style>
+      </p:cxnSp>
+      <p:sp>
+        <p:nvSpPr>
+          <p:cNvPr id="10" name="Textfeld 9"/>
+          <p:cNvSpPr txBox="1"/>
+          <p:nvPr/>
+        </p:nvSpPr>
+        <p:spPr>
+          <a:xfrm>
+            <a:off x="7615828" y="144598"/>
+            <a:ext cx="1265796" cy="276999"/>
+          </a:xfrm>
+          <a:prstGeom prst="rect">
+            <a:avLst/>
+          </a:prstGeom>
+          <a:noFill/>
+        </p:spPr>
+        <p:txBody>
+          <a:bodyPr wrap="none" rtlCol="0">
+            <a:spAutoFit/>
+          </a:bodyPr>
+          <a:lstStyle/>
+          <a:p>
+            <a:pPr algn="r"/>
+            <a:r>
+              <a:rPr lang="de-CH" sz="1200" dirty="0">
+                <a:latin typeface="Calibri" panose="020F0502020204030204" pitchFamily="34" charset="0"/>
+              </a:rPr>
+              <a:t>SysP18_Team_10</a:t>
+            </a:r>
+          </a:p>
+        </p:txBody>
+      </p:sp>
+      <p:sp>
+        <p:nvSpPr>
+          <p:cNvPr id="14" name="Textfeld 13"/>
+          <p:cNvSpPr txBox="1"/>
+          <p:nvPr/>
+        </p:nvSpPr>
+        <p:spPr>
+          <a:xfrm>
+            <a:off x="313904" y="1124744"/>
+            <a:ext cx="4402111" cy="523220"/>
+          </a:xfrm>
+          <a:prstGeom prst="rect">
+            <a:avLst/>
+          </a:prstGeom>
+          <a:noFill/>
+        </p:spPr>
+        <p:txBody>
+          <a:bodyPr wrap="square" rtlCol="0">
+            <a:spAutoFit/>
+          </a:bodyPr>
+          <a:lstStyle/>
+          <a:p>
+            <a:r>
+              <a:rPr lang="de-CH" sz="2800" b="1" dirty="0">
+                <a:latin typeface="+mj-lt"/>
+              </a:rPr>
+              <a:t>Kommunikation</a:t>
+            </a:r>
+          </a:p>
+        </p:txBody>
+      </p:sp>
+      <p:graphicFrame>
+        <p:nvGraphicFramePr>
+          <p:cNvPr id="20" name="Objekt 19">
+            <a:extLst>
+              <a:ext uri="{FF2B5EF4-FFF2-40B4-BE49-F238E27FC236}">
+                <a16:creationId xmlns:a16="http://schemas.microsoft.com/office/drawing/2014/main" id="{2E8A210E-A6CD-6F4E-8478-2FE99926FCF1}"/>
+              </a:ext>
+            </a:extLst>
+          </p:cNvPr>
+          <p:cNvGraphicFramePr>
+            <a:graphicFrameLocks noChangeAspect="1"/>
+          </p:cNvGraphicFramePr>
+          <p:nvPr>
+            <p:extLst>
+              <p:ext uri="{D42A27DB-BD31-4B8C-83A1-F6EECF244321}">
+                <p14:modId xmlns:p14="http://schemas.microsoft.com/office/powerpoint/2010/main" val="565167450"/>
+              </p:ext>
+            </p:extLst>
+          </p:nvPr>
+        </p:nvGraphicFramePr>
+        <p:xfrm>
+          <a:off x="162362" y="4133432"/>
+          <a:ext cx="4520918" cy="1887856"/>
+        </p:xfrm>
+        <a:graphic>
+          <a:graphicData uri="http://schemas.openxmlformats.org/presentationml/2006/ole">
+            <mc:AlternateContent xmlns:mc="http://schemas.openxmlformats.org/markup-compatibility/2006">
+              <mc:Choice xmlns:v="urn:schemas-microsoft-com:vml" Requires="v">
+                <p:oleObj spid="_x0000_s1049" name="Arbeitsblatt" r:id="rId7" imgW="2311400" imgH="965200" progId="Excel.Sheet.12">
+                  <p:embed/>
+                </p:oleObj>
+              </mc:Choice>
+              <mc:Fallback>
+                <p:oleObj name="Arbeitsblatt" r:id="rId7" imgW="2311400" imgH="965200" progId="Excel.Sheet.12">
+                  <p:embed/>
+                  <p:pic>
+                    <p:nvPicPr>
+                      <p:cNvPr id="0" name=""/>
+                      <p:cNvPicPr/>
+                      <p:nvPr/>
+                    </p:nvPicPr>
+                    <p:blipFill>
+                      <a:blip r:embed="rId8"/>
+                      <a:stretch>
+                        <a:fillRect/>
+                      </a:stretch>
+                    </p:blipFill>
+                    <p:spPr>
+                      <a:xfrm>
+                        <a:off x="162362" y="4133432"/>
+                        <a:ext cx="4520918" cy="1887856"/>
+                      </a:xfrm>
+                      <a:prstGeom prst="rect">
+                        <a:avLst/>
+                      </a:prstGeom>
+                    </p:spPr>
+                  </p:pic>
+                </p:oleObj>
+              </mc:Fallback>
+            </mc:AlternateContent>
+          </a:graphicData>
+        </a:graphic>
+      </p:graphicFrame>
+    </p:spTree>
+    <p:extLst>
+      <p:ext uri="{BB962C8B-B14F-4D97-AF65-F5344CB8AC3E}">
+        <p14:creationId xmlns:p14="http://schemas.microsoft.com/office/powerpoint/2010/main" val="167026275"/>
+      </p:ext>
+    </p:extLst>
+  </p:cSld>
+  <p:clrMapOvr>
+    <a:masterClrMapping/>
+  </p:clrMapOvr>
+  <p:timing>
+    <p:tnLst>
+      <p:par>
+        <p:cTn id="1" dur="indefinite" restart="never" nodeType="tmRoot">
+          <p:childTnLst>
+            <p:seq concurrent="1" nextAc="seek">
+              <p:cTn id="2" dur="indefinite" nodeType="mainSeq">
+                <p:childTnLst>
+                  <p:par>
+                    <p:cTn id="3" fill="hold">
+                      <p:stCondLst>
+                        <p:cond delay="indefinite"/>
+                        <p:cond evt="onBegin" delay="0">
+                          <p:tn val="2"/>
+                        </p:cond>
+                      </p:stCondLst>
+                      <p:childTnLst>
+                        <p:par>
+                          <p:cTn id="4" fill="hold">
+                            <p:stCondLst>
+                              <p:cond delay="0"/>
+                            </p:stCondLst>
+                            <p:childTnLst>
+                              <p:par>
+                                <p:cTn id="5" presetID="1" presetClass="entr" presetSubtype="0" fill="hold" nodeType="withEffect">
+                                  <p:stCondLst>
+                                    <p:cond delay="0"/>
+                                  </p:stCondLst>
+                                  <p:childTnLst>
+                                    <p:set>
+                                      <p:cBhvr>
+                                        <p:cTn id="6" dur="1" fill="hold">
+                                          <p:stCondLst>
+                                            <p:cond delay="0"/>
+                                          </p:stCondLst>
+                                        </p:cTn>
+                                        <p:tgtEl>
+                                          <p:spTgt spid="3"/>
+                                        </p:tgtEl>
+                                        <p:attrNameLst>
+                                          <p:attrName>style.visibility</p:attrName>
+                                        </p:attrNameLst>
+                                      </p:cBhvr>
+                                      <p:to>
+                                        <p:strVal val="visible"/>
+                                      </p:to>
+                                    </p:set>
+                                  </p:childTnLst>
+                                </p:cTn>
+                              </p:par>
+                            </p:childTnLst>
+                          </p:cTn>
+                        </p:par>
+                      </p:childTnLst>
+                    </p:cTn>
+                  </p:par>
+                  <p:par>
+                    <p:cTn id="7" fill="hold">
+                      <p:stCondLst>
+                        <p:cond delay="indefinite"/>
+                      </p:stCondLst>
+                      <p:childTnLst>
+                        <p:par>
+                          <p:cTn id="8" fill="hold">
+                            <p:stCondLst>
+                              <p:cond delay="0"/>
+                            </p:stCondLst>
+                            <p:childTnLst>
+                              <p:par>
+                                <p:cTn id="9" presetID="1" presetClass="entr" presetSubtype="0" fill="hold" grpId="0" nodeType="clickEffect">
+                                  <p:stCondLst>
+                                    <p:cond delay="0"/>
+                                  </p:stCondLst>
+                                  <p:childTnLst>
+                                    <p:set>
+                                      <p:cBhvr>
+                                        <p:cTn id="10" dur="1" fill="hold">
+                                          <p:stCondLst>
+                                            <p:cond delay="0"/>
+                                          </p:stCondLst>
+                                        </p:cTn>
+                                        <p:tgtEl>
+                                          <p:spTgt spid="4"/>
+                                        </p:tgtEl>
+                                        <p:attrNameLst>
+                                          <p:attrName>style.visibility</p:attrName>
+                                        </p:attrNameLst>
+                                      </p:cBhvr>
+                                      <p:to>
+                                        <p:strVal val="visible"/>
+                                      </p:to>
+                                    </p:set>
+                                  </p:childTnLst>
+                                </p:cTn>
+                              </p:par>
+                            </p:childTnLst>
+                          </p:cTn>
+                        </p:par>
+                      </p:childTnLst>
+                    </p:cTn>
+                  </p:par>
+                  <p:par>
+                    <p:cTn id="11" fill="hold">
+                      <p:stCondLst>
+                        <p:cond delay="indefinite"/>
+                      </p:stCondLst>
+                      <p:childTnLst>
+                        <p:par>
+                          <p:cTn id="12" fill="hold">
+                            <p:stCondLst>
+                              <p:cond delay="0"/>
+                            </p:stCondLst>
+                            <p:childTnLst>
+                              <p:par>
+                                <p:cTn id="13" presetID="1" presetClass="exit" presetSubtype="0" fill="hold" nodeType="clickEffect">
+                                  <p:stCondLst>
+                                    <p:cond delay="0"/>
+                                  </p:stCondLst>
+                                  <p:childTnLst>
+                                    <p:set>
+                                      <p:cBhvr>
+                                        <p:cTn id="14" dur="1" fill="hold">
+                                          <p:stCondLst>
+                                            <p:cond delay="0"/>
+                                          </p:stCondLst>
+                                        </p:cTn>
+                                        <p:tgtEl>
+                                          <p:spTgt spid="3"/>
+                                        </p:tgtEl>
+                                        <p:attrNameLst>
+                                          <p:attrName>style.visibility</p:attrName>
+                                        </p:attrNameLst>
+                                      </p:cBhvr>
+                                      <p:to>
+                                        <p:strVal val="hidden"/>
+                                      </p:to>
+                                    </p:set>
+                                  </p:childTnLst>
+                                </p:cTn>
+                              </p:par>
+                              <p:par>
+                                <p:cTn id="15" presetID="1" presetClass="exit" presetSubtype="0" fill="hold" grpId="1" nodeType="withEffect">
+                                  <p:stCondLst>
+                                    <p:cond delay="0"/>
+                                  </p:stCondLst>
+                                  <p:childTnLst>
+                                    <p:set>
+                                      <p:cBhvr>
+                                        <p:cTn id="16" dur="1" fill="hold">
+                                          <p:stCondLst>
+                                            <p:cond delay="0"/>
+                                          </p:stCondLst>
+                                        </p:cTn>
+                                        <p:tgtEl>
+                                          <p:spTgt spid="4"/>
+                                        </p:tgtEl>
+                                        <p:attrNameLst>
+                                          <p:attrName>style.visibility</p:attrName>
+                                        </p:attrNameLst>
+                                      </p:cBhvr>
+                                      <p:to>
+                                        <p:strVal val="hidden"/>
+                                      </p:to>
+                                    </p:set>
+                                  </p:childTnLst>
+                                </p:cTn>
+                              </p:par>
+                            </p:childTnLst>
+                          </p:cTn>
+                        </p:par>
+                        <p:par>
+                          <p:cTn id="17" fill="hold">
+                            <p:stCondLst>
+                              <p:cond delay="0"/>
+                            </p:stCondLst>
+                            <p:childTnLst>
+                              <p:par>
+                                <p:cTn id="18" presetID="1" presetClass="entr" presetSubtype="0" fill="hold" nodeType="afterEffect">
+                                  <p:stCondLst>
+                                    <p:cond delay="500"/>
+                                  </p:stCondLst>
+                                  <p:childTnLst>
+                                    <p:set>
+                                      <p:cBhvr>
+                                        <p:cTn id="19" dur="1" fill="hold">
+                                          <p:stCondLst>
+                                            <p:cond delay="0"/>
+                                          </p:stCondLst>
+                                        </p:cTn>
+                                        <p:tgtEl>
+                                          <p:spTgt spid="16"/>
+                                        </p:tgtEl>
+                                        <p:attrNameLst>
+                                          <p:attrName>style.visibility</p:attrName>
+                                        </p:attrNameLst>
+                                      </p:cBhvr>
+                                      <p:to>
+                                        <p:strVal val="visible"/>
+                                      </p:to>
+                                    </p:set>
+                                  </p:childTnLst>
+                                </p:cTn>
+                              </p:par>
+                            </p:childTnLst>
+                          </p:cTn>
+                        </p:par>
+                      </p:childTnLst>
+                    </p:cTn>
+                  </p:par>
+                  <p:par>
+                    <p:cTn id="20" fill="hold">
+                      <p:stCondLst>
+                        <p:cond delay="indefinite"/>
+                      </p:stCondLst>
+                      <p:childTnLst>
+                        <p:par>
+                          <p:cTn id="21" fill="hold">
+                            <p:stCondLst>
+                              <p:cond delay="0"/>
+                            </p:stCondLst>
+                            <p:childTnLst>
+                              <p:par>
+                                <p:cTn id="22" presetID="1" presetClass="entr" presetSubtype="0" fill="hold" grpId="0" nodeType="clickEffect">
+                                  <p:stCondLst>
+                                    <p:cond delay="0"/>
+                                  </p:stCondLst>
+                                  <p:childTnLst>
+                                    <p:set>
+                                      <p:cBhvr>
+                                        <p:cTn id="23" dur="1" fill="hold">
+                                          <p:stCondLst>
+                                            <p:cond delay="0"/>
+                                          </p:stCondLst>
+                                        </p:cTn>
+                                        <p:tgtEl>
+                                          <p:spTgt spid="17"/>
+                                        </p:tgtEl>
+                                        <p:attrNameLst>
+                                          <p:attrName>style.visibility</p:attrName>
+                                        </p:attrNameLst>
+                                      </p:cBhvr>
+                                      <p:to>
+                                        <p:strVal val="visible"/>
+                                      </p:to>
+                                    </p:set>
+                                  </p:childTnLst>
+                                </p:cTn>
+                              </p:par>
+                            </p:childTnLst>
+                          </p:cTn>
+                        </p:par>
+                      </p:childTnLst>
+                    </p:cTn>
+                  </p:par>
+                </p:childTnLst>
+              </p:cTn>
+              <p:prevCondLst>
+                <p:cond evt="onPrev" delay="0">
+                  <p:tgtEl>
+                    <p:sldTgt/>
+                  </p:tgtEl>
+                </p:cond>
+              </p:prevCondLst>
+              <p:nextCondLst>
+                <p:cond evt="onNext" delay="0">
+                  <p:tgtEl>
+                    <p:sldTgt/>
+                  </p:tgtEl>
+                </p:cond>
+              </p:nextCondLst>
+            </p:seq>
+          </p:childTnLst>
+        </p:cTn>
+      </p:par>
+    </p:tnLst>
+    <p:bldLst>
+      <p:bldP spid="4" grpId="0" animBg="1"/>
+      <p:bldP spid="4" grpId="1" animBg="1"/>
+      <p:bldP spid="17" grpId="0" animBg="1"/>
+    </p:bldLst>
+  </p:timing>
+</p:sld>
+</file>
+
+<file path=ppt/slides/slide9.xml><?xml version="1.0" encoding="utf-8"?>
+<p:sld xmlns:a="http://schemas.openxmlformats.org/drawingml/2006/main" xmlns:r="http://schemas.openxmlformats.org/officeDocument/2006/relationships" xmlns:p="http://schemas.openxmlformats.org/presentationml/2006/main">
+  <p:cSld>
+    <p:spTree>
+      <p:nvGrpSpPr>
+        <p:cNvPr id="1" name=""/>
+        <p:cNvGrpSpPr/>
+        <p:nvPr/>
+      </p:nvGrpSpPr>
+      <p:grpSpPr>
+        <a:xfrm>
+          <a:off x="0" y="0"/>
+          <a:ext cx="0" cy="0"/>
+          <a:chOff x="0" y="0"/>
+          <a:chExt cx="0" cy="0"/>
+        </a:xfrm>
+      </p:grpSpPr>
+      <p:pic>
+        <p:nvPicPr>
+          <p:cNvPr id="13" name="Grafik 12">
+            <a:extLst>
+              <a:ext uri="{FF2B5EF4-FFF2-40B4-BE49-F238E27FC236}">
+                <a16:creationId xmlns:a16="http://schemas.microsoft.com/office/drawing/2014/main" id="{00453448-D0BE-BC4A-91C8-50E637D2FFD5}"/>
+              </a:ext>
+            </a:extLst>
+          </p:cNvPr>
+          <p:cNvPicPr>
+            <a:picLocks noChangeAspect="1"/>
+          </p:cNvPicPr>
+          <p:nvPr/>
+        </p:nvPicPr>
+        <p:blipFill>
+          <a:blip r:embed="rId3">
+            <a:extLst>
+              <a:ext uri="{28A0092B-C50C-407E-A947-70E740481C1C}">
+                <a14:useLocalDpi xmlns:a14="http://schemas.microsoft.com/office/drawing/2010/main" val="0"/>
+              </a:ext>
+            </a:extLst>
+          </a:blip>
+          <a:stretch>
+            <a:fillRect/>
+          </a:stretch>
+        </p:blipFill>
+        <p:spPr>
+          <a:xfrm>
+            <a:off x="0" y="-3571"/>
+            <a:ext cx="1066800" cy="406400"/>
+          </a:xfrm>
+          <a:prstGeom prst="rect">
+            <a:avLst/>
+          </a:prstGeom>
+        </p:spPr>
+      </p:pic>
+      <p:cxnSp>
+        <p:nvCxnSpPr>
+          <p:cNvPr id="5" name="Gerade Verbindung 4"/>
+          <p:cNvCxnSpPr/>
+          <p:nvPr/>
+        </p:nvCxnSpPr>
+        <p:spPr>
+          <a:xfrm>
+            <a:off x="0" y="6525344"/>
+            <a:ext cx="9144000" cy="0"/>
+          </a:xfrm>
+          <a:prstGeom prst="line">
+            <a:avLst/>
+          </a:prstGeom>
+          <a:ln>
+            <a:solidFill>
+              <a:schemeClr val="tx1"/>
+            </a:solidFill>
+          </a:ln>
+        </p:spPr>
+        <p:style>
+          <a:lnRef idx="1">
+            <a:schemeClr val="accent1"/>
+          </a:lnRef>
+          <a:fillRef idx="0">
+            <a:schemeClr val="accent1"/>
+          </a:fillRef>
+          <a:effectRef idx="0">
+            <a:schemeClr val="accent1"/>
+          </a:effectRef>
+          <a:fontRef idx="minor">
+            <a:schemeClr val="tx1"/>
+          </a:fontRef>
+        </p:style>
+      </p:cxnSp>
+      <p:sp>
+        <p:nvSpPr>
+          <p:cNvPr id="6" name="Textfeld 5"/>
+          <p:cNvSpPr txBox="1"/>
+          <p:nvPr/>
+        </p:nvSpPr>
+        <p:spPr>
+          <a:xfrm>
+            <a:off x="287830" y="6542726"/>
+            <a:ext cx="1208792" cy="276999"/>
+          </a:xfrm>
+          <a:prstGeom prst="rect">
+            <a:avLst/>
+          </a:prstGeom>
+          <a:noFill/>
+        </p:spPr>
+        <p:txBody>
+          <a:bodyPr wrap="none" rtlCol="0">
+            <a:spAutoFit/>
+          </a:bodyPr>
+          <a:lstStyle/>
+          <a:p>
+            <a:r>
+              <a:rPr lang="de-CH" sz="1200" dirty="0">
+                <a:latin typeface="Calibri" panose="020F0502020204030204" pitchFamily="34" charset="0"/>
+              </a:rPr>
+              <a:t>Meilenstein_M3</a:t>
+            </a:r>
+          </a:p>
+        </p:txBody>
+      </p:sp>
+      <p:sp>
+        <p:nvSpPr>
+          <p:cNvPr id="7" name="Textfeld 6"/>
+          <p:cNvSpPr txBox="1"/>
+          <p:nvPr/>
+        </p:nvSpPr>
+        <p:spPr>
+          <a:xfrm>
+            <a:off x="7919501" y="6542725"/>
+            <a:ext cx="962123" cy="276999"/>
+          </a:xfrm>
+          <a:prstGeom prst="rect">
+            <a:avLst/>
+          </a:prstGeom>
+          <a:noFill/>
+        </p:spPr>
+        <p:txBody>
+          <a:bodyPr wrap="none" rtlCol="0">
+            <a:spAutoFit/>
+          </a:bodyPr>
+          <a:lstStyle/>
+          <a:p>
+            <a:pPr algn="r"/>
+            <a:r>
+              <a:rPr lang="de-CH" sz="1200" dirty="0">
+                <a:latin typeface="Calibri" panose="020F0502020204030204" pitchFamily="34" charset="0"/>
+              </a:rPr>
+              <a:t>8. Mai 2018</a:t>
+            </a:r>
+          </a:p>
+        </p:txBody>
+      </p:sp>
+      <p:sp>
+        <p:nvSpPr>
+          <p:cNvPr id="8" name="Textfeld 7"/>
+          <p:cNvSpPr txBox="1"/>
+          <p:nvPr/>
+        </p:nvSpPr>
+        <p:spPr>
+          <a:xfrm>
+            <a:off x="3627204" y="6542724"/>
+            <a:ext cx="1800200" cy="276999"/>
+          </a:xfrm>
+          <a:prstGeom prst="rect">
+            <a:avLst/>
+          </a:prstGeom>
+          <a:noFill/>
+        </p:spPr>
+        <p:txBody>
+          <a:bodyPr wrap="square" rtlCol="0">
+            <a:spAutoFit/>
+          </a:bodyPr>
+          <a:lstStyle/>
+          <a:p>
+            <a:pPr algn="ctr"/>
+            <a:r>
+              <a:rPr lang="de-CH" sz="1200" dirty="0">
+                <a:latin typeface="Calibri" panose="020F0502020204030204" pitchFamily="34" charset="0"/>
+              </a:rPr>
+              <a:t>Seite 8/9</a:t>
+            </a:r>
+          </a:p>
+        </p:txBody>
+      </p:sp>
+      <p:cxnSp>
+        <p:nvCxnSpPr>
+          <p:cNvPr id="9" name="Gerade Verbindung 4"/>
+          <p:cNvCxnSpPr/>
+          <p:nvPr/>
+        </p:nvCxnSpPr>
+        <p:spPr>
+          <a:xfrm>
+            <a:off x="-5050" y="421597"/>
+            <a:ext cx="9144000" cy="0"/>
+          </a:xfrm>
+          <a:prstGeom prst="line">
+            <a:avLst/>
+          </a:prstGeom>
+          <a:ln>
+            <a:solidFill>
+              <a:schemeClr val="tx1"/>
+            </a:solidFill>
+          </a:ln>
+        </p:spPr>
+        <p:style>
+          <a:lnRef idx="1">
+            <a:schemeClr val="accent1"/>
+          </a:lnRef>
+          <a:fillRef idx="0">
+            <a:schemeClr val="accent1"/>
+          </a:fillRef>
+          <a:effectRef idx="0">
+            <a:schemeClr val="accent1"/>
+          </a:effectRef>
+          <a:fontRef idx="minor">
+            <a:schemeClr val="tx1"/>
+          </a:fontRef>
+        </p:style>
+      </p:cxnSp>
+      <p:sp>
+        <p:nvSpPr>
+          <p:cNvPr id="10" name="Textfeld 9"/>
+          <p:cNvSpPr txBox="1"/>
+          <p:nvPr/>
+        </p:nvSpPr>
+        <p:spPr>
+          <a:xfrm>
+            <a:off x="7615828" y="144598"/>
+            <a:ext cx="1265796" cy="276999"/>
+          </a:xfrm>
+          <a:prstGeom prst="rect">
+            <a:avLst/>
+          </a:prstGeom>
+          <a:noFill/>
+        </p:spPr>
+        <p:txBody>
+          <a:bodyPr wrap="none" rtlCol="0">
+            <a:spAutoFit/>
+          </a:bodyPr>
+          <a:lstStyle/>
+          <a:p>
+            <a:pPr algn="r"/>
+            <a:r>
+              <a:rPr lang="de-CH" sz="1200" dirty="0">
+                <a:latin typeface="Calibri" panose="020F0502020204030204" pitchFamily="34" charset="0"/>
+              </a:rPr>
+              <a:t>SysP18_Team_10</a:t>
+            </a:r>
+          </a:p>
+        </p:txBody>
+      </p:sp>
+      <p:sp>
+        <p:nvSpPr>
+          <p:cNvPr id="14" name="Textfeld 13"/>
+          <p:cNvSpPr txBox="1"/>
+          <p:nvPr/>
+        </p:nvSpPr>
+        <p:spPr>
+          <a:xfrm>
+            <a:off x="313904" y="1124744"/>
+            <a:ext cx="4402111" cy="523220"/>
+          </a:xfrm>
+          <a:prstGeom prst="rect">
+            <a:avLst/>
+          </a:prstGeom>
+          <a:noFill/>
+        </p:spPr>
+        <p:txBody>
+          <a:bodyPr wrap="square" rtlCol="0">
+            <a:spAutoFit/>
+          </a:bodyPr>
+          <a:lstStyle/>
+          <a:p>
+            <a:r>
+              <a:rPr lang="de-CH" sz="2800" b="1" dirty="0">
+                <a:latin typeface="+mj-lt"/>
+              </a:rPr>
+              <a:t>Zeitplan</a:t>
+            </a:r>
+          </a:p>
+        </p:txBody>
+      </p:sp>
+      <p:pic>
+        <p:nvPicPr>
+          <p:cNvPr id="3" name="Grafik 2">
+            <a:extLst>
+              <a:ext uri="{FF2B5EF4-FFF2-40B4-BE49-F238E27FC236}">
+                <a16:creationId xmlns:a16="http://schemas.microsoft.com/office/drawing/2014/main" id="{E5B56555-8B45-364C-B9B6-29C313EE34CF}"/>
+              </a:ext>
+            </a:extLst>
+          </p:cNvPr>
+          <p:cNvPicPr>
+            <a:picLocks noChangeAspect="1"/>
+          </p:cNvPicPr>
+          <p:nvPr/>
+        </p:nvPicPr>
+        <p:blipFill>
+          <a:blip r:embed="rId4">
+            <a:extLst>
+              <a:ext uri="{28A0092B-C50C-407E-A947-70E740481C1C}">
+                <a14:useLocalDpi xmlns:a14="http://schemas.microsoft.com/office/drawing/2010/main" val="0"/>
+              </a:ext>
+            </a:extLst>
+          </a:blip>
+          <a:stretch>
+            <a:fillRect/>
+          </a:stretch>
+        </p:blipFill>
+        <p:spPr>
+          <a:xfrm>
+            <a:off x="0" y="1587742"/>
+            <a:ext cx="9144000" cy="1885728"/>
+          </a:xfrm>
+          <a:prstGeom prst="rect">
+            <a:avLst/>
+          </a:prstGeom>
+        </p:spPr>
+      </p:pic>
+      <p:pic>
+        <p:nvPicPr>
+          <p:cNvPr id="12" name="Grafik 11">
+            <a:extLst>
+              <a:ext uri="{FF2B5EF4-FFF2-40B4-BE49-F238E27FC236}">
+                <a16:creationId xmlns:a16="http://schemas.microsoft.com/office/drawing/2014/main" id="{08FB6A6E-4A5A-D948-8F01-34E4C191AE39}"/>
+              </a:ext>
+            </a:extLst>
+          </p:cNvPr>
+          <p:cNvPicPr>
+            <a:picLocks noChangeAspect="1"/>
+          </p:cNvPicPr>
+          <p:nvPr/>
+        </p:nvPicPr>
+        <p:blipFill>
+          <a:blip r:embed="rId5">
+            <a:extLst>
+              <a:ext uri="{28A0092B-C50C-407E-A947-70E740481C1C}">
+                <a14:useLocalDpi xmlns:a14="http://schemas.microsoft.com/office/drawing/2010/main" val="0"/>
+              </a:ext>
+            </a:extLst>
+          </a:blip>
+          <a:stretch>
+            <a:fillRect/>
+          </a:stretch>
+        </p:blipFill>
+        <p:spPr>
+          <a:xfrm>
+            <a:off x="0" y="3645024"/>
+            <a:ext cx="9144000" cy="1639860"/>
+          </a:xfrm>
+          <a:prstGeom prst="rect">
+            <a:avLst/>
+          </a:prstGeom>
+        </p:spPr>
+      </p:pic>
+    </p:spTree>
+    <p:extLst>
+      <p:ext uri="{BB962C8B-B14F-4D97-AF65-F5344CB8AC3E}">
+        <p14:creationId xmlns:p14="http://schemas.microsoft.com/office/powerpoint/2010/main" val="2757384204"/>
+      </p:ext>
+    </p:extLst>
+  </p:cSld>
+  <p:clrMapOvr>
+    <a:masterClrMapping/>
+  </p:clrMapOvr>
+  <p:timing>
+    <p:tnLst>
+      <p:par>
+        <p:cTn id="1" dur="indefinite" restart="never" nodeType="tmRoot">
+          <p:childTnLst>
+            <p:seq concurrent="1" nextAc="seek">
+              <p:cTn id="2" dur="indefinite" nodeType="mainSeq">
+                <p:childTnLst>
+                  <p:par>
+                    <p:cTn id="3" fill="hold">
+                      <p:stCondLst>
+                        <p:cond delay="indefinite"/>
+                      </p:stCondLst>
+                      <p:childTnLst>
+                        <p:par>
+                          <p:cTn id="4" fill="hold">
+                            <p:stCondLst>
+                              <p:cond delay="0"/>
+                            </p:stCondLst>
+                            <p:childTnLst>
+                              <p:par>
+                                <p:cTn id="5" presetID="1" presetClass="entr" presetSubtype="0" fill="hold" nodeType="clickEffect">
+                                  <p:stCondLst>
+                                    <p:cond delay="0"/>
+                                  </p:stCondLst>
+                                  <p:childTnLst>
+                                    <p:set>
+                                      <p:cBhvr>
+                                        <p:cTn id="6" dur="1" fill="hold">
+                                          <p:stCondLst>
+                                            <p:cond delay="0"/>
+                                          </p:stCondLst>
+                                        </p:cTn>
+                                        <p:tgtEl>
+                                          <p:spTgt spid="12"/>
+                                        </p:tgtEl>
+                                        <p:attrNameLst>
+                                          <p:attrName>style.visibility</p:attrName>
+                                        </p:attrNameLst>
+                                      </p:cBhvr>
+                                      <p:to>
+                                        <p:strVal val="visible"/>
+                                      </p:to>
+                                    </p:set>
+                                  </p:childTnLst>
+                                </p:cTn>
+                              </p:par>
+                            </p:childTnLst>
+                          </p:cTn>
+                        </p:par>
+                      </p:childTnLst>
+                    </p:cTn>
+                  </p:par>
+                </p:childTnLst>
+              </p:cTn>
+              <p:prevCondLst>
+                <p:cond evt="onPrev" delay="0">
+                  <p:tgtEl>
+                    <p:sldTgt/>
+                  </p:tgtEl>
+                </p:cond>
+              </p:prevCondLst>
+              <p:nextCondLst>
+                <p:cond evt="onNext" delay="0">
+                  <p:tgtEl>
+                    <p:sldTgt/>
+                  </p:tgtEl>
+                </p:cond>
+              </p:nextCondLst>
+            </p:seq>
+          </p:childTnLst>
+        </p:cTn>
+      </p:par>
+    </p:tnLst>
+  </p:timing>
 </p:sld>
 </file>
 

--- a/01_Organisation/02_Meilensteine/m3/Praesentation_m3.pptx
+++ b/01_Organisation/02_Meilensteine/m3/Praesentation_m3.pptx
@@ -4909,14 +4909,11 @@
               <a:buChar char="•"/>
             </a:pPr>
             <a:r>
-              <a:rPr lang="de-CH" sz="2400">
+              <a:rPr lang="de-CH" sz="2400" dirty="0">
                 <a:latin typeface="Calibri" panose="020F0502020204030204" pitchFamily="34" charset="0"/>
               </a:rPr>
               <a:t>Demonstration</a:t>
             </a:r>
-            <a:endParaRPr lang="de-CH" sz="2400" dirty="0">
-              <a:latin typeface="Calibri" panose="020F0502020204030204" pitchFamily="34" charset="0"/>
-            </a:endParaRPr>
           </a:p>
           <a:p>
             <a:pPr marL="342900" indent="-342900">
@@ -9680,7 +9677,7 @@
           <a:graphicData uri="http://schemas.openxmlformats.org/presentationml/2006/ole">
             <mc:AlternateContent xmlns:mc="http://schemas.openxmlformats.org/markup-compatibility/2006">
               <mc:Choice xmlns:v="urn:schemas-microsoft-com:vml" Requires="v">
-                <p:oleObj spid="_x0000_s1049" name="Arbeitsblatt" r:id="rId7" imgW="2311400" imgH="965200" progId="Excel.Sheet.12">
+                <p:oleObj spid="_x0000_s1050" name="Arbeitsblatt" r:id="rId7" imgW="2311400" imgH="965200" progId="Excel.Sheet.12">
                   <p:embed/>
                 </p:oleObj>
               </mc:Choice>

--- a/01_Organisation/02_Meilensteine/m3/Praesentation_m3.pptx
+++ b/01_Organisation/02_Meilensteine/m3/Praesentation_m3.pptx
@@ -14,9 +14,9 @@
     <p:sldId id="323" r:id="rId5"/>
     <p:sldId id="317" r:id="rId6"/>
     <p:sldId id="318" r:id="rId7"/>
-    <p:sldId id="321" r:id="rId8"/>
-    <p:sldId id="319" r:id="rId9"/>
-    <p:sldId id="320" r:id="rId10"/>
+    <p:sldId id="319" r:id="rId8"/>
+    <p:sldId id="320" r:id="rId9"/>
+    <p:sldId id="321" r:id="rId10"/>
     <p:sldId id="316" r:id="rId11"/>
   </p:sldIdLst>
   <p:sldSz cx="9144000" cy="6858000" type="screen4x3"/>
@@ -217,7 +217,7 @@
           <a:p>
             <a:fld id="{056AEFA0-306F-4413-9CBC-3BA55C168B73}" type="datetimeFigureOut">
               <a:rPr lang="de-CH" smtClean="0"/>
-              <a:t>08.05.18</a:t>
+              <a:t>08.05.2018</a:t>
             </a:fld>
             <a:endParaRPr lang="de-CH"/>
           </a:p>
@@ -970,7 +970,7 @@
           <a:p>
             <a:fld id="{7DE258FE-F2E5-45B1-B077-BAB345233DBE}" type="slidenum">
               <a:rPr lang="de-CH" smtClean="0"/>
-              <a:t>8</a:t>
+              <a:t>7</a:t>
             </a:fld>
             <a:endParaRPr lang="de-CH"/>
           </a:p>
@@ -1054,7 +1054,7 @@
           <a:p>
             <a:fld id="{7DE258FE-F2E5-45B1-B077-BAB345233DBE}" type="slidenum">
               <a:rPr lang="de-CH" smtClean="0"/>
-              <a:t>9</a:t>
+              <a:t>8</a:t>
             </a:fld>
             <a:endParaRPr lang="de-CH"/>
           </a:p>
@@ -1204,7 +1204,7 @@
           <a:p>
             <a:fld id="{20FD5246-4265-435A-B901-A38BFD400D8A}" type="datetimeFigureOut">
               <a:rPr lang="de-CH" smtClean="0"/>
-              <a:t>08.05.18</a:t>
+              <a:t>08.05.2018</a:t>
             </a:fld>
             <a:endParaRPr lang="de-CH"/>
           </a:p>
@@ -1374,7 +1374,7 @@
           <a:p>
             <a:fld id="{20FD5246-4265-435A-B901-A38BFD400D8A}" type="datetimeFigureOut">
               <a:rPr lang="de-CH" smtClean="0"/>
-              <a:t>08.05.18</a:t>
+              <a:t>08.05.2018</a:t>
             </a:fld>
             <a:endParaRPr lang="de-CH"/>
           </a:p>
@@ -1554,7 +1554,7 @@
           <a:p>
             <a:fld id="{20FD5246-4265-435A-B901-A38BFD400D8A}" type="datetimeFigureOut">
               <a:rPr lang="de-CH" smtClean="0"/>
-              <a:t>08.05.18</a:t>
+              <a:t>08.05.2018</a:t>
             </a:fld>
             <a:endParaRPr lang="de-CH"/>
           </a:p>
@@ -1724,7 +1724,7 @@
           <a:p>
             <a:fld id="{20FD5246-4265-435A-B901-A38BFD400D8A}" type="datetimeFigureOut">
               <a:rPr lang="de-CH" smtClean="0"/>
-              <a:t>08.05.18</a:t>
+              <a:t>08.05.2018</a:t>
             </a:fld>
             <a:endParaRPr lang="de-CH"/>
           </a:p>
@@ -1968,7 +1968,7 @@
           <a:p>
             <a:fld id="{20FD5246-4265-435A-B901-A38BFD400D8A}" type="datetimeFigureOut">
               <a:rPr lang="de-CH" smtClean="0"/>
-              <a:t>08.05.18</a:t>
+              <a:t>08.05.2018</a:t>
             </a:fld>
             <a:endParaRPr lang="de-CH"/>
           </a:p>
@@ -2200,7 +2200,7 @@
           <a:p>
             <a:fld id="{20FD5246-4265-435A-B901-A38BFD400D8A}" type="datetimeFigureOut">
               <a:rPr lang="de-CH" smtClean="0"/>
-              <a:t>08.05.18</a:t>
+              <a:t>08.05.2018</a:t>
             </a:fld>
             <a:endParaRPr lang="de-CH"/>
           </a:p>
@@ -2567,7 +2567,7 @@
           <a:p>
             <a:fld id="{20FD5246-4265-435A-B901-A38BFD400D8A}" type="datetimeFigureOut">
               <a:rPr lang="de-CH" smtClean="0"/>
-              <a:t>08.05.18</a:t>
+              <a:t>08.05.2018</a:t>
             </a:fld>
             <a:endParaRPr lang="de-CH"/>
           </a:p>
@@ -2685,7 +2685,7 @@
           <a:p>
             <a:fld id="{20FD5246-4265-435A-B901-A38BFD400D8A}" type="datetimeFigureOut">
               <a:rPr lang="de-CH" smtClean="0"/>
-              <a:t>08.05.18</a:t>
+              <a:t>08.05.2018</a:t>
             </a:fld>
             <a:endParaRPr lang="de-CH"/>
           </a:p>
@@ -2780,7 +2780,7 @@
           <a:p>
             <a:fld id="{20FD5246-4265-435A-B901-A38BFD400D8A}" type="datetimeFigureOut">
               <a:rPr lang="de-CH" smtClean="0"/>
-              <a:t>08.05.18</a:t>
+              <a:t>08.05.2018</a:t>
             </a:fld>
             <a:endParaRPr lang="de-CH"/>
           </a:p>
@@ -3057,7 +3057,7 @@
           <a:p>
             <a:fld id="{20FD5246-4265-435A-B901-A38BFD400D8A}" type="datetimeFigureOut">
               <a:rPr lang="de-CH" smtClean="0"/>
-              <a:t>08.05.18</a:t>
+              <a:t>08.05.2018</a:t>
             </a:fld>
             <a:endParaRPr lang="de-CH"/>
           </a:p>
@@ -3314,7 +3314,7 @@
           <a:p>
             <a:fld id="{20FD5246-4265-435A-B901-A38BFD400D8A}" type="datetimeFigureOut">
               <a:rPr lang="de-CH" smtClean="0"/>
-              <a:t>08.05.18</a:t>
+              <a:t>08.05.2018</a:t>
             </a:fld>
             <a:endParaRPr lang="de-CH"/>
           </a:p>
@@ -3527,7 +3527,7 @@
           <a:p>
             <a:fld id="{20FD5246-4265-435A-B901-A38BFD400D8A}" type="datetimeFigureOut">
               <a:rPr lang="de-CH" smtClean="0"/>
-              <a:t>08.05.18</a:t>
+              <a:t>08.05.2018</a:t>
             </a:fld>
             <a:endParaRPr lang="de-CH"/>
           </a:p>
@@ -4226,6 +4226,13 @@
   <p:clrMapOvr>
     <a:masterClrMapping/>
   </p:clrMapOvr>
+  <p:timing>
+    <p:tnLst>
+      <p:par>
+        <p:cTn id="1" dur="indefinite" restart="never" nodeType="tmRoot"/>
+      </p:par>
+    </p:tnLst>
+  </p:timing>
 </p:sld>
 </file>
 
@@ -4535,6 +4542,13 @@
   <p:clrMapOvr>
     <a:masterClrMapping/>
   </p:clrMapOvr>
+  <p:timing>
+    <p:tnLst>
+      <p:par>
+        <p:cTn id="1" dur="indefinite" restart="never" nodeType="tmRoot"/>
+      </p:par>
+    </p:tnLst>
+  </p:timing>
 </p:sld>
 </file>
 
@@ -4894,7 +4908,7 @@
               <a:buChar char="-"/>
             </a:pPr>
             <a:r>
-              <a:rPr lang="de-CH" sz="2400" dirty="0">
+              <a:rPr lang="de-CH" sz="2400" dirty="0" smtClean="0">
                 <a:latin typeface="Calibri" panose="020F0502020204030204" pitchFamily="34" charset="0"/>
               </a:rPr>
               <a:t>Informatik</a:t>
@@ -4909,10 +4923,16 @@
               <a:buChar char="•"/>
             </a:pPr>
             <a:r>
+              <a:rPr lang="de-CH" sz="2400" dirty="0" smtClean="0">
+                <a:latin typeface="Calibri" panose="020F0502020204030204" pitchFamily="34" charset="0"/>
+              </a:rPr>
+              <a:t>Kommunikationskonzept </a:t>
+            </a:r>
+            <a:r>
               <a:rPr lang="de-CH" sz="2400" dirty="0">
                 <a:latin typeface="Calibri" panose="020F0502020204030204" pitchFamily="34" charset="0"/>
               </a:rPr>
-              <a:t>Demonstration</a:t>
+              <a:t>mit Partnerteam</a:t>
             </a:r>
           </a:p>
           <a:p>
@@ -4924,10 +4944,10 @@
               <a:buChar char="•"/>
             </a:pPr>
             <a:r>
-              <a:rPr lang="de-CH" sz="2400" dirty="0">
+              <a:rPr lang="de-CH" sz="2400" dirty="0" smtClean="0">
                 <a:latin typeface="Calibri" panose="020F0502020204030204" pitchFamily="34" charset="0"/>
               </a:rPr>
-              <a:t>Kommunikationskonzept mit Partnerteam</a:t>
+              <a:t>Zeitplan</a:t>
             </a:r>
           </a:p>
           <a:p>
@@ -4939,11 +4959,14 @@
               <a:buChar char="•"/>
             </a:pPr>
             <a:r>
-              <a:rPr lang="de-CH" sz="2400" dirty="0">
+              <a:rPr lang="de-CH" sz="2400" dirty="0" smtClean="0">
                 <a:latin typeface="Calibri" panose="020F0502020204030204" pitchFamily="34" charset="0"/>
               </a:rPr>
-              <a:t>Zeitplan</a:t>
-            </a:r>
+              <a:t>Demonstration</a:t>
+            </a:r>
+            <a:endParaRPr lang="de-CH" sz="2400" dirty="0">
+              <a:latin typeface="Calibri" panose="020F0502020204030204" pitchFamily="34" charset="0"/>
+            </a:endParaRPr>
           </a:p>
           <a:p>
             <a:pPr marL="342900" indent="-342900">
@@ -5387,7 +5410,7 @@
           <p:nvPr/>
         </p:nvPicPr>
         <p:blipFill>
-          <a:blip r:embed="rId3">
+          <a:blip r:embed="rId3" cstate="print">
             <a:extLst>
               <a:ext uri="{28A0092B-C50C-407E-A947-70E740481C1C}">
                 <a14:useLocalDpi xmlns:a14="http://schemas.microsoft.com/office/drawing/2010/main" val="0"/>
@@ -5423,7 +5446,7 @@
           <p:nvPr/>
         </p:nvPicPr>
         <p:blipFill>
-          <a:blip r:embed="rId4">
+          <a:blip r:embed="rId4" cstate="print">
             <a:extLst>
               <a:ext uri="{28A0092B-C50C-407E-A947-70E740481C1C}">
                 <a14:useLocalDpi xmlns:a14="http://schemas.microsoft.com/office/drawing/2010/main" val="0"/>
@@ -5909,6 +5932,13 @@
   <p:clrMapOvr>
     <a:masterClrMapping/>
   </p:clrMapOvr>
+  <p:timing>
+    <p:tnLst>
+      <p:par>
+        <p:cTn id="1" dur="indefinite" restart="never" nodeType="tmRoot"/>
+      </p:par>
+    </p:tnLst>
+  </p:timing>
 </p:sld>
 </file>
 
@@ -6162,14 +6192,11 @@
               <a:buChar char="o"/>
             </a:pPr>
             <a:r>
-              <a:rPr lang="de-CH" sz="2400" dirty="0" err="1">
+              <a:rPr lang="de-CH" sz="2400" dirty="0">
                 <a:latin typeface="Calibri" panose="020F0502020204030204" pitchFamily="34" charset="0"/>
               </a:rPr>
               <a:t>Abmasse</a:t>
             </a:r>
-            <a:endParaRPr lang="de-CH" sz="2400" dirty="0">
-              <a:latin typeface="Calibri" panose="020F0502020204030204" pitchFamily="34" charset="0"/>
-            </a:endParaRPr>
           </a:p>
           <a:p>
             <a:pPr marL="342900" indent="-342900">
@@ -8484,7 +8511,7 @@
           <p:nvPr/>
         </p:nvPicPr>
         <p:blipFill>
-          <a:blip r:embed="rId4">
+          <a:blip r:embed="rId4" cstate="print">
             <a:extLst>
               <a:ext uri="{28A0092B-C50C-407E-A947-70E740481C1C}">
                 <a14:useLocalDpi xmlns:a14="http://schemas.microsoft.com/office/drawing/2010/main" val="0"/>
@@ -8497,7 +8524,7 @@
         </p:blipFill>
         <p:spPr>
           <a:xfrm>
-            <a:off x="2460803" y="3054690"/>
+            <a:off x="287830" y="3068960"/>
             <a:ext cx="5908065" cy="3323287"/>
           </a:xfrm>
           <a:prstGeom prst="rect">
@@ -8553,14 +8580,17 @@
               <a:rPr lang="de-CH" sz="2400" dirty="0">
                 <a:latin typeface="Calibri" panose="020F0502020204030204" pitchFamily="34" charset="0"/>
               </a:rPr>
-              <a:t>Noch keine Möglichkeit um gesamtes Programm zu testen</a:t>
-            </a:r>
-          </a:p>
-          <a:p>
-            <a:pPr marL="800100" lvl="1" indent="-342900">
-              <a:buFont typeface="Courier New" panose="02070309020205020404" pitchFamily="49" charset="0"/>
-              <a:buChar char="o"/>
-            </a:pPr>
+              <a:t>Noch keine Möglichkeit um gesamtes Programm zu </a:t>
+            </a:r>
+            <a:r>
+              <a:rPr lang="de-CH" sz="2400" dirty="0" smtClean="0">
+                <a:latin typeface="Calibri" panose="020F0502020204030204" pitchFamily="34" charset="0"/>
+              </a:rPr>
+              <a:t>testen</a:t>
+            </a:r>
+          </a:p>
+          <a:p>
+            <a:pPr lvl="1"/>
             <a:endParaRPr lang="de-CH" sz="2400" dirty="0">
               <a:latin typeface="Calibri" panose="020F0502020204030204" pitchFamily="34" charset="0"/>
             </a:endParaRPr>
@@ -8813,315 +8843,6 @@
       </p:grpSpPr>
       <p:pic>
         <p:nvPicPr>
-          <p:cNvPr id="13" name="Grafik 12">
-            <a:extLst>
-              <a:ext uri="{FF2B5EF4-FFF2-40B4-BE49-F238E27FC236}">
-                <a16:creationId xmlns:a16="http://schemas.microsoft.com/office/drawing/2014/main" id="{CF94173E-04A5-6E4D-B991-28FFD5079933}"/>
-              </a:ext>
-            </a:extLst>
-          </p:cNvPr>
-          <p:cNvPicPr>
-            <a:picLocks noChangeAspect="1"/>
-          </p:cNvPicPr>
-          <p:nvPr/>
-        </p:nvPicPr>
-        <p:blipFill>
-          <a:blip r:embed="rId2">
-            <a:extLst>
-              <a:ext uri="{28A0092B-C50C-407E-A947-70E740481C1C}">
-                <a14:useLocalDpi xmlns:a14="http://schemas.microsoft.com/office/drawing/2010/main" val="0"/>
-              </a:ext>
-            </a:extLst>
-          </a:blip>
-          <a:stretch>
-            <a:fillRect/>
-          </a:stretch>
-        </p:blipFill>
-        <p:spPr>
-          <a:xfrm>
-            <a:off x="0" y="-3571"/>
-            <a:ext cx="1066800" cy="406400"/>
-          </a:xfrm>
-          <a:prstGeom prst="rect">
-            <a:avLst/>
-          </a:prstGeom>
-        </p:spPr>
-      </p:pic>
-      <p:sp>
-        <p:nvSpPr>
-          <p:cNvPr id="2" name="Titel 1"/>
-          <p:cNvSpPr>
-            <a:spLocks noGrp="1"/>
-          </p:cNvSpPr>
-          <p:nvPr>
-            <p:ph type="ctrTitle"/>
-          </p:nvPr>
-        </p:nvSpPr>
-        <p:spPr>
-          <a:xfrm>
-            <a:off x="-29425" y="2060848"/>
-            <a:ext cx="9144000" cy="1139552"/>
-          </a:xfrm>
-        </p:spPr>
-        <p:txBody>
-          <a:bodyPr>
-            <a:normAutofit/>
-          </a:bodyPr>
-          <a:lstStyle/>
-          <a:p>
-            <a:r>
-              <a:rPr lang="de-CH" sz="6600" b="1" dirty="0"/>
-              <a:t>Demonstration</a:t>
-            </a:r>
-            <a:endParaRPr lang="de-CH" sz="6600" b="1" dirty="0">
-              <a:solidFill>
-                <a:schemeClr val="tx1"/>
-              </a:solidFill>
-            </a:endParaRPr>
-          </a:p>
-        </p:txBody>
-      </p:sp>
-      <p:cxnSp>
-        <p:nvCxnSpPr>
-          <p:cNvPr id="5" name="Gerade Verbindung 4"/>
-          <p:cNvCxnSpPr/>
-          <p:nvPr/>
-        </p:nvCxnSpPr>
-        <p:spPr>
-          <a:xfrm>
-            <a:off x="0" y="6525344"/>
-            <a:ext cx="9144000" cy="0"/>
-          </a:xfrm>
-          <a:prstGeom prst="line">
-            <a:avLst/>
-          </a:prstGeom>
-          <a:ln>
-            <a:solidFill>
-              <a:schemeClr val="tx1"/>
-            </a:solidFill>
-          </a:ln>
-        </p:spPr>
-        <p:style>
-          <a:lnRef idx="1">
-            <a:schemeClr val="accent1"/>
-          </a:lnRef>
-          <a:fillRef idx="0">
-            <a:schemeClr val="accent1"/>
-          </a:fillRef>
-          <a:effectRef idx="0">
-            <a:schemeClr val="accent1"/>
-          </a:effectRef>
-          <a:fontRef idx="minor">
-            <a:schemeClr val="tx1"/>
-          </a:fontRef>
-        </p:style>
-      </p:cxnSp>
-      <p:sp>
-        <p:nvSpPr>
-          <p:cNvPr id="6" name="Textfeld 5"/>
-          <p:cNvSpPr txBox="1"/>
-          <p:nvPr/>
-        </p:nvSpPr>
-        <p:spPr>
-          <a:xfrm>
-            <a:off x="287830" y="6542726"/>
-            <a:ext cx="1208792" cy="276999"/>
-          </a:xfrm>
-          <a:prstGeom prst="rect">
-            <a:avLst/>
-          </a:prstGeom>
-          <a:noFill/>
-        </p:spPr>
-        <p:txBody>
-          <a:bodyPr wrap="none" rtlCol="0">
-            <a:spAutoFit/>
-          </a:bodyPr>
-          <a:lstStyle/>
-          <a:p>
-            <a:r>
-              <a:rPr lang="de-CH" sz="1200" dirty="0">
-                <a:latin typeface="Calibri" panose="020F0502020204030204" pitchFamily="34" charset="0"/>
-              </a:rPr>
-              <a:t>Meilenstein_M3</a:t>
-            </a:r>
-          </a:p>
-        </p:txBody>
-      </p:sp>
-      <p:sp>
-        <p:nvSpPr>
-          <p:cNvPr id="7" name="Textfeld 6"/>
-          <p:cNvSpPr txBox="1"/>
-          <p:nvPr/>
-        </p:nvSpPr>
-        <p:spPr>
-          <a:xfrm>
-            <a:off x="7954767" y="6542725"/>
-            <a:ext cx="926857" cy="276999"/>
-          </a:xfrm>
-          <a:prstGeom prst="rect">
-            <a:avLst/>
-          </a:prstGeom>
-          <a:noFill/>
-        </p:spPr>
-        <p:txBody>
-          <a:bodyPr wrap="none" rtlCol="0">
-            <a:spAutoFit/>
-          </a:bodyPr>
-          <a:lstStyle/>
-          <a:p>
-            <a:pPr algn="r"/>
-            <a:r>
-              <a:rPr lang="de-CH" sz="1200" dirty="0">
-                <a:latin typeface="Calibri" panose="020F0502020204030204" pitchFamily="34" charset="0"/>
-              </a:rPr>
-              <a:t>8. Mai 2018</a:t>
-            </a:r>
-          </a:p>
-        </p:txBody>
-      </p:sp>
-      <p:cxnSp>
-        <p:nvCxnSpPr>
-          <p:cNvPr id="9" name="Gerade Verbindung 4"/>
-          <p:cNvCxnSpPr/>
-          <p:nvPr/>
-        </p:nvCxnSpPr>
-        <p:spPr>
-          <a:xfrm>
-            <a:off x="-5050" y="421597"/>
-            <a:ext cx="9144000" cy="0"/>
-          </a:xfrm>
-          <a:prstGeom prst="line">
-            <a:avLst/>
-          </a:prstGeom>
-          <a:ln>
-            <a:solidFill>
-              <a:schemeClr val="tx1"/>
-            </a:solidFill>
-          </a:ln>
-        </p:spPr>
-        <p:style>
-          <a:lnRef idx="1">
-            <a:schemeClr val="accent1"/>
-          </a:lnRef>
-          <a:fillRef idx="0">
-            <a:schemeClr val="accent1"/>
-          </a:fillRef>
-          <a:effectRef idx="0">
-            <a:schemeClr val="accent1"/>
-          </a:effectRef>
-          <a:fontRef idx="minor">
-            <a:schemeClr val="tx1"/>
-          </a:fontRef>
-        </p:style>
-      </p:cxnSp>
-      <p:sp>
-        <p:nvSpPr>
-          <p:cNvPr id="10" name="Textfeld 9"/>
-          <p:cNvSpPr txBox="1"/>
-          <p:nvPr/>
-        </p:nvSpPr>
-        <p:spPr>
-          <a:xfrm>
-            <a:off x="7615828" y="144598"/>
-            <a:ext cx="1265796" cy="276999"/>
-          </a:xfrm>
-          <a:prstGeom prst="rect">
-            <a:avLst/>
-          </a:prstGeom>
-          <a:noFill/>
-        </p:spPr>
-        <p:txBody>
-          <a:bodyPr wrap="none" rtlCol="0">
-            <a:spAutoFit/>
-          </a:bodyPr>
-          <a:lstStyle/>
-          <a:p>
-            <a:pPr algn="r"/>
-            <a:r>
-              <a:rPr lang="de-CH" sz="1200">
-                <a:latin typeface="Calibri" panose="020F0502020204030204" pitchFamily="34" charset="0"/>
-              </a:rPr>
-              <a:t>SysP18_</a:t>
-            </a:r>
-            <a:r>
-              <a:rPr lang="de-CH" sz="1200" dirty="0">
-                <a:latin typeface="Calibri" panose="020F0502020204030204" pitchFamily="34" charset="0"/>
-              </a:rPr>
-              <a:t>Team_10</a:t>
-            </a:r>
-          </a:p>
-        </p:txBody>
-      </p:sp>
-      <p:sp>
-        <p:nvSpPr>
-          <p:cNvPr id="12" name="Textfeld 11">
-            <a:extLst>
-              <a:ext uri="{FF2B5EF4-FFF2-40B4-BE49-F238E27FC236}">
-                <a16:creationId xmlns:a16="http://schemas.microsoft.com/office/drawing/2014/main" id="{7AD42DF3-8805-DA44-9170-790CB01E3083}"/>
-              </a:ext>
-            </a:extLst>
-          </p:cNvPr>
-          <p:cNvSpPr txBox="1"/>
-          <p:nvPr/>
-        </p:nvSpPr>
-        <p:spPr>
-          <a:xfrm>
-            <a:off x="3627204" y="6542724"/>
-            <a:ext cx="1800200" cy="276999"/>
-          </a:xfrm>
-          <a:prstGeom prst="rect">
-            <a:avLst/>
-          </a:prstGeom>
-          <a:noFill/>
-        </p:spPr>
-        <p:txBody>
-          <a:bodyPr wrap="square" rtlCol="0">
-            <a:spAutoFit/>
-          </a:bodyPr>
-          <a:lstStyle/>
-          <a:p>
-            <a:pPr algn="ctr"/>
-            <a:r>
-              <a:rPr lang="de-CH" sz="1200" dirty="0">
-                <a:latin typeface="Calibri" panose="020F0502020204030204" pitchFamily="34" charset="0"/>
-              </a:rPr>
-              <a:t>Seite 6/9</a:t>
-            </a:r>
-          </a:p>
-        </p:txBody>
-      </p:sp>
-    </p:spTree>
-    <p:extLst>
-      <p:ext uri="{BB962C8B-B14F-4D97-AF65-F5344CB8AC3E}">
-        <p14:creationId xmlns:p14="http://schemas.microsoft.com/office/powerpoint/2010/main" val="153424754"/>
-      </p:ext>
-    </p:extLst>
-  </p:cSld>
-  <p:clrMapOvr>
-    <a:masterClrMapping/>
-  </p:clrMapOvr>
-</p:sld>
-</file>
-
-<file path=ppt/slides/slide8.xml><?xml version="1.0" encoding="utf-8"?>
-<p:sld xmlns:a="http://schemas.openxmlformats.org/drawingml/2006/main" xmlns:r="http://schemas.openxmlformats.org/officeDocument/2006/relationships" xmlns:p="http://schemas.openxmlformats.org/presentationml/2006/main">
-  <p:cSld>
-    <p:spTree>
-      <p:nvGrpSpPr>
-        <p:cNvPr id="1" name=""/>
-        <p:cNvGrpSpPr/>
-        <p:nvPr/>
-      </p:nvGrpSpPr>
-      <p:grpSpPr>
-        <a:xfrm>
-          <a:off x="0" y="0"/>
-          <a:ext cx="0" cy="0"/>
-          <a:chOff x="0" y="0"/>
-          <a:chExt cx="0" cy="0"/>
-        </a:xfrm>
-      </p:grpSpPr>
-      <p:pic>
-        <p:nvPicPr>
           <p:cNvPr id="3" name="Grafik 2">
             <a:extLst>
               <a:ext uri="{FF2B5EF4-FFF2-40B4-BE49-F238E27FC236}">
@@ -9677,7 +9398,7 @@
           <a:graphicData uri="http://schemas.openxmlformats.org/presentationml/2006/ole">
             <mc:AlternateContent xmlns:mc="http://schemas.openxmlformats.org/markup-compatibility/2006">
               <mc:Choice xmlns:v="urn:schemas-microsoft-com:vml" Requires="v">
-                <p:oleObj spid="_x0000_s1050" name="Arbeitsblatt" r:id="rId7" imgW="2311400" imgH="965200" progId="Excel.Sheet.12">
+                <p:oleObj spid="_x0000_s1053" name="Arbeitsblatt" r:id="rId7" imgW="2311400" imgH="965200" progId="Excel.Sheet.12">
                   <p:embed/>
                 </p:oleObj>
               </mc:Choice>
@@ -10006,7 +9727,7 @@
 </p:sld>
 </file>
 
-<file path=ppt/slides/slide9.xml><?xml version="1.0" encoding="utf-8"?>
+<file path=ppt/slides/slide8.xml><?xml version="1.0" encoding="utf-8"?>
 <p:sld xmlns:a="http://schemas.openxmlformats.org/drawingml/2006/main" xmlns:r="http://schemas.openxmlformats.org/officeDocument/2006/relationships" xmlns:p="http://schemas.openxmlformats.org/presentationml/2006/main">
   <p:cSld>
     <p:spTree>
@@ -10441,6 +10162,322 @@
             </p:seq>
           </p:childTnLst>
         </p:cTn>
+      </p:par>
+    </p:tnLst>
+  </p:timing>
+</p:sld>
+</file>
+
+<file path=ppt/slides/slide9.xml><?xml version="1.0" encoding="utf-8"?>
+<p:sld xmlns:a="http://schemas.openxmlformats.org/drawingml/2006/main" xmlns:r="http://schemas.openxmlformats.org/officeDocument/2006/relationships" xmlns:p="http://schemas.openxmlformats.org/presentationml/2006/main">
+  <p:cSld>
+    <p:spTree>
+      <p:nvGrpSpPr>
+        <p:cNvPr id="1" name=""/>
+        <p:cNvGrpSpPr/>
+        <p:nvPr/>
+      </p:nvGrpSpPr>
+      <p:grpSpPr>
+        <a:xfrm>
+          <a:off x="0" y="0"/>
+          <a:ext cx="0" cy="0"/>
+          <a:chOff x="0" y="0"/>
+          <a:chExt cx="0" cy="0"/>
+        </a:xfrm>
+      </p:grpSpPr>
+      <p:pic>
+        <p:nvPicPr>
+          <p:cNvPr id="13" name="Grafik 12">
+            <a:extLst>
+              <a:ext uri="{FF2B5EF4-FFF2-40B4-BE49-F238E27FC236}">
+                <a16:creationId xmlns:a16="http://schemas.microsoft.com/office/drawing/2014/main" id="{CF94173E-04A5-6E4D-B991-28FFD5079933}"/>
+              </a:ext>
+            </a:extLst>
+          </p:cNvPr>
+          <p:cNvPicPr>
+            <a:picLocks noChangeAspect="1"/>
+          </p:cNvPicPr>
+          <p:nvPr/>
+        </p:nvPicPr>
+        <p:blipFill>
+          <a:blip r:embed="rId2">
+            <a:extLst>
+              <a:ext uri="{28A0092B-C50C-407E-A947-70E740481C1C}">
+                <a14:useLocalDpi xmlns:a14="http://schemas.microsoft.com/office/drawing/2010/main" val="0"/>
+              </a:ext>
+            </a:extLst>
+          </a:blip>
+          <a:stretch>
+            <a:fillRect/>
+          </a:stretch>
+        </p:blipFill>
+        <p:spPr>
+          <a:xfrm>
+            <a:off x="0" y="-3571"/>
+            <a:ext cx="1066800" cy="406400"/>
+          </a:xfrm>
+          <a:prstGeom prst="rect">
+            <a:avLst/>
+          </a:prstGeom>
+        </p:spPr>
+      </p:pic>
+      <p:sp>
+        <p:nvSpPr>
+          <p:cNvPr id="2" name="Titel 1"/>
+          <p:cNvSpPr>
+            <a:spLocks noGrp="1"/>
+          </p:cNvSpPr>
+          <p:nvPr>
+            <p:ph type="ctrTitle"/>
+          </p:nvPr>
+        </p:nvSpPr>
+        <p:spPr>
+          <a:xfrm>
+            <a:off x="-29425" y="2060848"/>
+            <a:ext cx="9144000" cy="1139552"/>
+          </a:xfrm>
+        </p:spPr>
+        <p:txBody>
+          <a:bodyPr>
+            <a:normAutofit/>
+          </a:bodyPr>
+          <a:lstStyle/>
+          <a:p>
+            <a:r>
+              <a:rPr lang="de-CH" sz="6600" b="1" dirty="0"/>
+              <a:t>Demonstration</a:t>
+            </a:r>
+            <a:endParaRPr lang="de-CH" sz="6600" b="1" dirty="0">
+              <a:solidFill>
+                <a:schemeClr val="tx1"/>
+              </a:solidFill>
+            </a:endParaRPr>
+          </a:p>
+        </p:txBody>
+      </p:sp>
+      <p:cxnSp>
+        <p:nvCxnSpPr>
+          <p:cNvPr id="5" name="Gerade Verbindung 4"/>
+          <p:cNvCxnSpPr/>
+          <p:nvPr/>
+        </p:nvCxnSpPr>
+        <p:spPr>
+          <a:xfrm>
+            <a:off x="0" y="6525344"/>
+            <a:ext cx="9144000" cy="0"/>
+          </a:xfrm>
+          <a:prstGeom prst="line">
+            <a:avLst/>
+          </a:prstGeom>
+          <a:ln>
+            <a:solidFill>
+              <a:schemeClr val="tx1"/>
+            </a:solidFill>
+          </a:ln>
+        </p:spPr>
+        <p:style>
+          <a:lnRef idx="1">
+            <a:schemeClr val="accent1"/>
+          </a:lnRef>
+          <a:fillRef idx="0">
+            <a:schemeClr val="accent1"/>
+          </a:fillRef>
+          <a:effectRef idx="0">
+            <a:schemeClr val="accent1"/>
+          </a:effectRef>
+          <a:fontRef idx="minor">
+            <a:schemeClr val="tx1"/>
+          </a:fontRef>
+        </p:style>
+      </p:cxnSp>
+      <p:sp>
+        <p:nvSpPr>
+          <p:cNvPr id="6" name="Textfeld 5"/>
+          <p:cNvSpPr txBox="1"/>
+          <p:nvPr/>
+        </p:nvSpPr>
+        <p:spPr>
+          <a:xfrm>
+            <a:off x="287830" y="6542726"/>
+            <a:ext cx="1208792" cy="276999"/>
+          </a:xfrm>
+          <a:prstGeom prst="rect">
+            <a:avLst/>
+          </a:prstGeom>
+          <a:noFill/>
+        </p:spPr>
+        <p:txBody>
+          <a:bodyPr wrap="none" rtlCol="0">
+            <a:spAutoFit/>
+          </a:bodyPr>
+          <a:lstStyle/>
+          <a:p>
+            <a:r>
+              <a:rPr lang="de-CH" sz="1200" dirty="0">
+                <a:latin typeface="Calibri" panose="020F0502020204030204" pitchFamily="34" charset="0"/>
+              </a:rPr>
+              <a:t>Meilenstein_M3</a:t>
+            </a:r>
+          </a:p>
+        </p:txBody>
+      </p:sp>
+      <p:sp>
+        <p:nvSpPr>
+          <p:cNvPr id="7" name="Textfeld 6"/>
+          <p:cNvSpPr txBox="1"/>
+          <p:nvPr/>
+        </p:nvSpPr>
+        <p:spPr>
+          <a:xfrm>
+            <a:off x="7954767" y="6542725"/>
+            <a:ext cx="926857" cy="276999"/>
+          </a:xfrm>
+          <a:prstGeom prst="rect">
+            <a:avLst/>
+          </a:prstGeom>
+          <a:noFill/>
+        </p:spPr>
+        <p:txBody>
+          <a:bodyPr wrap="none" rtlCol="0">
+            <a:spAutoFit/>
+          </a:bodyPr>
+          <a:lstStyle/>
+          <a:p>
+            <a:pPr algn="r"/>
+            <a:r>
+              <a:rPr lang="de-CH" sz="1200" dirty="0">
+                <a:latin typeface="Calibri" panose="020F0502020204030204" pitchFamily="34" charset="0"/>
+              </a:rPr>
+              <a:t>8. Mai 2018</a:t>
+            </a:r>
+          </a:p>
+        </p:txBody>
+      </p:sp>
+      <p:cxnSp>
+        <p:nvCxnSpPr>
+          <p:cNvPr id="9" name="Gerade Verbindung 4"/>
+          <p:cNvCxnSpPr/>
+          <p:nvPr/>
+        </p:nvCxnSpPr>
+        <p:spPr>
+          <a:xfrm>
+            <a:off x="-5050" y="421597"/>
+            <a:ext cx="9144000" cy="0"/>
+          </a:xfrm>
+          <a:prstGeom prst="line">
+            <a:avLst/>
+          </a:prstGeom>
+          <a:ln>
+            <a:solidFill>
+              <a:schemeClr val="tx1"/>
+            </a:solidFill>
+          </a:ln>
+        </p:spPr>
+        <p:style>
+          <a:lnRef idx="1">
+            <a:schemeClr val="accent1"/>
+          </a:lnRef>
+          <a:fillRef idx="0">
+            <a:schemeClr val="accent1"/>
+          </a:fillRef>
+          <a:effectRef idx="0">
+            <a:schemeClr val="accent1"/>
+          </a:effectRef>
+          <a:fontRef idx="minor">
+            <a:schemeClr val="tx1"/>
+          </a:fontRef>
+        </p:style>
+      </p:cxnSp>
+      <p:sp>
+        <p:nvSpPr>
+          <p:cNvPr id="10" name="Textfeld 9"/>
+          <p:cNvSpPr txBox="1"/>
+          <p:nvPr/>
+        </p:nvSpPr>
+        <p:spPr>
+          <a:xfrm>
+            <a:off x="7615828" y="144598"/>
+            <a:ext cx="1265796" cy="276999"/>
+          </a:xfrm>
+          <a:prstGeom prst="rect">
+            <a:avLst/>
+          </a:prstGeom>
+          <a:noFill/>
+        </p:spPr>
+        <p:txBody>
+          <a:bodyPr wrap="none" rtlCol="0">
+            <a:spAutoFit/>
+          </a:bodyPr>
+          <a:lstStyle/>
+          <a:p>
+            <a:pPr algn="r"/>
+            <a:r>
+              <a:rPr lang="de-CH" sz="1200">
+                <a:latin typeface="Calibri" panose="020F0502020204030204" pitchFamily="34" charset="0"/>
+              </a:rPr>
+              <a:t>SysP18_</a:t>
+            </a:r>
+            <a:r>
+              <a:rPr lang="de-CH" sz="1200" dirty="0">
+                <a:latin typeface="Calibri" panose="020F0502020204030204" pitchFamily="34" charset="0"/>
+              </a:rPr>
+              <a:t>Team_10</a:t>
+            </a:r>
+          </a:p>
+        </p:txBody>
+      </p:sp>
+      <p:sp>
+        <p:nvSpPr>
+          <p:cNvPr id="12" name="Textfeld 11">
+            <a:extLst>
+              <a:ext uri="{FF2B5EF4-FFF2-40B4-BE49-F238E27FC236}">
+                <a16:creationId xmlns:a16="http://schemas.microsoft.com/office/drawing/2014/main" id="{7AD42DF3-8805-DA44-9170-790CB01E3083}"/>
+              </a:ext>
+            </a:extLst>
+          </p:cNvPr>
+          <p:cNvSpPr txBox="1"/>
+          <p:nvPr/>
+        </p:nvSpPr>
+        <p:spPr>
+          <a:xfrm>
+            <a:off x="3627204" y="6542724"/>
+            <a:ext cx="1800200" cy="276999"/>
+          </a:xfrm>
+          <a:prstGeom prst="rect">
+            <a:avLst/>
+          </a:prstGeom>
+          <a:noFill/>
+        </p:spPr>
+        <p:txBody>
+          <a:bodyPr wrap="square" rtlCol="0">
+            <a:spAutoFit/>
+          </a:bodyPr>
+          <a:lstStyle/>
+          <a:p>
+            <a:pPr algn="ctr"/>
+            <a:r>
+              <a:rPr lang="de-CH" sz="1200" dirty="0">
+                <a:latin typeface="Calibri" panose="020F0502020204030204" pitchFamily="34" charset="0"/>
+              </a:rPr>
+              <a:t>Seite 6/9</a:t>
+            </a:r>
+          </a:p>
+        </p:txBody>
+      </p:sp>
+    </p:spTree>
+    <p:extLst>
+      <p:ext uri="{BB962C8B-B14F-4D97-AF65-F5344CB8AC3E}">
+        <p14:creationId xmlns:p14="http://schemas.microsoft.com/office/powerpoint/2010/main" val="153424754"/>
+      </p:ext>
+    </p:extLst>
+  </p:cSld>
+  <p:clrMapOvr>
+    <a:masterClrMapping/>
+  </p:clrMapOvr>
+  <p:timing>
+    <p:tnLst>
+      <p:par>
+        <p:cTn id="1" dur="indefinite" restart="never" nodeType="tmRoot"/>
       </p:par>
     </p:tnLst>
   </p:timing>
